--- a/Documents/ppBaocao.pptx
+++ b/Documents/ppBaocao.pptx
@@ -6,27 +6,29 @@
   </p:sldMasterIdLst>
   <p:sldIdLst>
     <p:sldId id="257" r:id="rId2"/>
-    <p:sldId id="268" r:id="rId3"/>
-    <p:sldId id="269" r:id="rId4"/>
-    <p:sldId id="270" r:id="rId5"/>
-    <p:sldId id="271" r:id="rId6"/>
-    <p:sldId id="272" r:id="rId7"/>
-    <p:sldId id="273" r:id="rId8"/>
-    <p:sldId id="263" r:id="rId9"/>
-    <p:sldId id="265" r:id="rId10"/>
-    <p:sldId id="266" r:id="rId11"/>
-    <p:sldId id="267" r:id="rId12"/>
-    <p:sldId id="274" r:id="rId13"/>
-    <p:sldId id="275" r:id="rId14"/>
-    <p:sldId id="276" r:id="rId15"/>
-    <p:sldId id="277" r:id="rId16"/>
-    <p:sldId id="279" r:id="rId17"/>
-    <p:sldId id="258" r:id="rId18"/>
-    <p:sldId id="259" r:id="rId19"/>
-    <p:sldId id="260" r:id="rId20"/>
-    <p:sldId id="261" r:id="rId21"/>
-    <p:sldId id="262" r:id="rId22"/>
-    <p:sldId id="278" r:id="rId23"/>
+    <p:sldId id="280" r:id="rId3"/>
+    <p:sldId id="281" r:id="rId4"/>
+    <p:sldId id="268" r:id="rId5"/>
+    <p:sldId id="269" r:id="rId6"/>
+    <p:sldId id="270" r:id="rId7"/>
+    <p:sldId id="271" r:id="rId8"/>
+    <p:sldId id="272" r:id="rId9"/>
+    <p:sldId id="273" r:id="rId10"/>
+    <p:sldId id="263" r:id="rId11"/>
+    <p:sldId id="265" r:id="rId12"/>
+    <p:sldId id="266" r:id="rId13"/>
+    <p:sldId id="267" r:id="rId14"/>
+    <p:sldId id="274" r:id="rId15"/>
+    <p:sldId id="275" r:id="rId16"/>
+    <p:sldId id="276" r:id="rId17"/>
+    <p:sldId id="277" r:id="rId18"/>
+    <p:sldId id="279" r:id="rId19"/>
+    <p:sldId id="258" r:id="rId20"/>
+    <p:sldId id="259" r:id="rId21"/>
+    <p:sldId id="260" r:id="rId22"/>
+    <p:sldId id="261" r:id="rId23"/>
+    <p:sldId id="262" r:id="rId24"/>
+    <p:sldId id="278" r:id="rId25"/>
   </p:sldIdLst>
   <p:sldSz cx="12192000" cy="6858000"/>
   <p:notesSz cx="6858000" cy="9144000"/>
@@ -125,6 +127,11 @@
       </a:defRPr>
     </a:lvl9pPr>
   </p:defaultTextStyle>
+  <p:extLst>
+    <p:ext uri="{EFAFB233-063F-42B5-8137-9DF3F51BA10A}">
+      <p15:sldGuideLst xmlns:p15="http://schemas.microsoft.com/office/powerpoint/2012/main"/>
+    </p:ext>
+  </p:extLst>
 </p:presentation>
 </file>
 
@@ -850,7 +857,7 @@
           <a:p>
             <a:fld id="{5B88853F-638D-4857-8624-8B780BF2FAC7}" type="datetimeFigureOut">
               <a:rPr lang="vi-VN" smtClean="0"/>
-              <a:t>05/12/2020</a:t>
+              <a:t>12/12/2020</a:t>
             </a:fld>
             <a:endParaRPr lang="vi-VN"/>
           </a:p>
@@ -1101,7 +1108,7 @@
           <a:p>
             <a:fld id="{5B88853F-638D-4857-8624-8B780BF2FAC7}" type="datetimeFigureOut">
               <a:rPr lang="vi-VN" smtClean="0"/>
-              <a:t>05/12/2020</a:t>
+              <a:t>12/12/2020</a:t>
             </a:fld>
             <a:endParaRPr lang="vi-VN"/>
           </a:p>
@@ -1415,7 +1422,7 @@
           <a:p>
             <a:fld id="{5B88853F-638D-4857-8624-8B780BF2FAC7}" type="datetimeFigureOut">
               <a:rPr lang="vi-VN" smtClean="0"/>
-              <a:t>05/12/2020</a:t>
+              <a:t>12/12/2020</a:t>
             </a:fld>
             <a:endParaRPr lang="vi-VN"/>
           </a:p>
@@ -1756,7 +1763,7 @@
           <a:p>
             <a:fld id="{5B88853F-638D-4857-8624-8B780BF2FAC7}" type="datetimeFigureOut">
               <a:rPr lang="vi-VN" smtClean="0"/>
-              <a:t>05/12/2020</a:t>
+              <a:t>12/12/2020</a:t>
             </a:fld>
             <a:endParaRPr lang="vi-VN"/>
           </a:p>
@@ -2070,7 +2077,7 @@
           <a:p>
             <a:fld id="{5B88853F-638D-4857-8624-8B780BF2FAC7}" type="datetimeFigureOut">
               <a:rPr lang="vi-VN" smtClean="0"/>
-              <a:t>05/12/2020</a:t>
+              <a:t>12/12/2020</a:t>
             </a:fld>
             <a:endParaRPr lang="vi-VN"/>
           </a:p>
@@ -2463,7 +2470,7 @@
           <a:p>
             <a:fld id="{5B88853F-638D-4857-8624-8B780BF2FAC7}" type="datetimeFigureOut">
               <a:rPr lang="vi-VN" smtClean="0"/>
-              <a:t>05/12/2020</a:t>
+              <a:t>12/12/2020</a:t>
             </a:fld>
             <a:endParaRPr lang="vi-VN"/>
           </a:p>
@@ -2633,7 +2640,7 @@
           <a:p>
             <a:fld id="{5B88853F-638D-4857-8624-8B780BF2FAC7}" type="datetimeFigureOut">
               <a:rPr lang="vi-VN" smtClean="0"/>
-              <a:t>05/12/2020</a:t>
+              <a:t>12/12/2020</a:t>
             </a:fld>
             <a:endParaRPr lang="vi-VN"/>
           </a:p>
@@ -2813,7 +2820,7 @@
           <a:p>
             <a:fld id="{5B88853F-638D-4857-8624-8B780BF2FAC7}" type="datetimeFigureOut">
               <a:rPr lang="vi-VN" smtClean="0"/>
-              <a:t>05/12/2020</a:t>
+              <a:t>12/12/2020</a:t>
             </a:fld>
             <a:endParaRPr lang="vi-VN"/>
           </a:p>
@@ -2989,7 +2996,7 @@
           <a:p>
             <a:fld id="{5B88853F-638D-4857-8624-8B780BF2FAC7}" type="datetimeFigureOut">
               <a:rPr lang="vi-VN" smtClean="0"/>
-              <a:t>05/12/2020</a:t>
+              <a:t>12/12/2020</a:t>
             </a:fld>
             <a:endParaRPr lang="vi-VN"/>
           </a:p>
@@ -3236,7 +3243,7 @@
           <a:p>
             <a:fld id="{5B88853F-638D-4857-8624-8B780BF2FAC7}" type="datetimeFigureOut">
               <a:rPr lang="vi-VN" smtClean="0"/>
-              <a:t>05/12/2020</a:t>
+              <a:t>12/12/2020</a:t>
             </a:fld>
             <a:endParaRPr lang="vi-VN"/>
           </a:p>
@@ -3468,7 +3475,7 @@
           <a:p>
             <a:fld id="{5B88853F-638D-4857-8624-8B780BF2FAC7}" type="datetimeFigureOut">
               <a:rPr lang="vi-VN" smtClean="0"/>
-              <a:t>05/12/2020</a:t>
+              <a:t>12/12/2020</a:t>
             </a:fld>
             <a:endParaRPr lang="vi-VN"/>
           </a:p>
@@ -3842,7 +3849,7 @@
           <a:p>
             <a:fld id="{5B88853F-638D-4857-8624-8B780BF2FAC7}" type="datetimeFigureOut">
               <a:rPr lang="vi-VN" smtClean="0"/>
-              <a:t>05/12/2020</a:t>
+              <a:t>12/12/2020</a:t>
             </a:fld>
             <a:endParaRPr lang="vi-VN"/>
           </a:p>
@@ -3965,7 +3972,7 @@
           <a:p>
             <a:fld id="{5B88853F-638D-4857-8624-8B780BF2FAC7}" type="datetimeFigureOut">
               <a:rPr lang="vi-VN" smtClean="0"/>
-              <a:t>05/12/2020</a:t>
+              <a:t>12/12/2020</a:t>
             </a:fld>
             <a:endParaRPr lang="vi-VN"/>
           </a:p>
@@ -4060,7 +4067,7 @@
           <a:p>
             <a:fld id="{5B88853F-638D-4857-8624-8B780BF2FAC7}" type="datetimeFigureOut">
               <a:rPr lang="vi-VN" smtClean="0"/>
-              <a:t>05/12/2020</a:t>
+              <a:t>12/12/2020</a:t>
             </a:fld>
             <a:endParaRPr lang="vi-VN"/>
           </a:p>
@@ -4315,7 +4322,7 @@
           <a:p>
             <a:fld id="{5B88853F-638D-4857-8624-8B780BF2FAC7}" type="datetimeFigureOut">
               <a:rPr lang="vi-VN" smtClean="0"/>
-              <a:t>05/12/2020</a:t>
+              <a:t>12/12/2020</a:t>
             </a:fld>
             <a:endParaRPr lang="vi-VN"/>
           </a:p>
@@ -4578,7 +4585,7 @@
           <a:p>
             <a:fld id="{5B88853F-638D-4857-8624-8B780BF2FAC7}" type="datetimeFigureOut">
               <a:rPr lang="vi-VN" smtClean="0"/>
-              <a:t>05/12/2020</a:t>
+              <a:t>12/12/2020</a:t>
             </a:fld>
             <a:endParaRPr lang="vi-VN"/>
           </a:p>
@@ -5321,7 +5328,7 @@
           <a:p>
             <a:fld id="{5B88853F-638D-4857-8624-8B780BF2FAC7}" type="datetimeFigureOut">
               <a:rPr lang="vi-VN" smtClean="0"/>
-              <a:t>05/12/2020</a:t>
+              <a:t>12/12/2020</a:t>
             </a:fld>
             <a:endParaRPr lang="vi-VN"/>
           </a:p>
@@ -5916,6 +5923,13 @@
               </a:rPr>
               <a:t>mềm</a:t>
             </a:r>
+            <a:r>
+              <a:rPr lang="en-US" dirty="0">
+                <a:latin typeface="Times New Roman" panose="02020603050405020304" pitchFamily="18" charset="0"/>
+                <a:cs typeface="Times New Roman" panose="02020603050405020304" pitchFamily="18" charset="0"/>
+              </a:rPr>
+              <a:t/>
+            </a:r>
             <a:br>
               <a:rPr lang="en-US" dirty="0">
                 <a:latin typeface="Times New Roman" panose="02020603050405020304" pitchFamily="18" charset="0"/>
@@ -5944,32 +5958,25 @@
               <a:t> </a:t>
             </a:r>
             <a:r>
-              <a:rPr lang="en-US" sz="2800" dirty="0" err="1">
+              <a:rPr lang="en-US" sz="2800" err="1">
                 <a:latin typeface="Times New Roman" panose="02020603050405020304" pitchFamily="18" charset="0"/>
                 <a:cs typeface="Times New Roman" panose="02020603050405020304" pitchFamily="18" charset="0"/>
               </a:rPr>
               <a:t>lý</a:t>
             </a:r>
             <a:r>
-              <a:rPr lang="en-US" sz="2800" dirty="0">
+              <a:rPr lang="en-US" sz="2800">
                 <a:latin typeface="Times New Roman" panose="02020603050405020304" pitchFamily="18" charset="0"/>
                 <a:cs typeface="Times New Roman" panose="02020603050405020304" pitchFamily="18" charset="0"/>
               </a:rPr>
               <a:t> </a:t>
             </a:r>
             <a:r>
-              <a:rPr lang="en-US" sz="2800" dirty="0" err="1">
+              <a:rPr lang="en-US" sz="2800" smtClean="0">
                 <a:latin typeface="Times New Roman" panose="02020603050405020304" pitchFamily="18" charset="0"/>
                 <a:cs typeface="Times New Roman" panose="02020603050405020304" pitchFamily="18" charset="0"/>
               </a:rPr>
-              <a:t>của</a:t>
-            </a:r>
-            <a:r>
-              <a:rPr lang="en-US" sz="2800" dirty="0">
-                <a:latin typeface="Times New Roman" panose="02020603050405020304" pitchFamily="18" charset="0"/>
-                <a:cs typeface="Times New Roman" panose="02020603050405020304" pitchFamily="18" charset="0"/>
-              </a:rPr>
-              <a:t> </a:t>
+              <a:t>cửa </a:t>
             </a:r>
             <a:r>
               <a:rPr lang="en-US" sz="2800" dirty="0" err="1">
@@ -6111,6 +6118,194 @@
           <p:cNvPr id="2" name="Title 1">
             <a:extLst>
               <a:ext uri="{FF2B5EF4-FFF2-40B4-BE49-F238E27FC236}">
+                <a16:creationId xmlns:a16="http://schemas.microsoft.com/office/drawing/2014/main" id="{938BD2D1-A2CD-45E8-BD7F-5C1E3194F045}"/>
+              </a:ext>
+            </a:extLst>
+          </p:cNvPr>
+          <p:cNvSpPr>
+            <a:spLocks noGrp="1"/>
+          </p:cNvSpPr>
+          <p:nvPr>
+            <p:ph type="title"/>
+          </p:nvPr>
+        </p:nvSpPr>
+        <p:spPr/>
+        <p:txBody>
+          <a:bodyPr/>
+          <a:lstStyle/>
+          <a:p>
+            <a:r>
+              <a:rPr lang="vi-VN" dirty="0"/>
+              <a:t>Quản lý tiến độ công việc</a:t>
+            </a:r>
+            <a:br>
+              <a:rPr lang="vi-VN" dirty="0"/>
+            </a:br>
+            <a:endParaRPr lang="vi-VN" dirty="0"/>
+          </a:p>
+        </p:txBody>
+      </p:sp>
+      <p:pic>
+        <p:nvPicPr>
+          <p:cNvPr id="5" name="Content Placeholder 4">
+            <a:extLst>
+              <a:ext uri="{FF2B5EF4-FFF2-40B4-BE49-F238E27FC236}">
+                <a16:creationId xmlns:a16="http://schemas.microsoft.com/office/drawing/2014/main" id="{87393DA1-F286-4EC8-A476-E45705EBC487}"/>
+              </a:ext>
+            </a:extLst>
+          </p:cNvPr>
+          <p:cNvPicPr>
+            <a:picLocks noGrp="1"/>
+          </p:cNvPicPr>
+          <p:nvPr>
+            <p:ph idx="1"/>
+          </p:nvPr>
+        </p:nvPicPr>
+        <p:blipFill>
+          <a:blip r:embed="rId2"/>
+          <a:stretch>
+            <a:fillRect/>
+          </a:stretch>
+        </p:blipFill>
+        <p:spPr>
+          <a:xfrm>
+            <a:off x="777240" y="1227219"/>
+            <a:ext cx="7931737" cy="5630781"/>
+          </a:xfrm>
+          <a:prstGeom prst="rect">
+            <a:avLst/>
+          </a:prstGeom>
+        </p:spPr>
+      </p:pic>
+    </p:spTree>
+    <p:extLst>
+      <p:ext uri="{BB962C8B-B14F-4D97-AF65-F5344CB8AC3E}">
+        <p14:creationId xmlns:p14="http://schemas.microsoft.com/office/powerpoint/2010/main" val="2015366590"/>
+      </p:ext>
+    </p:extLst>
+  </p:cSld>
+  <p:clrMapOvr>
+    <a:masterClrMapping/>
+  </p:clrMapOvr>
+</p:sld>
+</file>
+
+<file path=ppt/slides/slide11.xml><?xml version="1.0" encoding="utf-8"?>
+<p:sld xmlns:a="http://schemas.openxmlformats.org/drawingml/2006/main" xmlns:r="http://schemas.openxmlformats.org/officeDocument/2006/relationships" xmlns:p="http://schemas.openxmlformats.org/presentationml/2006/main">
+  <p:cSld>
+    <p:spTree>
+      <p:nvGrpSpPr>
+        <p:cNvPr id="1" name=""/>
+        <p:cNvGrpSpPr/>
+        <p:nvPr/>
+      </p:nvGrpSpPr>
+      <p:grpSpPr>
+        <a:xfrm>
+          <a:off x="0" y="0"/>
+          <a:ext cx="0" cy="0"/>
+          <a:chOff x="0" y="0"/>
+          <a:chExt cx="0" cy="0"/>
+        </a:xfrm>
+      </p:grpSpPr>
+      <p:sp>
+        <p:nvSpPr>
+          <p:cNvPr id="2" name="Title 1">
+            <a:extLst>
+              <a:ext uri="{FF2B5EF4-FFF2-40B4-BE49-F238E27FC236}">
+                <a16:creationId xmlns:a16="http://schemas.microsoft.com/office/drawing/2014/main" id="{DD92EE37-F070-4693-BF4E-719C67EACDDF}"/>
+              </a:ext>
+            </a:extLst>
+          </p:cNvPr>
+          <p:cNvSpPr>
+            <a:spLocks noGrp="1"/>
+          </p:cNvSpPr>
+          <p:nvPr>
+            <p:ph type="title"/>
+          </p:nvPr>
+        </p:nvSpPr>
+        <p:spPr/>
+        <p:txBody>
+          <a:bodyPr/>
+          <a:lstStyle/>
+          <a:p>
+            <a:r>
+              <a:rPr lang="vi-VN" dirty="0"/>
+              <a:t>Quản lý tiến độ công việc</a:t>
+            </a:r>
+            <a:br>
+              <a:rPr lang="vi-VN" dirty="0"/>
+            </a:br>
+            <a:endParaRPr lang="vi-VN" dirty="0"/>
+          </a:p>
+        </p:txBody>
+      </p:sp>
+      <p:pic>
+        <p:nvPicPr>
+          <p:cNvPr id="4" name="Content Placeholder 3">
+            <a:extLst>
+              <a:ext uri="{FF2B5EF4-FFF2-40B4-BE49-F238E27FC236}">
+                <a16:creationId xmlns:a16="http://schemas.microsoft.com/office/drawing/2014/main" id="{4ADC9F7C-68C7-4CDF-B912-DCC31FBCF10A}"/>
+              </a:ext>
+            </a:extLst>
+          </p:cNvPr>
+          <p:cNvPicPr>
+            <a:picLocks noGrp="1"/>
+          </p:cNvPicPr>
+          <p:nvPr>
+            <p:ph idx="1"/>
+          </p:nvPr>
+        </p:nvPicPr>
+        <p:blipFill>
+          <a:blip r:embed="rId2"/>
+          <a:stretch>
+            <a:fillRect/>
+          </a:stretch>
+        </p:blipFill>
+        <p:spPr>
+          <a:xfrm>
+            <a:off x="854756" y="1298448"/>
+            <a:ext cx="7841187" cy="5577840"/>
+          </a:xfrm>
+          <a:prstGeom prst="rect">
+            <a:avLst/>
+          </a:prstGeom>
+        </p:spPr>
+      </p:pic>
+    </p:spTree>
+    <p:extLst>
+      <p:ext uri="{BB962C8B-B14F-4D97-AF65-F5344CB8AC3E}">
+        <p14:creationId xmlns:p14="http://schemas.microsoft.com/office/powerpoint/2010/main" val="1675058282"/>
+      </p:ext>
+    </p:extLst>
+  </p:cSld>
+  <p:clrMapOvr>
+    <a:masterClrMapping/>
+  </p:clrMapOvr>
+</p:sld>
+</file>
+
+<file path=ppt/slides/slide12.xml><?xml version="1.0" encoding="utf-8"?>
+<p:sld xmlns:a="http://schemas.openxmlformats.org/drawingml/2006/main" xmlns:r="http://schemas.openxmlformats.org/officeDocument/2006/relationships" xmlns:p="http://schemas.openxmlformats.org/presentationml/2006/main">
+  <p:cSld>
+    <p:spTree>
+      <p:nvGrpSpPr>
+        <p:cNvPr id="1" name=""/>
+        <p:cNvGrpSpPr/>
+        <p:nvPr/>
+      </p:nvGrpSpPr>
+      <p:grpSpPr>
+        <a:xfrm>
+          <a:off x="0" y="0"/>
+          <a:ext cx="0" cy="0"/>
+          <a:chOff x="0" y="0"/>
+          <a:chExt cx="0" cy="0"/>
+        </a:xfrm>
+      </p:grpSpPr>
+      <p:sp>
+        <p:nvSpPr>
+          <p:cNvPr id="2" name="Title 1">
+            <a:extLst>
+              <a:ext uri="{FF2B5EF4-FFF2-40B4-BE49-F238E27FC236}">
                 <a16:creationId xmlns:a16="http://schemas.microsoft.com/office/drawing/2014/main" id="{FB0D1F8A-C86E-4A85-A7B6-79A58D9C1717}"/>
               </a:ext>
             </a:extLst>
@@ -6162,8 +6357,8 @@
         </p:blipFill>
         <p:spPr>
           <a:xfrm>
-            <a:off x="2217999" y="2160588"/>
-            <a:ext cx="5516039" cy="3881437"/>
+            <a:off x="677334" y="1305272"/>
+            <a:ext cx="7891167" cy="5552728"/>
           </a:xfrm>
           <a:prstGeom prst="rect">
             <a:avLst/>
@@ -6183,7 +6378,7 @@
 </p:sld>
 </file>
 
-<file path=ppt/slides/slide11.xml><?xml version="1.0" encoding="utf-8"?>
+<file path=ppt/slides/slide13.xml><?xml version="1.0" encoding="utf-8"?>
 <p:sld xmlns:a="http://schemas.openxmlformats.org/drawingml/2006/main" xmlns:r="http://schemas.openxmlformats.org/officeDocument/2006/relationships" xmlns:p="http://schemas.openxmlformats.org/presentationml/2006/main">
   <p:cSld>
     <p:spTree>
@@ -6284,7 +6479,7 @@
 </p:sld>
 </file>
 
-<file path=ppt/slides/slide12.xml><?xml version="1.0" encoding="utf-8"?>
+<file path=ppt/slides/slide14.xml><?xml version="1.0" encoding="utf-8"?>
 <p:sld xmlns:a="http://schemas.openxmlformats.org/drawingml/2006/main" xmlns:r="http://schemas.openxmlformats.org/officeDocument/2006/relationships" xmlns:p="http://schemas.openxmlformats.org/presentationml/2006/main">
   <p:cSld>
     <p:spTree>
@@ -6385,7 +6580,7 @@
 </p:sld>
 </file>
 
-<file path=ppt/slides/slide13.xml><?xml version="1.0" encoding="utf-8"?>
+<file path=ppt/slides/slide15.xml><?xml version="1.0" encoding="utf-8"?>
 <p:sld xmlns:a="http://schemas.openxmlformats.org/drawingml/2006/main" xmlns:r="http://schemas.openxmlformats.org/officeDocument/2006/relationships" xmlns:p="http://schemas.openxmlformats.org/presentationml/2006/main">
   <p:cSld>
     <p:spTree>
@@ -6486,7 +6681,7 @@
 </p:sld>
 </file>
 
-<file path=ppt/slides/slide14.xml><?xml version="1.0" encoding="utf-8"?>
+<file path=ppt/slides/slide16.xml><?xml version="1.0" encoding="utf-8"?>
 <p:sld xmlns:a="http://schemas.openxmlformats.org/drawingml/2006/main" xmlns:r="http://schemas.openxmlformats.org/officeDocument/2006/relationships" xmlns:p="http://schemas.openxmlformats.org/presentationml/2006/main">
   <p:cSld>
     <p:spTree>
@@ -6587,7 +6782,7 @@
 </p:sld>
 </file>
 
-<file path=ppt/slides/slide15.xml><?xml version="1.0" encoding="utf-8"?>
+<file path=ppt/slides/slide17.xml><?xml version="1.0" encoding="utf-8"?>
 <p:sld xmlns:a="http://schemas.openxmlformats.org/drawingml/2006/main" xmlns:r="http://schemas.openxmlformats.org/officeDocument/2006/relationships" xmlns:p="http://schemas.openxmlformats.org/presentationml/2006/main">
   <p:cSld>
     <p:spTree>
@@ -6688,7 +6883,7 @@
 </p:sld>
 </file>
 
-<file path=ppt/slides/slide16.xml><?xml version="1.0" encoding="utf-8"?>
+<file path=ppt/slides/slide18.xml><?xml version="1.0" encoding="utf-8"?>
 <p:sld xmlns:a="http://schemas.openxmlformats.org/drawingml/2006/main" xmlns:r="http://schemas.openxmlformats.org/officeDocument/2006/relationships" xmlns:p="http://schemas.openxmlformats.org/presentationml/2006/main">
   <p:cSld>
     <p:spTree>
@@ -6781,192 +6976,6 @@
 </p:sld>
 </file>
 
-<file path=ppt/slides/slide17.xml><?xml version="1.0" encoding="utf-8"?>
-<p:sld xmlns:a="http://schemas.openxmlformats.org/drawingml/2006/main" xmlns:r="http://schemas.openxmlformats.org/officeDocument/2006/relationships" xmlns:p="http://schemas.openxmlformats.org/presentationml/2006/main">
-  <p:cSld>
-    <p:spTree>
-      <p:nvGrpSpPr>
-        <p:cNvPr id="1" name=""/>
-        <p:cNvGrpSpPr/>
-        <p:nvPr/>
-      </p:nvGrpSpPr>
-      <p:grpSpPr>
-        <a:xfrm>
-          <a:off x="0" y="0"/>
-          <a:ext cx="0" cy="0"/>
-          <a:chOff x="0" y="0"/>
-          <a:chExt cx="0" cy="0"/>
-        </a:xfrm>
-      </p:grpSpPr>
-      <p:sp>
-        <p:nvSpPr>
-          <p:cNvPr id="2" name="Title 1">
-            <a:extLst>
-              <a:ext uri="{FF2B5EF4-FFF2-40B4-BE49-F238E27FC236}">
-                <a16:creationId xmlns:a16="http://schemas.microsoft.com/office/drawing/2014/main" id="{1DFDD0A0-9E19-4218-89AA-899577300F7F}"/>
-              </a:ext>
-            </a:extLst>
-          </p:cNvPr>
-          <p:cNvSpPr>
-            <a:spLocks noGrp="1"/>
-          </p:cNvSpPr>
-          <p:nvPr>
-            <p:ph type="title"/>
-          </p:nvPr>
-        </p:nvSpPr>
-        <p:spPr/>
-        <p:txBody>
-          <a:bodyPr/>
-          <a:lstStyle/>
-          <a:p>
-            <a:r>
-              <a:rPr lang="vi-VN" dirty="0"/>
-              <a:t>Giao diện chính</a:t>
-            </a:r>
-          </a:p>
-        </p:txBody>
-      </p:sp>
-      <p:pic>
-        <p:nvPicPr>
-          <p:cNvPr id="5" name="Content Placeholder 4">
-            <a:extLst>
-              <a:ext uri="{FF2B5EF4-FFF2-40B4-BE49-F238E27FC236}">
-                <a16:creationId xmlns:a16="http://schemas.microsoft.com/office/drawing/2014/main" id="{7461C3F2-CB75-45A3-A93F-2EDBC8B655D2}"/>
-              </a:ext>
-            </a:extLst>
-          </p:cNvPr>
-          <p:cNvPicPr>
-            <a:picLocks noGrp="1" noChangeAspect="1"/>
-          </p:cNvPicPr>
-          <p:nvPr>
-            <p:ph idx="1"/>
-          </p:nvPr>
-        </p:nvPicPr>
-        <p:blipFill>
-          <a:blip r:embed="rId2">
-            <a:extLst>
-              <a:ext uri="{28A0092B-C50C-407E-A947-70E740481C1C}">
-                <a14:useLocalDpi xmlns:a14="http://schemas.microsoft.com/office/drawing/2010/main" val="0"/>
-              </a:ext>
-            </a:extLst>
-          </a:blip>
-          <a:stretch>
-            <a:fillRect/>
-          </a:stretch>
-        </p:blipFill>
-        <p:spPr>
-          <a:xfrm>
-            <a:off x="1478213" y="2160588"/>
-            <a:ext cx="6995612" cy="3881437"/>
-          </a:xfrm>
-        </p:spPr>
-      </p:pic>
-    </p:spTree>
-    <p:extLst>
-      <p:ext uri="{BB962C8B-B14F-4D97-AF65-F5344CB8AC3E}">
-        <p14:creationId xmlns:p14="http://schemas.microsoft.com/office/powerpoint/2010/main" val="1601712181"/>
-      </p:ext>
-    </p:extLst>
-  </p:cSld>
-  <p:clrMapOvr>
-    <a:masterClrMapping/>
-  </p:clrMapOvr>
-</p:sld>
-</file>
-
-<file path=ppt/slides/slide18.xml><?xml version="1.0" encoding="utf-8"?>
-<p:sld xmlns:a="http://schemas.openxmlformats.org/drawingml/2006/main" xmlns:r="http://schemas.openxmlformats.org/officeDocument/2006/relationships" xmlns:p="http://schemas.openxmlformats.org/presentationml/2006/main">
-  <p:cSld>
-    <p:spTree>
-      <p:nvGrpSpPr>
-        <p:cNvPr id="1" name=""/>
-        <p:cNvGrpSpPr/>
-        <p:nvPr/>
-      </p:nvGrpSpPr>
-      <p:grpSpPr>
-        <a:xfrm>
-          <a:off x="0" y="0"/>
-          <a:ext cx="0" cy="0"/>
-          <a:chOff x="0" y="0"/>
-          <a:chExt cx="0" cy="0"/>
-        </a:xfrm>
-      </p:grpSpPr>
-      <p:sp>
-        <p:nvSpPr>
-          <p:cNvPr id="2" name="Title 1">
-            <a:extLst>
-              <a:ext uri="{FF2B5EF4-FFF2-40B4-BE49-F238E27FC236}">
-                <a16:creationId xmlns:a16="http://schemas.microsoft.com/office/drawing/2014/main" id="{2DC40B60-B637-44BD-B8F9-ED67E266E5CA}"/>
-              </a:ext>
-            </a:extLst>
-          </p:cNvPr>
-          <p:cNvSpPr>
-            <a:spLocks noGrp="1"/>
-          </p:cNvSpPr>
-          <p:nvPr>
-            <p:ph type="title"/>
-          </p:nvPr>
-        </p:nvSpPr>
-        <p:spPr/>
-        <p:txBody>
-          <a:bodyPr/>
-          <a:lstStyle/>
-          <a:p>
-            <a:r>
-              <a:rPr lang="vi-VN" dirty="0"/>
-              <a:t>Nhân viên</a:t>
-            </a:r>
-          </a:p>
-        </p:txBody>
-      </p:sp>
-      <p:pic>
-        <p:nvPicPr>
-          <p:cNvPr id="5" name="Content Placeholder 4">
-            <a:extLst>
-              <a:ext uri="{FF2B5EF4-FFF2-40B4-BE49-F238E27FC236}">
-                <a16:creationId xmlns:a16="http://schemas.microsoft.com/office/drawing/2014/main" id="{D07F6584-A12F-419B-8B59-E51C3AD5941E}"/>
-              </a:ext>
-            </a:extLst>
-          </p:cNvPr>
-          <p:cNvPicPr>
-            <a:picLocks noGrp="1" noChangeAspect="1"/>
-          </p:cNvPicPr>
-          <p:nvPr>
-            <p:ph idx="1"/>
-          </p:nvPr>
-        </p:nvPicPr>
-        <p:blipFill>
-          <a:blip r:embed="rId2">
-            <a:extLst>
-              <a:ext uri="{28A0092B-C50C-407E-A947-70E740481C1C}">
-                <a14:useLocalDpi xmlns:a14="http://schemas.microsoft.com/office/drawing/2010/main" val="0"/>
-              </a:ext>
-            </a:extLst>
-          </a:blip>
-          <a:stretch>
-            <a:fillRect/>
-          </a:stretch>
-        </p:blipFill>
-        <p:spPr>
-          <a:xfrm>
-            <a:off x="1478213" y="2160588"/>
-            <a:ext cx="6995612" cy="3881437"/>
-          </a:xfrm>
-        </p:spPr>
-      </p:pic>
-    </p:spTree>
-    <p:extLst>
-      <p:ext uri="{BB962C8B-B14F-4D97-AF65-F5344CB8AC3E}">
-        <p14:creationId xmlns:p14="http://schemas.microsoft.com/office/powerpoint/2010/main" val="578559217"/>
-      </p:ext>
-    </p:extLst>
-  </p:cSld>
-  <p:clrMapOvr>
-    <a:masterClrMapping/>
-  </p:clrMapOvr>
-</p:sld>
-</file>
-
 <file path=ppt/slides/slide19.xml><?xml version="1.0" encoding="utf-8"?>
 <p:sld xmlns:a="http://schemas.openxmlformats.org/drawingml/2006/main" xmlns:r="http://schemas.openxmlformats.org/officeDocument/2006/relationships" xmlns:p="http://schemas.openxmlformats.org/presentationml/2006/main">
   <p:cSld>
@@ -6989,7 +6998,7 @@
           <p:cNvPr id="2" name="Title 1">
             <a:extLst>
               <a:ext uri="{FF2B5EF4-FFF2-40B4-BE49-F238E27FC236}">
-                <a16:creationId xmlns:a16="http://schemas.microsoft.com/office/drawing/2014/main" id="{9DC3DBE2-F604-4288-BA63-D99E5F87BFCE}"/>
+                <a16:creationId xmlns:a16="http://schemas.microsoft.com/office/drawing/2014/main" id="{1DFDD0A0-9E19-4218-89AA-899577300F7F}"/>
               </a:ext>
             </a:extLst>
           </p:cNvPr>
@@ -7007,7 +7016,7 @@
           <a:p>
             <a:r>
               <a:rPr lang="vi-VN" dirty="0"/>
-              <a:t>Hóa đơn</a:t>
+              <a:t>Giao diện chính</a:t>
             </a:r>
           </a:p>
         </p:txBody>
@@ -7017,7 +7026,7 @@
           <p:cNvPr id="5" name="Content Placeholder 4">
             <a:extLst>
               <a:ext uri="{FF2B5EF4-FFF2-40B4-BE49-F238E27FC236}">
-                <a16:creationId xmlns:a16="http://schemas.microsoft.com/office/drawing/2014/main" id="{DCCB5030-496B-4E2B-A029-85A17C96E56A}"/>
+                <a16:creationId xmlns:a16="http://schemas.microsoft.com/office/drawing/2014/main" id="{7461C3F2-CB75-45A3-A93F-2EDBC8B655D2}"/>
               </a:ext>
             </a:extLst>
           </p:cNvPr>
@@ -7042,8 +7051,1709 @@
         </p:blipFill>
         <p:spPr>
           <a:xfrm>
-            <a:off x="1478213" y="2160588"/>
-            <a:ext cx="6995612" cy="3881437"/>
+            <a:off x="633016" y="1691640"/>
+            <a:ext cx="9311461" cy="5166360"/>
+          </a:xfrm>
+        </p:spPr>
+      </p:pic>
+    </p:spTree>
+    <p:extLst>
+      <p:ext uri="{BB962C8B-B14F-4D97-AF65-F5344CB8AC3E}">
+        <p14:creationId xmlns:p14="http://schemas.microsoft.com/office/powerpoint/2010/main" val="1601712181"/>
+      </p:ext>
+    </p:extLst>
+  </p:cSld>
+  <p:clrMapOvr>
+    <a:masterClrMapping/>
+  </p:clrMapOvr>
+</p:sld>
+</file>
+
+<file path=ppt/slides/slide2.xml><?xml version="1.0" encoding="utf-8"?>
+<p:sld xmlns:a="http://schemas.openxmlformats.org/drawingml/2006/main" xmlns:r="http://schemas.openxmlformats.org/officeDocument/2006/relationships" xmlns:p="http://schemas.openxmlformats.org/presentationml/2006/main">
+  <p:cSld>
+    <p:spTree>
+      <p:nvGrpSpPr>
+        <p:cNvPr id="1" name=""/>
+        <p:cNvGrpSpPr/>
+        <p:nvPr/>
+      </p:nvGrpSpPr>
+      <p:grpSpPr>
+        <a:xfrm>
+          <a:off x="0" y="0"/>
+          <a:ext cx="0" cy="0"/>
+          <a:chOff x="0" y="0"/>
+          <a:chExt cx="0" cy="0"/>
+        </a:xfrm>
+      </p:grpSpPr>
+      <p:sp>
+        <p:nvSpPr>
+          <p:cNvPr id="2" name="Title 1"/>
+          <p:cNvSpPr>
+            <a:spLocks noGrp="1"/>
+          </p:cNvSpPr>
+          <p:nvPr>
+            <p:ph type="title"/>
+          </p:nvPr>
+        </p:nvSpPr>
+        <p:spPr/>
+        <p:txBody>
+          <a:bodyPr/>
+          <a:lstStyle/>
+          <a:p>
+            <a:r>
+              <a:rPr lang="en-US" smtClean="0"/>
+              <a:t>Nhiệm vụ</a:t>
+            </a:r>
+            <a:endParaRPr lang="en-US"/>
+          </a:p>
+        </p:txBody>
+      </p:sp>
+      <p:graphicFrame>
+        <p:nvGraphicFramePr>
+          <p:cNvPr id="5" name="Content Placeholder 4"/>
+          <p:cNvGraphicFramePr>
+            <a:graphicFrameLocks noGrp="1"/>
+          </p:cNvGraphicFramePr>
+          <p:nvPr>
+            <p:ph idx="1"/>
+            <p:extLst>
+              <p:ext uri="{D42A27DB-BD31-4B8C-83A1-F6EECF244321}">
+                <p14:modId xmlns:p14="http://schemas.microsoft.com/office/powerpoint/2010/main" val="2011737826"/>
+              </p:ext>
+            </p:extLst>
+          </p:nvPr>
+        </p:nvGraphicFramePr>
+        <p:xfrm>
+          <a:off x="886967" y="1417323"/>
+          <a:ext cx="8595361" cy="4818889"/>
+        </p:xfrm>
+        <a:graphic>
+          <a:graphicData uri="http://schemas.openxmlformats.org/drawingml/2006/table">
+            <a:tbl>
+              <a:tblPr firstRow="1" firstCol="1" bandRow="1">
+                <a:tableStyleId>{5C22544A-7EE6-4342-B048-85BDC9FD1C3A}</a:tableStyleId>
+              </a:tblPr>
+              <a:tblGrid>
+                <a:gridCol w="2864535">
+                  <a:extLst>
+                    <a:ext uri="{9D8B030D-6E8A-4147-A177-3AD203B41FA5}">
+                      <a16:colId xmlns:a16="http://schemas.microsoft.com/office/drawing/2014/main" val="3338441590"/>
+                    </a:ext>
+                  </a:extLst>
+                </a:gridCol>
+                <a:gridCol w="2865413">
+                  <a:extLst>
+                    <a:ext uri="{9D8B030D-6E8A-4147-A177-3AD203B41FA5}">
+                      <a16:colId xmlns:a16="http://schemas.microsoft.com/office/drawing/2014/main" val="4122219747"/>
+                    </a:ext>
+                  </a:extLst>
+                </a:gridCol>
+                <a:gridCol w="2865413">
+                  <a:extLst>
+                    <a:ext uri="{9D8B030D-6E8A-4147-A177-3AD203B41FA5}">
+                      <a16:colId xmlns:a16="http://schemas.microsoft.com/office/drawing/2014/main" val="3786878918"/>
+                    </a:ext>
+                  </a:extLst>
+                </a:gridCol>
+              </a:tblGrid>
+              <a:tr h="251411">
+                <a:tc>
+                  <a:txBody>
+                    <a:bodyPr/>
+                    <a:lstStyle/>
+                    <a:p>
+                      <a:pPr>
+                        <a:lnSpc>
+                          <a:spcPct val="107000"/>
+                        </a:lnSpc>
+                        <a:spcAft>
+                          <a:spcPts val="0"/>
+                        </a:spcAft>
+                      </a:pPr>
+                      <a:r>
+                        <a:rPr lang="en-US" sz="1200">
+                          <a:effectLst/>
+                        </a:rPr>
+                        <a:t>thiết kế phần mềm</a:t>
+                      </a:r>
+                      <a:endParaRPr lang="en-US" sz="1100">
+                        <a:effectLst/>
+                        <a:latin typeface="Arial" panose="020B0604020202020204" pitchFamily="34" charset="0"/>
+                        <a:ea typeface="Arial" panose="020B0604020202020204" pitchFamily="34" charset="0"/>
+                        <a:cs typeface="Times New Roman" panose="02020603050405020304" pitchFamily="18" charset="0"/>
+                      </a:endParaRPr>
+                    </a:p>
+                  </a:txBody>
+                  <a:tcPr marL="68580" marR="68580" marT="0" marB="0"/>
+                </a:tc>
+                <a:tc>
+                  <a:txBody>
+                    <a:bodyPr/>
+                    <a:lstStyle/>
+                    <a:p>
+                      <a:pPr>
+                        <a:lnSpc>
+                          <a:spcPct val="107000"/>
+                        </a:lnSpc>
+                        <a:spcAft>
+                          <a:spcPts val="0"/>
+                        </a:spcAft>
+                      </a:pPr>
+                      <a:r>
+                        <a:rPr lang="vi-VN" sz="1200">
+                          <a:effectLst/>
+                        </a:rPr>
+                        <a:t> </a:t>
+                      </a:r>
+                      <a:endParaRPr lang="en-US" sz="1100">
+                        <a:effectLst/>
+                        <a:latin typeface="Arial" panose="020B0604020202020204" pitchFamily="34" charset="0"/>
+                        <a:ea typeface="Arial" panose="020B0604020202020204" pitchFamily="34" charset="0"/>
+                        <a:cs typeface="Times New Roman" panose="02020603050405020304" pitchFamily="18" charset="0"/>
+                      </a:endParaRPr>
+                    </a:p>
+                  </a:txBody>
+                  <a:tcPr marL="68580" marR="68580" marT="0" marB="0"/>
+                </a:tc>
+                <a:tc>
+                  <a:txBody>
+                    <a:bodyPr/>
+                    <a:lstStyle/>
+                    <a:p>
+                      <a:pPr>
+                        <a:lnSpc>
+                          <a:spcPct val="107000"/>
+                        </a:lnSpc>
+                        <a:spcAft>
+                          <a:spcPts val="0"/>
+                        </a:spcAft>
+                      </a:pPr>
+                      <a:r>
+                        <a:rPr lang="vi-VN" sz="1200">
+                          <a:effectLst/>
+                        </a:rPr>
+                        <a:t> </a:t>
+                      </a:r>
+                      <a:endParaRPr lang="en-US" sz="1100">
+                        <a:effectLst/>
+                        <a:latin typeface="Arial" panose="020B0604020202020204" pitchFamily="34" charset="0"/>
+                        <a:ea typeface="Arial" panose="020B0604020202020204" pitchFamily="34" charset="0"/>
+                        <a:cs typeface="Times New Roman" panose="02020603050405020304" pitchFamily="18" charset="0"/>
+                      </a:endParaRPr>
+                    </a:p>
+                  </a:txBody>
+                  <a:tcPr marL="68580" marR="68580" marT="0" marB="0"/>
+                </a:tc>
+                <a:extLst>
+                  <a:ext uri="{0D108BD9-81ED-4DB2-BD59-A6C34878D82A}">
+                    <a16:rowId xmlns:a16="http://schemas.microsoft.com/office/drawing/2014/main" val="176550288"/>
+                  </a:ext>
+                </a:extLst>
+              </a:tr>
+              <a:tr h="516134">
+                <a:tc>
+                  <a:txBody>
+                    <a:bodyPr/>
+                    <a:lstStyle/>
+                    <a:p>
+                      <a:pPr>
+                        <a:lnSpc>
+                          <a:spcPct val="107000"/>
+                        </a:lnSpc>
+                        <a:spcAft>
+                          <a:spcPts val="0"/>
+                        </a:spcAft>
+                      </a:pPr>
+                      <a:r>
+                        <a:rPr lang="en-US" sz="1200">
+                          <a:effectLst/>
+                        </a:rPr>
+                        <a:t>Thiết kế giao diện(biểu mẫu)</a:t>
+                      </a:r>
+                      <a:endParaRPr lang="en-US" sz="1100">
+                        <a:effectLst/>
+                        <a:latin typeface="Arial" panose="020B0604020202020204" pitchFamily="34" charset="0"/>
+                        <a:ea typeface="Arial" panose="020B0604020202020204" pitchFamily="34" charset="0"/>
+                        <a:cs typeface="Times New Roman" panose="02020603050405020304" pitchFamily="18" charset="0"/>
+                      </a:endParaRPr>
+                    </a:p>
+                  </a:txBody>
+                  <a:tcPr marL="68580" marR="68580" marT="0" marB="0"/>
+                </a:tc>
+                <a:tc>
+                  <a:txBody>
+                    <a:bodyPr/>
+                    <a:lstStyle/>
+                    <a:p>
+                      <a:pPr>
+                        <a:lnSpc>
+                          <a:spcPct val="107000"/>
+                        </a:lnSpc>
+                        <a:spcAft>
+                          <a:spcPts val="0"/>
+                        </a:spcAft>
+                      </a:pPr>
+                      <a:r>
+                        <a:rPr lang="en-US" sz="1200">
+                          <a:effectLst/>
+                        </a:rPr>
+                        <a:t>all</a:t>
+                      </a:r>
+                      <a:endParaRPr lang="en-US" sz="1100">
+                        <a:effectLst/>
+                        <a:latin typeface="Arial" panose="020B0604020202020204" pitchFamily="34" charset="0"/>
+                        <a:ea typeface="Arial" panose="020B0604020202020204" pitchFamily="34" charset="0"/>
+                        <a:cs typeface="Times New Roman" panose="02020603050405020304" pitchFamily="18" charset="0"/>
+                      </a:endParaRPr>
+                    </a:p>
+                  </a:txBody>
+                  <a:tcPr marL="68580" marR="68580" marT="0" marB="0"/>
+                </a:tc>
+                <a:tc>
+                  <a:txBody>
+                    <a:bodyPr/>
+                    <a:lstStyle/>
+                    <a:p>
+                      <a:pPr>
+                        <a:lnSpc>
+                          <a:spcPct val="107000"/>
+                        </a:lnSpc>
+                        <a:spcAft>
+                          <a:spcPts val="0"/>
+                        </a:spcAft>
+                      </a:pPr>
+                      <a:r>
+                        <a:rPr lang="vi-VN" sz="1200">
+                          <a:effectLst/>
+                        </a:rPr>
+                        <a:t> </a:t>
+                      </a:r>
+                      <a:endParaRPr lang="en-US" sz="1100">
+                        <a:effectLst/>
+                        <a:latin typeface="Arial" panose="020B0604020202020204" pitchFamily="34" charset="0"/>
+                        <a:ea typeface="Arial" panose="020B0604020202020204" pitchFamily="34" charset="0"/>
+                        <a:cs typeface="Times New Roman" panose="02020603050405020304" pitchFamily="18" charset="0"/>
+                      </a:endParaRPr>
+                    </a:p>
+                  </a:txBody>
+                  <a:tcPr marL="68580" marR="68580" marT="0" marB="0"/>
+                </a:tc>
+                <a:extLst>
+                  <a:ext uri="{0D108BD9-81ED-4DB2-BD59-A6C34878D82A}">
+                    <a16:rowId xmlns:a16="http://schemas.microsoft.com/office/drawing/2014/main" val="58733898"/>
+                  </a:ext>
+                </a:extLst>
+              </a:tr>
+              <a:tr h="251411">
+                <a:tc>
+                  <a:txBody>
+                    <a:bodyPr/>
+                    <a:lstStyle/>
+                    <a:p>
+                      <a:pPr>
+                        <a:lnSpc>
+                          <a:spcPct val="107000"/>
+                        </a:lnSpc>
+                        <a:spcAft>
+                          <a:spcPts val="0"/>
+                        </a:spcAft>
+                      </a:pPr>
+                      <a:r>
+                        <a:rPr lang="en-US" sz="1200">
+                          <a:effectLst/>
+                        </a:rPr>
+                        <a:t>Thiết kế phần mềm</a:t>
+                      </a:r>
+                      <a:endParaRPr lang="en-US" sz="1100">
+                        <a:effectLst/>
+                        <a:latin typeface="Arial" panose="020B0604020202020204" pitchFamily="34" charset="0"/>
+                        <a:ea typeface="Arial" panose="020B0604020202020204" pitchFamily="34" charset="0"/>
+                        <a:cs typeface="Times New Roman" panose="02020603050405020304" pitchFamily="18" charset="0"/>
+                      </a:endParaRPr>
+                    </a:p>
+                  </a:txBody>
+                  <a:tcPr marL="68580" marR="68580" marT="0" marB="0"/>
+                </a:tc>
+                <a:tc>
+                  <a:txBody>
+                    <a:bodyPr/>
+                    <a:lstStyle/>
+                    <a:p>
+                      <a:pPr>
+                        <a:lnSpc>
+                          <a:spcPct val="107000"/>
+                        </a:lnSpc>
+                        <a:spcAft>
+                          <a:spcPts val="0"/>
+                        </a:spcAft>
+                      </a:pPr>
+                      <a:r>
+                        <a:rPr lang="en-US" sz="1200">
+                          <a:effectLst/>
+                        </a:rPr>
+                        <a:t>all</a:t>
+                      </a:r>
+                      <a:endParaRPr lang="en-US" sz="1100">
+                        <a:effectLst/>
+                        <a:latin typeface="Arial" panose="020B0604020202020204" pitchFamily="34" charset="0"/>
+                        <a:ea typeface="Arial" panose="020B0604020202020204" pitchFamily="34" charset="0"/>
+                        <a:cs typeface="Times New Roman" panose="02020603050405020304" pitchFamily="18" charset="0"/>
+                      </a:endParaRPr>
+                    </a:p>
+                  </a:txBody>
+                  <a:tcPr marL="68580" marR="68580" marT="0" marB="0"/>
+                </a:tc>
+                <a:tc>
+                  <a:txBody>
+                    <a:bodyPr/>
+                    <a:lstStyle/>
+                    <a:p>
+                      <a:pPr>
+                        <a:lnSpc>
+                          <a:spcPct val="107000"/>
+                        </a:lnSpc>
+                        <a:spcAft>
+                          <a:spcPts val="0"/>
+                        </a:spcAft>
+                      </a:pPr>
+                      <a:r>
+                        <a:rPr lang="vi-VN" sz="1200">
+                          <a:effectLst/>
+                        </a:rPr>
+                        <a:t> </a:t>
+                      </a:r>
+                      <a:endParaRPr lang="en-US" sz="1100">
+                        <a:effectLst/>
+                        <a:latin typeface="Arial" panose="020B0604020202020204" pitchFamily="34" charset="0"/>
+                        <a:ea typeface="Arial" panose="020B0604020202020204" pitchFamily="34" charset="0"/>
+                        <a:cs typeface="Times New Roman" panose="02020603050405020304" pitchFamily="18" charset="0"/>
+                      </a:endParaRPr>
+                    </a:p>
+                  </a:txBody>
+                  <a:tcPr marL="68580" marR="68580" marT="0" marB="0"/>
+                </a:tc>
+                <a:extLst>
+                  <a:ext uri="{0D108BD9-81ED-4DB2-BD59-A6C34878D82A}">
+                    <a16:rowId xmlns:a16="http://schemas.microsoft.com/office/drawing/2014/main" val="1632160910"/>
+                  </a:ext>
+                </a:extLst>
+              </a:tr>
+              <a:tr h="251411">
+                <a:tc>
+                  <a:txBody>
+                    <a:bodyPr/>
+                    <a:lstStyle/>
+                    <a:p>
+                      <a:pPr>
+                        <a:lnSpc>
+                          <a:spcPct val="107000"/>
+                        </a:lnSpc>
+                        <a:spcAft>
+                          <a:spcPts val="0"/>
+                        </a:spcAft>
+                      </a:pPr>
+                      <a:r>
+                        <a:rPr lang="en-US" sz="1200">
+                          <a:effectLst/>
+                        </a:rPr>
+                        <a:t>Thiết kế xử lý</a:t>
+                      </a:r>
+                      <a:endParaRPr lang="en-US" sz="1100">
+                        <a:effectLst/>
+                        <a:latin typeface="Arial" panose="020B0604020202020204" pitchFamily="34" charset="0"/>
+                        <a:ea typeface="Arial" panose="020B0604020202020204" pitchFamily="34" charset="0"/>
+                        <a:cs typeface="Times New Roman" panose="02020603050405020304" pitchFamily="18" charset="0"/>
+                      </a:endParaRPr>
+                    </a:p>
+                  </a:txBody>
+                  <a:tcPr marL="68580" marR="68580" marT="0" marB="0"/>
+                </a:tc>
+                <a:tc>
+                  <a:txBody>
+                    <a:bodyPr/>
+                    <a:lstStyle/>
+                    <a:p>
+                      <a:pPr>
+                        <a:lnSpc>
+                          <a:spcPct val="107000"/>
+                        </a:lnSpc>
+                        <a:spcAft>
+                          <a:spcPts val="0"/>
+                        </a:spcAft>
+                      </a:pPr>
+                      <a:r>
+                        <a:rPr lang="en-US" sz="1200">
+                          <a:effectLst/>
+                        </a:rPr>
+                        <a:t>all</a:t>
+                      </a:r>
+                      <a:endParaRPr lang="en-US" sz="1100">
+                        <a:effectLst/>
+                        <a:latin typeface="Arial" panose="020B0604020202020204" pitchFamily="34" charset="0"/>
+                        <a:ea typeface="Arial" panose="020B0604020202020204" pitchFamily="34" charset="0"/>
+                        <a:cs typeface="Times New Roman" panose="02020603050405020304" pitchFamily="18" charset="0"/>
+                      </a:endParaRPr>
+                    </a:p>
+                  </a:txBody>
+                  <a:tcPr marL="68580" marR="68580" marT="0" marB="0"/>
+                </a:tc>
+                <a:tc>
+                  <a:txBody>
+                    <a:bodyPr/>
+                    <a:lstStyle/>
+                    <a:p>
+                      <a:pPr>
+                        <a:lnSpc>
+                          <a:spcPct val="107000"/>
+                        </a:lnSpc>
+                        <a:spcAft>
+                          <a:spcPts val="0"/>
+                        </a:spcAft>
+                      </a:pPr>
+                      <a:r>
+                        <a:rPr lang="vi-VN" sz="1200">
+                          <a:effectLst/>
+                        </a:rPr>
+                        <a:t> </a:t>
+                      </a:r>
+                      <a:endParaRPr lang="en-US" sz="1100">
+                        <a:effectLst/>
+                        <a:latin typeface="Arial" panose="020B0604020202020204" pitchFamily="34" charset="0"/>
+                        <a:ea typeface="Arial" panose="020B0604020202020204" pitchFamily="34" charset="0"/>
+                        <a:cs typeface="Times New Roman" panose="02020603050405020304" pitchFamily="18" charset="0"/>
+                      </a:endParaRPr>
+                    </a:p>
+                  </a:txBody>
+                  <a:tcPr marL="68580" marR="68580" marT="0" marB="0"/>
+                </a:tc>
+                <a:extLst>
+                  <a:ext uri="{0D108BD9-81ED-4DB2-BD59-A6C34878D82A}">
+                    <a16:rowId xmlns:a16="http://schemas.microsoft.com/office/drawing/2014/main" val="407967740"/>
+                  </a:ext>
+                </a:extLst>
+              </a:tr>
+              <a:tr h="251411">
+                <a:tc>
+                  <a:txBody>
+                    <a:bodyPr/>
+                    <a:lstStyle/>
+                    <a:p>
+                      <a:pPr>
+                        <a:lnSpc>
+                          <a:spcPct val="107000"/>
+                        </a:lnSpc>
+                        <a:spcAft>
+                          <a:spcPts val="0"/>
+                        </a:spcAft>
+                      </a:pPr>
+                      <a:r>
+                        <a:rPr lang="en-US" sz="1200">
+                          <a:effectLst/>
+                        </a:rPr>
+                        <a:t>Thiết kế cơ sở dữ liệu</a:t>
+                      </a:r>
+                      <a:endParaRPr lang="en-US" sz="1100">
+                        <a:effectLst/>
+                        <a:latin typeface="Arial" panose="020B0604020202020204" pitchFamily="34" charset="0"/>
+                        <a:ea typeface="Arial" panose="020B0604020202020204" pitchFamily="34" charset="0"/>
+                        <a:cs typeface="Times New Roman" panose="02020603050405020304" pitchFamily="18" charset="0"/>
+                      </a:endParaRPr>
+                    </a:p>
+                  </a:txBody>
+                  <a:tcPr marL="68580" marR="68580" marT="0" marB="0"/>
+                </a:tc>
+                <a:tc>
+                  <a:txBody>
+                    <a:bodyPr/>
+                    <a:lstStyle/>
+                    <a:p>
+                      <a:pPr>
+                        <a:lnSpc>
+                          <a:spcPct val="107000"/>
+                        </a:lnSpc>
+                        <a:spcAft>
+                          <a:spcPts val="0"/>
+                        </a:spcAft>
+                      </a:pPr>
+                      <a:r>
+                        <a:rPr lang="en-US" sz="1200">
+                          <a:effectLst/>
+                        </a:rPr>
+                        <a:t>Hồ Văn Huy</a:t>
+                      </a:r>
+                      <a:endParaRPr lang="en-US" sz="1100">
+                        <a:effectLst/>
+                        <a:latin typeface="Arial" panose="020B0604020202020204" pitchFamily="34" charset="0"/>
+                        <a:ea typeface="Arial" panose="020B0604020202020204" pitchFamily="34" charset="0"/>
+                        <a:cs typeface="Times New Roman" panose="02020603050405020304" pitchFamily="18" charset="0"/>
+                      </a:endParaRPr>
+                    </a:p>
+                  </a:txBody>
+                  <a:tcPr marL="68580" marR="68580" marT="0" marB="0"/>
+                </a:tc>
+                <a:tc>
+                  <a:txBody>
+                    <a:bodyPr/>
+                    <a:lstStyle/>
+                    <a:p>
+                      <a:pPr>
+                        <a:lnSpc>
+                          <a:spcPct val="107000"/>
+                        </a:lnSpc>
+                        <a:spcAft>
+                          <a:spcPts val="0"/>
+                        </a:spcAft>
+                      </a:pPr>
+                      <a:r>
+                        <a:rPr lang="vi-VN" sz="1200">
+                          <a:effectLst/>
+                        </a:rPr>
+                        <a:t> </a:t>
+                      </a:r>
+                      <a:endParaRPr lang="en-US" sz="1100">
+                        <a:effectLst/>
+                        <a:latin typeface="Arial" panose="020B0604020202020204" pitchFamily="34" charset="0"/>
+                        <a:ea typeface="Arial" panose="020B0604020202020204" pitchFamily="34" charset="0"/>
+                        <a:cs typeface="Times New Roman" panose="02020603050405020304" pitchFamily="18" charset="0"/>
+                      </a:endParaRPr>
+                    </a:p>
+                  </a:txBody>
+                  <a:tcPr marL="68580" marR="68580" marT="0" marB="0"/>
+                </a:tc>
+                <a:extLst>
+                  <a:ext uri="{0D108BD9-81ED-4DB2-BD59-A6C34878D82A}">
+                    <a16:rowId xmlns:a16="http://schemas.microsoft.com/office/drawing/2014/main" val="1266029978"/>
+                  </a:ext>
+                </a:extLst>
+              </a:tr>
+              <a:tr h="251411">
+                <a:tc>
+                  <a:txBody>
+                    <a:bodyPr/>
+                    <a:lstStyle/>
+                    <a:p>
+                      <a:pPr>
+                        <a:lnSpc>
+                          <a:spcPct val="107000"/>
+                        </a:lnSpc>
+                        <a:spcAft>
+                          <a:spcPts val="0"/>
+                        </a:spcAft>
+                      </a:pPr>
+                      <a:r>
+                        <a:rPr lang="en-US" sz="1200">
+                          <a:effectLst/>
+                        </a:rPr>
+                        <a:t>Xây dựng cơ sở dữ liệu</a:t>
+                      </a:r>
+                      <a:endParaRPr lang="en-US" sz="1100">
+                        <a:effectLst/>
+                        <a:latin typeface="Arial" panose="020B0604020202020204" pitchFamily="34" charset="0"/>
+                        <a:ea typeface="Arial" panose="020B0604020202020204" pitchFamily="34" charset="0"/>
+                        <a:cs typeface="Times New Roman" panose="02020603050405020304" pitchFamily="18" charset="0"/>
+                      </a:endParaRPr>
+                    </a:p>
+                  </a:txBody>
+                  <a:tcPr marL="68580" marR="68580" marT="0" marB="0"/>
+                </a:tc>
+                <a:tc>
+                  <a:txBody>
+                    <a:bodyPr/>
+                    <a:lstStyle/>
+                    <a:p>
+                      <a:pPr>
+                        <a:lnSpc>
+                          <a:spcPct val="107000"/>
+                        </a:lnSpc>
+                        <a:spcAft>
+                          <a:spcPts val="0"/>
+                        </a:spcAft>
+                      </a:pPr>
+                      <a:r>
+                        <a:rPr lang="en-US" sz="1200">
+                          <a:effectLst/>
+                        </a:rPr>
+                        <a:t>Hồ Văn Huy</a:t>
+                      </a:r>
+                      <a:endParaRPr lang="en-US" sz="1100">
+                        <a:effectLst/>
+                        <a:latin typeface="Arial" panose="020B0604020202020204" pitchFamily="34" charset="0"/>
+                        <a:ea typeface="Arial" panose="020B0604020202020204" pitchFamily="34" charset="0"/>
+                        <a:cs typeface="Times New Roman" panose="02020603050405020304" pitchFamily="18" charset="0"/>
+                      </a:endParaRPr>
+                    </a:p>
+                  </a:txBody>
+                  <a:tcPr marL="68580" marR="68580" marT="0" marB="0"/>
+                </a:tc>
+                <a:tc>
+                  <a:txBody>
+                    <a:bodyPr/>
+                    <a:lstStyle/>
+                    <a:p>
+                      <a:pPr>
+                        <a:lnSpc>
+                          <a:spcPct val="107000"/>
+                        </a:lnSpc>
+                        <a:spcAft>
+                          <a:spcPts val="0"/>
+                        </a:spcAft>
+                      </a:pPr>
+                      <a:r>
+                        <a:rPr lang="vi-VN" sz="1200">
+                          <a:effectLst/>
+                        </a:rPr>
+                        <a:t> </a:t>
+                      </a:r>
+                      <a:endParaRPr lang="en-US" sz="1100">
+                        <a:effectLst/>
+                        <a:latin typeface="Arial" panose="020B0604020202020204" pitchFamily="34" charset="0"/>
+                        <a:ea typeface="Arial" panose="020B0604020202020204" pitchFamily="34" charset="0"/>
+                        <a:cs typeface="Times New Roman" panose="02020603050405020304" pitchFamily="18" charset="0"/>
+                      </a:endParaRPr>
+                    </a:p>
+                  </a:txBody>
+                  <a:tcPr marL="68580" marR="68580" marT="0" marB="0"/>
+                </a:tc>
+                <a:extLst>
+                  <a:ext uri="{0D108BD9-81ED-4DB2-BD59-A6C34878D82A}">
+                    <a16:rowId xmlns:a16="http://schemas.microsoft.com/office/drawing/2014/main" val="1879317608"/>
+                  </a:ext>
+                </a:extLst>
+              </a:tr>
+              <a:tr h="516134">
+                <a:tc>
+                  <a:txBody>
+                    <a:bodyPr/>
+                    <a:lstStyle/>
+                    <a:p>
+                      <a:pPr>
+                        <a:lnSpc>
+                          <a:spcPct val="107000"/>
+                        </a:lnSpc>
+                        <a:spcAft>
+                          <a:spcPts val="0"/>
+                        </a:spcAft>
+                      </a:pPr>
+                      <a:r>
+                        <a:rPr lang="en-US" sz="1200">
+                          <a:effectLst/>
+                        </a:rPr>
+                        <a:t>Thiết kế giao diện(phần mềm)</a:t>
+                      </a:r>
+                      <a:endParaRPr lang="en-US" sz="1100">
+                        <a:effectLst/>
+                        <a:latin typeface="Arial" panose="020B0604020202020204" pitchFamily="34" charset="0"/>
+                        <a:ea typeface="Arial" panose="020B0604020202020204" pitchFamily="34" charset="0"/>
+                        <a:cs typeface="Times New Roman" panose="02020603050405020304" pitchFamily="18" charset="0"/>
+                      </a:endParaRPr>
+                    </a:p>
+                  </a:txBody>
+                  <a:tcPr marL="68580" marR="68580" marT="0" marB="0"/>
+                </a:tc>
+                <a:tc>
+                  <a:txBody>
+                    <a:bodyPr/>
+                    <a:lstStyle/>
+                    <a:p>
+                      <a:pPr>
+                        <a:lnSpc>
+                          <a:spcPct val="107000"/>
+                        </a:lnSpc>
+                        <a:spcAft>
+                          <a:spcPts val="0"/>
+                        </a:spcAft>
+                      </a:pPr>
+                      <a:r>
+                        <a:rPr lang="en-US" sz="1200">
+                          <a:effectLst/>
+                        </a:rPr>
+                        <a:t>all</a:t>
+                      </a:r>
+                      <a:endParaRPr lang="en-US" sz="1100">
+                        <a:effectLst/>
+                        <a:latin typeface="Arial" panose="020B0604020202020204" pitchFamily="34" charset="0"/>
+                        <a:ea typeface="Arial" panose="020B0604020202020204" pitchFamily="34" charset="0"/>
+                        <a:cs typeface="Times New Roman" panose="02020603050405020304" pitchFamily="18" charset="0"/>
+                      </a:endParaRPr>
+                    </a:p>
+                  </a:txBody>
+                  <a:tcPr marL="68580" marR="68580" marT="0" marB="0"/>
+                </a:tc>
+                <a:tc>
+                  <a:txBody>
+                    <a:bodyPr/>
+                    <a:lstStyle/>
+                    <a:p>
+                      <a:pPr>
+                        <a:lnSpc>
+                          <a:spcPct val="107000"/>
+                        </a:lnSpc>
+                        <a:spcAft>
+                          <a:spcPts val="0"/>
+                        </a:spcAft>
+                      </a:pPr>
+                      <a:r>
+                        <a:rPr lang="vi-VN" sz="1200">
+                          <a:effectLst/>
+                        </a:rPr>
+                        <a:t> </a:t>
+                      </a:r>
+                      <a:endParaRPr lang="en-US" sz="1100">
+                        <a:effectLst/>
+                        <a:latin typeface="Arial" panose="020B0604020202020204" pitchFamily="34" charset="0"/>
+                        <a:ea typeface="Arial" panose="020B0604020202020204" pitchFamily="34" charset="0"/>
+                        <a:cs typeface="Times New Roman" panose="02020603050405020304" pitchFamily="18" charset="0"/>
+                      </a:endParaRPr>
+                    </a:p>
+                  </a:txBody>
+                  <a:tcPr marL="68580" marR="68580" marT="0" marB="0"/>
+                </a:tc>
+                <a:extLst>
+                  <a:ext uri="{0D108BD9-81ED-4DB2-BD59-A6C34878D82A}">
+                    <a16:rowId xmlns:a16="http://schemas.microsoft.com/office/drawing/2014/main" val="751920759"/>
+                  </a:ext>
+                </a:extLst>
+              </a:tr>
+              <a:tr h="516134">
+                <a:tc>
+                  <a:txBody>
+                    <a:bodyPr/>
+                    <a:lstStyle/>
+                    <a:p>
+                      <a:pPr>
+                        <a:lnSpc>
+                          <a:spcPct val="107000"/>
+                        </a:lnSpc>
+                        <a:spcAft>
+                          <a:spcPts val="0"/>
+                        </a:spcAft>
+                      </a:pPr>
+                      <a:r>
+                        <a:rPr lang="en-US" sz="1200">
+                          <a:effectLst/>
+                        </a:rPr>
+                        <a:t>Thiết kế hệ thống phần mềm</a:t>
+                      </a:r>
+                      <a:endParaRPr lang="en-US" sz="1100">
+                        <a:effectLst/>
+                        <a:latin typeface="Arial" panose="020B0604020202020204" pitchFamily="34" charset="0"/>
+                        <a:ea typeface="Arial" panose="020B0604020202020204" pitchFamily="34" charset="0"/>
+                        <a:cs typeface="Times New Roman" panose="02020603050405020304" pitchFamily="18" charset="0"/>
+                      </a:endParaRPr>
+                    </a:p>
+                  </a:txBody>
+                  <a:tcPr marL="68580" marR="68580" marT="0" marB="0"/>
+                </a:tc>
+                <a:tc>
+                  <a:txBody>
+                    <a:bodyPr/>
+                    <a:lstStyle/>
+                    <a:p>
+                      <a:pPr>
+                        <a:lnSpc>
+                          <a:spcPct val="107000"/>
+                        </a:lnSpc>
+                        <a:spcAft>
+                          <a:spcPts val="0"/>
+                        </a:spcAft>
+                      </a:pPr>
+                      <a:r>
+                        <a:rPr lang="en-US" sz="1200">
+                          <a:effectLst/>
+                        </a:rPr>
+                        <a:t>all</a:t>
+                      </a:r>
+                      <a:endParaRPr lang="en-US" sz="1100">
+                        <a:effectLst/>
+                        <a:latin typeface="Arial" panose="020B0604020202020204" pitchFamily="34" charset="0"/>
+                        <a:ea typeface="Arial" panose="020B0604020202020204" pitchFamily="34" charset="0"/>
+                        <a:cs typeface="Times New Roman" panose="02020603050405020304" pitchFamily="18" charset="0"/>
+                      </a:endParaRPr>
+                    </a:p>
+                  </a:txBody>
+                  <a:tcPr marL="68580" marR="68580" marT="0" marB="0"/>
+                </a:tc>
+                <a:tc>
+                  <a:txBody>
+                    <a:bodyPr/>
+                    <a:lstStyle/>
+                    <a:p>
+                      <a:pPr>
+                        <a:lnSpc>
+                          <a:spcPct val="107000"/>
+                        </a:lnSpc>
+                        <a:spcAft>
+                          <a:spcPts val="0"/>
+                        </a:spcAft>
+                      </a:pPr>
+                      <a:r>
+                        <a:rPr lang="vi-VN" sz="1200">
+                          <a:effectLst/>
+                        </a:rPr>
+                        <a:t> </a:t>
+                      </a:r>
+                      <a:endParaRPr lang="en-US" sz="1100">
+                        <a:effectLst/>
+                        <a:latin typeface="Arial" panose="020B0604020202020204" pitchFamily="34" charset="0"/>
+                        <a:ea typeface="Arial" panose="020B0604020202020204" pitchFamily="34" charset="0"/>
+                        <a:cs typeface="Times New Roman" panose="02020603050405020304" pitchFamily="18" charset="0"/>
+                      </a:endParaRPr>
+                    </a:p>
+                  </a:txBody>
+                  <a:tcPr marL="68580" marR="68580" marT="0" marB="0"/>
+                </a:tc>
+                <a:extLst>
+                  <a:ext uri="{0D108BD9-81ED-4DB2-BD59-A6C34878D82A}">
+                    <a16:rowId xmlns:a16="http://schemas.microsoft.com/office/drawing/2014/main" val="2402696797"/>
+                  </a:ext>
+                </a:extLst>
+              </a:tr>
+              <a:tr h="251411">
+                <a:tc>
+                  <a:txBody>
+                    <a:bodyPr/>
+                    <a:lstStyle/>
+                    <a:p>
+                      <a:pPr>
+                        <a:lnSpc>
+                          <a:spcPct val="107000"/>
+                        </a:lnSpc>
+                        <a:spcAft>
+                          <a:spcPts val="0"/>
+                        </a:spcAft>
+                      </a:pPr>
+                      <a:r>
+                        <a:rPr lang="en-US" sz="1200">
+                          <a:effectLst/>
+                        </a:rPr>
+                        <a:t>Thiết kế biểu mẫu quy định</a:t>
+                      </a:r>
+                      <a:endParaRPr lang="en-US" sz="1100">
+                        <a:effectLst/>
+                        <a:latin typeface="Arial" panose="020B0604020202020204" pitchFamily="34" charset="0"/>
+                        <a:ea typeface="Arial" panose="020B0604020202020204" pitchFamily="34" charset="0"/>
+                        <a:cs typeface="Times New Roman" panose="02020603050405020304" pitchFamily="18" charset="0"/>
+                      </a:endParaRPr>
+                    </a:p>
+                  </a:txBody>
+                  <a:tcPr marL="68580" marR="68580" marT="0" marB="0"/>
+                </a:tc>
+                <a:tc>
+                  <a:txBody>
+                    <a:bodyPr/>
+                    <a:lstStyle/>
+                    <a:p>
+                      <a:pPr>
+                        <a:lnSpc>
+                          <a:spcPct val="107000"/>
+                        </a:lnSpc>
+                        <a:spcAft>
+                          <a:spcPts val="0"/>
+                        </a:spcAft>
+                      </a:pPr>
+                      <a:r>
+                        <a:rPr lang="en-US" sz="1200">
+                          <a:effectLst/>
+                        </a:rPr>
+                        <a:t>all</a:t>
+                      </a:r>
+                      <a:endParaRPr lang="en-US" sz="1100">
+                        <a:effectLst/>
+                        <a:latin typeface="Arial" panose="020B0604020202020204" pitchFamily="34" charset="0"/>
+                        <a:ea typeface="Arial" panose="020B0604020202020204" pitchFamily="34" charset="0"/>
+                        <a:cs typeface="Times New Roman" panose="02020603050405020304" pitchFamily="18" charset="0"/>
+                      </a:endParaRPr>
+                    </a:p>
+                  </a:txBody>
+                  <a:tcPr marL="68580" marR="68580" marT="0" marB="0"/>
+                </a:tc>
+                <a:tc>
+                  <a:txBody>
+                    <a:bodyPr/>
+                    <a:lstStyle/>
+                    <a:p>
+                      <a:pPr>
+                        <a:lnSpc>
+                          <a:spcPct val="107000"/>
+                        </a:lnSpc>
+                        <a:spcAft>
+                          <a:spcPts val="0"/>
+                        </a:spcAft>
+                      </a:pPr>
+                      <a:r>
+                        <a:rPr lang="vi-VN" sz="1200">
+                          <a:effectLst/>
+                        </a:rPr>
+                        <a:t> </a:t>
+                      </a:r>
+                      <a:endParaRPr lang="en-US" sz="1100">
+                        <a:effectLst/>
+                        <a:latin typeface="Arial" panose="020B0604020202020204" pitchFamily="34" charset="0"/>
+                        <a:ea typeface="Arial" panose="020B0604020202020204" pitchFamily="34" charset="0"/>
+                        <a:cs typeface="Times New Roman" panose="02020603050405020304" pitchFamily="18" charset="0"/>
+                      </a:endParaRPr>
+                    </a:p>
+                  </a:txBody>
+                  <a:tcPr marL="68580" marR="68580" marT="0" marB="0"/>
+                </a:tc>
+                <a:extLst>
+                  <a:ext uri="{0D108BD9-81ED-4DB2-BD59-A6C34878D82A}">
+                    <a16:rowId xmlns:a16="http://schemas.microsoft.com/office/drawing/2014/main" val="2061400016"/>
+                  </a:ext>
+                </a:extLst>
+              </a:tr>
+              <a:tr h="251411">
+                <a:tc>
+                  <a:txBody>
+                    <a:bodyPr/>
+                    <a:lstStyle/>
+                    <a:p>
+                      <a:pPr>
+                        <a:lnSpc>
+                          <a:spcPct val="107000"/>
+                        </a:lnSpc>
+                        <a:spcAft>
+                          <a:spcPts val="0"/>
+                        </a:spcAft>
+                      </a:pPr>
+                      <a:r>
+                        <a:rPr lang="en-US" sz="1200">
+                          <a:effectLst/>
+                        </a:rPr>
+                        <a:t>Thiết kế Use</a:t>
+                      </a:r>
+                      <a:endParaRPr lang="en-US" sz="1100">
+                        <a:effectLst/>
+                        <a:latin typeface="Arial" panose="020B0604020202020204" pitchFamily="34" charset="0"/>
+                        <a:ea typeface="Arial" panose="020B0604020202020204" pitchFamily="34" charset="0"/>
+                        <a:cs typeface="Times New Roman" panose="02020603050405020304" pitchFamily="18" charset="0"/>
+                      </a:endParaRPr>
+                    </a:p>
+                  </a:txBody>
+                  <a:tcPr marL="68580" marR="68580" marT="0" marB="0"/>
+                </a:tc>
+                <a:tc>
+                  <a:txBody>
+                    <a:bodyPr/>
+                    <a:lstStyle/>
+                    <a:p>
+                      <a:pPr>
+                        <a:lnSpc>
+                          <a:spcPct val="107000"/>
+                        </a:lnSpc>
+                        <a:spcAft>
+                          <a:spcPts val="0"/>
+                        </a:spcAft>
+                      </a:pPr>
+                      <a:r>
+                        <a:rPr lang="vi-VN" sz="1200">
+                          <a:effectLst/>
+                        </a:rPr>
+                        <a:t>Trần Quốc Hưng</a:t>
+                      </a:r>
+                      <a:endParaRPr lang="en-US" sz="1100">
+                        <a:effectLst/>
+                        <a:latin typeface="Arial" panose="020B0604020202020204" pitchFamily="34" charset="0"/>
+                        <a:ea typeface="Arial" panose="020B0604020202020204" pitchFamily="34" charset="0"/>
+                        <a:cs typeface="Times New Roman" panose="02020603050405020304" pitchFamily="18" charset="0"/>
+                      </a:endParaRPr>
+                    </a:p>
+                  </a:txBody>
+                  <a:tcPr marL="68580" marR="68580" marT="0" marB="0"/>
+                </a:tc>
+                <a:tc>
+                  <a:txBody>
+                    <a:bodyPr/>
+                    <a:lstStyle/>
+                    <a:p>
+                      <a:pPr>
+                        <a:lnSpc>
+                          <a:spcPct val="107000"/>
+                        </a:lnSpc>
+                        <a:spcAft>
+                          <a:spcPts val="0"/>
+                        </a:spcAft>
+                      </a:pPr>
+                      <a:r>
+                        <a:rPr lang="vi-VN" sz="1200">
+                          <a:effectLst/>
+                        </a:rPr>
+                        <a:t> </a:t>
+                      </a:r>
+                      <a:endParaRPr lang="en-US" sz="1100">
+                        <a:effectLst/>
+                        <a:latin typeface="Arial" panose="020B0604020202020204" pitchFamily="34" charset="0"/>
+                        <a:ea typeface="Arial" panose="020B0604020202020204" pitchFamily="34" charset="0"/>
+                        <a:cs typeface="Times New Roman" panose="02020603050405020304" pitchFamily="18" charset="0"/>
+                      </a:endParaRPr>
+                    </a:p>
+                  </a:txBody>
+                  <a:tcPr marL="68580" marR="68580" marT="0" marB="0"/>
+                </a:tc>
+                <a:extLst>
+                  <a:ext uri="{0D108BD9-81ED-4DB2-BD59-A6C34878D82A}">
+                    <a16:rowId xmlns:a16="http://schemas.microsoft.com/office/drawing/2014/main" val="2762111677"/>
+                  </a:ext>
+                </a:extLst>
+              </a:tr>
+              <a:tr h="251411">
+                <a:tc>
+                  <a:txBody>
+                    <a:bodyPr/>
+                    <a:lstStyle/>
+                    <a:p>
+                      <a:pPr>
+                        <a:lnSpc>
+                          <a:spcPct val="107000"/>
+                        </a:lnSpc>
+                        <a:spcAft>
+                          <a:spcPts val="0"/>
+                        </a:spcAft>
+                      </a:pPr>
+                      <a:r>
+                        <a:rPr lang="en-US" sz="1200">
+                          <a:effectLst/>
+                        </a:rPr>
+                        <a:t>Test chức năng </a:t>
+                      </a:r>
+                      <a:endParaRPr lang="en-US" sz="1100">
+                        <a:effectLst/>
+                        <a:latin typeface="Arial" panose="020B0604020202020204" pitchFamily="34" charset="0"/>
+                        <a:ea typeface="Arial" panose="020B0604020202020204" pitchFamily="34" charset="0"/>
+                        <a:cs typeface="Times New Roman" panose="02020603050405020304" pitchFamily="18" charset="0"/>
+                      </a:endParaRPr>
+                    </a:p>
+                  </a:txBody>
+                  <a:tcPr marL="68580" marR="68580" marT="0" marB="0"/>
+                </a:tc>
+                <a:tc>
+                  <a:txBody>
+                    <a:bodyPr/>
+                    <a:lstStyle/>
+                    <a:p>
+                      <a:pPr>
+                        <a:lnSpc>
+                          <a:spcPct val="107000"/>
+                        </a:lnSpc>
+                        <a:spcAft>
+                          <a:spcPts val="0"/>
+                        </a:spcAft>
+                      </a:pPr>
+                      <a:r>
+                        <a:rPr lang="en-US" sz="1200">
+                          <a:effectLst/>
+                        </a:rPr>
+                        <a:t>all</a:t>
+                      </a:r>
+                      <a:endParaRPr lang="en-US" sz="1100">
+                        <a:effectLst/>
+                        <a:latin typeface="Arial" panose="020B0604020202020204" pitchFamily="34" charset="0"/>
+                        <a:ea typeface="Arial" panose="020B0604020202020204" pitchFamily="34" charset="0"/>
+                        <a:cs typeface="Times New Roman" panose="02020603050405020304" pitchFamily="18" charset="0"/>
+                      </a:endParaRPr>
+                    </a:p>
+                  </a:txBody>
+                  <a:tcPr marL="68580" marR="68580" marT="0" marB="0"/>
+                </a:tc>
+                <a:tc>
+                  <a:txBody>
+                    <a:bodyPr/>
+                    <a:lstStyle/>
+                    <a:p>
+                      <a:pPr>
+                        <a:lnSpc>
+                          <a:spcPct val="107000"/>
+                        </a:lnSpc>
+                        <a:spcAft>
+                          <a:spcPts val="0"/>
+                        </a:spcAft>
+                      </a:pPr>
+                      <a:r>
+                        <a:rPr lang="vi-VN" sz="1200">
+                          <a:effectLst/>
+                        </a:rPr>
+                        <a:t> </a:t>
+                      </a:r>
+                      <a:endParaRPr lang="en-US" sz="1100">
+                        <a:effectLst/>
+                        <a:latin typeface="Arial" panose="020B0604020202020204" pitchFamily="34" charset="0"/>
+                        <a:ea typeface="Arial" panose="020B0604020202020204" pitchFamily="34" charset="0"/>
+                        <a:cs typeface="Times New Roman" panose="02020603050405020304" pitchFamily="18" charset="0"/>
+                      </a:endParaRPr>
+                    </a:p>
+                  </a:txBody>
+                  <a:tcPr marL="68580" marR="68580" marT="0" marB="0"/>
+                </a:tc>
+                <a:extLst>
+                  <a:ext uri="{0D108BD9-81ED-4DB2-BD59-A6C34878D82A}">
+                    <a16:rowId xmlns:a16="http://schemas.microsoft.com/office/drawing/2014/main" val="1346162264"/>
+                  </a:ext>
+                </a:extLst>
+              </a:tr>
+              <a:tr h="251411">
+                <a:tc>
+                  <a:txBody>
+                    <a:bodyPr/>
+                    <a:lstStyle/>
+                    <a:p>
+                      <a:pPr>
+                        <a:lnSpc>
+                          <a:spcPct val="107000"/>
+                        </a:lnSpc>
+                        <a:spcAft>
+                          <a:spcPts val="0"/>
+                        </a:spcAft>
+                      </a:pPr>
+                      <a:r>
+                        <a:rPr lang="en-US" sz="1200">
+                          <a:effectLst/>
+                        </a:rPr>
+                        <a:t>test giao diện</a:t>
+                      </a:r>
+                      <a:endParaRPr lang="en-US" sz="1100">
+                        <a:effectLst/>
+                        <a:latin typeface="Arial" panose="020B0604020202020204" pitchFamily="34" charset="0"/>
+                        <a:ea typeface="Arial" panose="020B0604020202020204" pitchFamily="34" charset="0"/>
+                        <a:cs typeface="Times New Roman" panose="02020603050405020304" pitchFamily="18" charset="0"/>
+                      </a:endParaRPr>
+                    </a:p>
+                  </a:txBody>
+                  <a:tcPr marL="68580" marR="68580" marT="0" marB="0"/>
+                </a:tc>
+                <a:tc>
+                  <a:txBody>
+                    <a:bodyPr/>
+                    <a:lstStyle/>
+                    <a:p>
+                      <a:pPr>
+                        <a:lnSpc>
+                          <a:spcPct val="107000"/>
+                        </a:lnSpc>
+                        <a:spcAft>
+                          <a:spcPts val="0"/>
+                        </a:spcAft>
+                      </a:pPr>
+                      <a:r>
+                        <a:rPr lang="en-US" sz="1200">
+                          <a:effectLst/>
+                        </a:rPr>
+                        <a:t>all</a:t>
+                      </a:r>
+                      <a:endParaRPr lang="en-US" sz="1100">
+                        <a:effectLst/>
+                        <a:latin typeface="Arial" panose="020B0604020202020204" pitchFamily="34" charset="0"/>
+                        <a:ea typeface="Arial" panose="020B0604020202020204" pitchFamily="34" charset="0"/>
+                        <a:cs typeface="Times New Roman" panose="02020603050405020304" pitchFamily="18" charset="0"/>
+                      </a:endParaRPr>
+                    </a:p>
+                  </a:txBody>
+                  <a:tcPr marL="68580" marR="68580" marT="0" marB="0"/>
+                </a:tc>
+                <a:tc>
+                  <a:txBody>
+                    <a:bodyPr/>
+                    <a:lstStyle/>
+                    <a:p>
+                      <a:pPr>
+                        <a:lnSpc>
+                          <a:spcPct val="107000"/>
+                        </a:lnSpc>
+                        <a:spcAft>
+                          <a:spcPts val="0"/>
+                        </a:spcAft>
+                      </a:pPr>
+                      <a:r>
+                        <a:rPr lang="vi-VN" sz="1200">
+                          <a:effectLst/>
+                        </a:rPr>
+                        <a:t> </a:t>
+                      </a:r>
+                      <a:endParaRPr lang="en-US" sz="1100">
+                        <a:effectLst/>
+                        <a:latin typeface="Arial" panose="020B0604020202020204" pitchFamily="34" charset="0"/>
+                        <a:ea typeface="Arial" panose="020B0604020202020204" pitchFamily="34" charset="0"/>
+                        <a:cs typeface="Times New Roman" panose="02020603050405020304" pitchFamily="18" charset="0"/>
+                      </a:endParaRPr>
+                    </a:p>
+                  </a:txBody>
+                  <a:tcPr marL="68580" marR="68580" marT="0" marB="0"/>
+                </a:tc>
+                <a:extLst>
+                  <a:ext uri="{0D108BD9-81ED-4DB2-BD59-A6C34878D82A}">
+                    <a16:rowId xmlns:a16="http://schemas.microsoft.com/office/drawing/2014/main" val="3658961356"/>
+                  </a:ext>
+                </a:extLst>
+              </a:tr>
+              <a:tr h="516134">
+                <a:tc>
+                  <a:txBody>
+                    <a:bodyPr/>
+                    <a:lstStyle/>
+                    <a:p>
+                      <a:pPr>
+                        <a:lnSpc>
+                          <a:spcPct val="107000"/>
+                        </a:lnSpc>
+                        <a:spcAft>
+                          <a:spcPts val="0"/>
+                        </a:spcAft>
+                      </a:pPr>
+                      <a:r>
+                        <a:rPr lang="en-US" sz="1200">
+                          <a:effectLst/>
+                        </a:rPr>
+                        <a:t>phân tích và thiết kế chức năng và phi chức năng</a:t>
+                      </a:r>
+                      <a:endParaRPr lang="en-US" sz="1100">
+                        <a:effectLst/>
+                        <a:latin typeface="Arial" panose="020B0604020202020204" pitchFamily="34" charset="0"/>
+                        <a:ea typeface="Arial" panose="020B0604020202020204" pitchFamily="34" charset="0"/>
+                        <a:cs typeface="Times New Roman" panose="02020603050405020304" pitchFamily="18" charset="0"/>
+                      </a:endParaRPr>
+                    </a:p>
+                  </a:txBody>
+                  <a:tcPr marL="68580" marR="68580" marT="0" marB="0"/>
+                </a:tc>
+                <a:tc>
+                  <a:txBody>
+                    <a:bodyPr/>
+                    <a:lstStyle/>
+                    <a:p>
+                      <a:pPr>
+                        <a:lnSpc>
+                          <a:spcPct val="107000"/>
+                        </a:lnSpc>
+                        <a:spcAft>
+                          <a:spcPts val="0"/>
+                        </a:spcAft>
+                      </a:pPr>
+                      <a:r>
+                        <a:rPr lang="en-US" sz="1200">
+                          <a:effectLst/>
+                        </a:rPr>
+                        <a:t>Hồ Văn Huy</a:t>
+                      </a:r>
+                      <a:endParaRPr lang="en-US" sz="1100">
+                        <a:effectLst/>
+                        <a:latin typeface="Arial" panose="020B0604020202020204" pitchFamily="34" charset="0"/>
+                        <a:ea typeface="Arial" panose="020B0604020202020204" pitchFamily="34" charset="0"/>
+                        <a:cs typeface="Times New Roman" panose="02020603050405020304" pitchFamily="18" charset="0"/>
+                      </a:endParaRPr>
+                    </a:p>
+                  </a:txBody>
+                  <a:tcPr marL="68580" marR="68580" marT="0" marB="0"/>
+                </a:tc>
+                <a:tc>
+                  <a:txBody>
+                    <a:bodyPr/>
+                    <a:lstStyle/>
+                    <a:p>
+                      <a:pPr>
+                        <a:lnSpc>
+                          <a:spcPct val="107000"/>
+                        </a:lnSpc>
+                        <a:spcAft>
+                          <a:spcPts val="0"/>
+                        </a:spcAft>
+                      </a:pPr>
+                      <a:r>
+                        <a:rPr lang="vi-VN" sz="1200">
+                          <a:effectLst/>
+                        </a:rPr>
+                        <a:t> </a:t>
+                      </a:r>
+                      <a:endParaRPr lang="en-US" sz="1100">
+                        <a:effectLst/>
+                        <a:latin typeface="Arial" panose="020B0604020202020204" pitchFamily="34" charset="0"/>
+                        <a:ea typeface="Arial" panose="020B0604020202020204" pitchFamily="34" charset="0"/>
+                        <a:cs typeface="Times New Roman" panose="02020603050405020304" pitchFamily="18" charset="0"/>
+                      </a:endParaRPr>
+                    </a:p>
+                  </a:txBody>
+                  <a:tcPr marL="68580" marR="68580" marT="0" marB="0"/>
+                </a:tc>
+                <a:extLst>
+                  <a:ext uri="{0D108BD9-81ED-4DB2-BD59-A6C34878D82A}">
+                    <a16:rowId xmlns:a16="http://schemas.microsoft.com/office/drawing/2014/main" val="2772801841"/>
+                  </a:ext>
+                </a:extLst>
+              </a:tr>
+              <a:tr h="245827">
+                <a:tc>
+                  <a:txBody>
+                    <a:bodyPr/>
+                    <a:lstStyle/>
+                    <a:p>
+                      <a:pPr>
+                        <a:lnSpc>
+                          <a:spcPct val="107000"/>
+                        </a:lnSpc>
+                        <a:spcAft>
+                          <a:spcPts val="0"/>
+                        </a:spcAft>
+                      </a:pPr>
+                      <a:r>
+                        <a:rPr lang="en-US" sz="1200">
+                          <a:effectLst/>
+                        </a:rPr>
+                        <a:t>DFD</a:t>
+                      </a:r>
+                      <a:endParaRPr lang="en-US" sz="1100">
+                        <a:effectLst/>
+                        <a:latin typeface="Arial" panose="020B0604020202020204" pitchFamily="34" charset="0"/>
+                        <a:ea typeface="Arial" panose="020B0604020202020204" pitchFamily="34" charset="0"/>
+                        <a:cs typeface="Times New Roman" panose="02020603050405020304" pitchFamily="18" charset="0"/>
+                      </a:endParaRPr>
+                    </a:p>
+                  </a:txBody>
+                  <a:tcPr marL="68580" marR="68580" marT="0" marB="0"/>
+                </a:tc>
+                <a:tc>
+                  <a:txBody>
+                    <a:bodyPr/>
+                    <a:lstStyle/>
+                    <a:p>
+                      <a:pPr>
+                        <a:lnSpc>
+                          <a:spcPct val="107000"/>
+                        </a:lnSpc>
+                        <a:spcAft>
+                          <a:spcPts val="0"/>
+                        </a:spcAft>
+                      </a:pPr>
+                      <a:r>
+                        <a:rPr lang="vi-VN" sz="1200">
+                          <a:effectLst/>
+                        </a:rPr>
+                        <a:t>Nguyễn Trọng Hiếu</a:t>
+                      </a:r>
+                      <a:endParaRPr lang="en-US" sz="1100">
+                        <a:effectLst/>
+                        <a:latin typeface="Arial" panose="020B0604020202020204" pitchFamily="34" charset="0"/>
+                        <a:ea typeface="Arial" panose="020B0604020202020204" pitchFamily="34" charset="0"/>
+                        <a:cs typeface="Times New Roman" panose="02020603050405020304" pitchFamily="18" charset="0"/>
+                      </a:endParaRPr>
+                    </a:p>
+                  </a:txBody>
+                  <a:tcPr marL="68580" marR="68580" marT="0" marB="0"/>
+                </a:tc>
+                <a:tc>
+                  <a:txBody>
+                    <a:bodyPr/>
+                    <a:lstStyle/>
+                    <a:p>
+                      <a:pPr>
+                        <a:lnSpc>
+                          <a:spcPct val="107000"/>
+                        </a:lnSpc>
+                        <a:spcAft>
+                          <a:spcPts val="0"/>
+                        </a:spcAft>
+                      </a:pPr>
+                      <a:r>
+                        <a:rPr lang="vi-VN" sz="1200">
+                          <a:effectLst/>
+                        </a:rPr>
+                        <a:t> </a:t>
+                      </a:r>
+                      <a:endParaRPr lang="en-US" sz="1100">
+                        <a:effectLst/>
+                        <a:latin typeface="Arial" panose="020B0604020202020204" pitchFamily="34" charset="0"/>
+                        <a:ea typeface="Arial" panose="020B0604020202020204" pitchFamily="34" charset="0"/>
+                        <a:cs typeface="Times New Roman" panose="02020603050405020304" pitchFamily="18" charset="0"/>
+                      </a:endParaRPr>
+                    </a:p>
+                  </a:txBody>
+                  <a:tcPr marL="68580" marR="68580" marT="0" marB="0"/>
+                </a:tc>
+                <a:extLst>
+                  <a:ext uri="{0D108BD9-81ED-4DB2-BD59-A6C34878D82A}">
+                    <a16:rowId xmlns:a16="http://schemas.microsoft.com/office/drawing/2014/main" val="767121629"/>
+                  </a:ext>
+                </a:extLst>
+              </a:tr>
+              <a:tr h="245827">
+                <a:tc>
+                  <a:txBody>
+                    <a:bodyPr/>
+                    <a:lstStyle/>
+                    <a:p>
+                      <a:pPr>
+                        <a:lnSpc>
+                          <a:spcPct val="107000"/>
+                        </a:lnSpc>
+                        <a:spcAft>
+                          <a:spcPts val="0"/>
+                        </a:spcAft>
+                      </a:pPr>
+                      <a:r>
+                        <a:rPr lang="en-US" sz="1200">
+                          <a:effectLst/>
+                        </a:rPr>
+                        <a:t> </a:t>
+                      </a:r>
+                      <a:endParaRPr lang="en-US" sz="1100">
+                        <a:effectLst/>
+                        <a:latin typeface="Arial" panose="020B0604020202020204" pitchFamily="34" charset="0"/>
+                        <a:ea typeface="Arial" panose="020B0604020202020204" pitchFamily="34" charset="0"/>
+                        <a:cs typeface="Times New Roman" panose="02020603050405020304" pitchFamily="18" charset="0"/>
+                      </a:endParaRPr>
+                    </a:p>
+                  </a:txBody>
+                  <a:tcPr marL="68580" marR="68580" marT="0" marB="0"/>
+                </a:tc>
+                <a:tc>
+                  <a:txBody>
+                    <a:bodyPr/>
+                    <a:lstStyle/>
+                    <a:p>
+                      <a:pPr>
+                        <a:lnSpc>
+                          <a:spcPct val="107000"/>
+                        </a:lnSpc>
+                        <a:spcAft>
+                          <a:spcPts val="0"/>
+                        </a:spcAft>
+                      </a:pPr>
+                      <a:r>
+                        <a:rPr lang="en-US" sz="1200">
+                          <a:effectLst/>
+                        </a:rPr>
+                        <a:t> </a:t>
+                      </a:r>
+                      <a:endParaRPr lang="en-US" sz="1100">
+                        <a:effectLst/>
+                        <a:latin typeface="Arial" panose="020B0604020202020204" pitchFamily="34" charset="0"/>
+                        <a:ea typeface="Arial" panose="020B0604020202020204" pitchFamily="34" charset="0"/>
+                        <a:cs typeface="Times New Roman" panose="02020603050405020304" pitchFamily="18" charset="0"/>
+                      </a:endParaRPr>
+                    </a:p>
+                  </a:txBody>
+                  <a:tcPr marL="68580" marR="68580" marT="0" marB="0"/>
+                </a:tc>
+                <a:tc>
+                  <a:txBody>
+                    <a:bodyPr/>
+                    <a:lstStyle/>
+                    <a:p>
+                      <a:pPr>
+                        <a:lnSpc>
+                          <a:spcPct val="107000"/>
+                        </a:lnSpc>
+                        <a:spcAft>
+                          <a:spcPts val="0"/>
+                        </a:spcAft>
+                      </a:pPr>
+                      <a:r>
+                        <a:rPr lang="vi-VN" sz="1200">
+                          <a:effectLst/>
+                        </a:rPr>
+                        <a:t> </a:t>
+                      </a:r>
+                      <a:endParaRPr lang="en-US" sz="1100">
+                        <a:effectLst/>
+                        <a:latin typeface="Arial" panose="020B0604020202020204" pitchFamily="34" charset="0"/>
+                        <a:ea typeface="Arial" panose="020B0604020202020204" pitchFamily="34" charset="0"/>
+                        <a:cs typeface="Times New Roman" panose="02020603050405020304" pitchFamily="18" charset="0"/>
+                      </a:endParaRPr>
+                    </a:p>
+                  </a:txBody>
+                  <a:tcPr marL="68580" marR="68580" marT="0" marB="0"/>
+                </a:tc>
+                <a:extLst>
+                  <a:ext uri="{0D108BD9-81ED-4DB2-BD59-A6C34878D82A}">
+                    <a16:rowId xmlns:a16="http://schemas.microsoft.com/office/drawing/2014/main" val="654423476"/>
+                  </a:ext>
+                </a:extLst>
+              </a:tr>
+            </a:tbl>
+          </a:graphicData>
+        </a:graphic>
+      </p:graphicFrame>
+    </p:spTree>
+    <p:extLst>
+      <p:ext uri="{BB962C8B-B14F-4D97-AF65-F5344CB8AC3E}">
+        <p14:creationId xmlns:p14="http://schemas.microsoft.com/office/powerpoint/2010/main" val="1414370784"/>
+      </p:ext>
+    </p:extLst>
+  </p:cSld>
+  <p:clrMapOvr>
+    <a:masterClrMapping/>
+  </p:clrMapOvr>
+</p:sld>
+</file>
+
+<file path=ppt/slides/slide20.xml><?xml version="1.0" encoding="utf-8"?>
+<p:sld xmlns:a="http://schemas.openxmlformats.org/drawingml/2006/main" xmlns:r="http://schemas.openxmlformats.org/officeDocument/2006/relationships" xmlns:p="http://schemas.openxmlformats.org/presentationml/2006/main">
+  <p:cSld>
+    <p:spTree>
+      <p:nvGrpSpPr>
+        <p:cNvPr id="1" name=""/>
+        <p:cNvGrpSpPr/>
+        <p:nvPr/>
+      </p:nvGrpSpPr>
+      <p:grpSpPr>
+        <a:xfrm>
+          <a:off x="0" y="0"/>
+          <a:ext cx="0" cy="0"/>
+          <a:chOff x="0" y="0"/>
+          <a:chExt cx="0" cy="0"/>
+        </a:xfrm>
+      </p:grpSpPr>
+      <p:sp>
+        <p:nvSpPr>
+          <p:cNvPr id="2" name="Title 1">
+            <a:extLst>
+              <a:ext uri="{FF2B5EF4-FFF2-40B4-BE49-F238E27FC236}">
+                <a16:creationId xmlns:a16="http://schemas.microsoft.com/office/drawing/2014/main" id="{2DC40B60-B637-44BD-B8F9-ED67E266E5CA}"/>
+              </a:ext>
+            </a:extLst>
+          </p:cNvPr>
+          <p:cNvSpPr>
+            <a:spLocks noGrp="1"/>
+          </p:cNvSpPr>
+          <p:nvPr>
+            <p:ph type="title"/>
+          </p:nvPr>
+        </p:nvSpPr>
+        <p:spPr/>
+        <p:txBody>
+          <a:bodyPr/>
+          <a:lstStyle/>
+          <a:p>
+            <a:r>
+              <a:rPr lang="vi-VN" dirty="0"/>
+              <a:t>Nhân viên</a:t>
+            </a:r>
+          </a:p>
+        </p:txBody>
+      </p:sp>
+      <p:pic>
+        <p:nvPicPr>
+          <p:cNvPr id="5" name="Content Placeholder 4">
+            <a:extLst>
+              <a:ext uri="{FF2B5EF4-FFF2-40B4-BE49-F238E27FC236}">
+                <a16:creationId xmlns:a16="http://schemas.microsoft.com/office/drawing/2014/main" id="{D07F6584-A12F-419B-8B59-E51C3AD5941E}"/>
+              </a:ext>
+            </a:extLst>
+          </p:cNvPr>
+          <p:cNvPicPr>
+            <a:picLocks noGrp="1" noChangeAspect="1"/>
+          </p:cNvPicPr>
+          <p:nvPr>
+            <p:ph idx="1"/>
+          </p:nvPr>
+        </p:nvPicPr>
+        <p:blipFill>
+          <a:blip r:embed="rId2">
+            <a:extLst>
+              <a:ext uri="{28A0092B-C50C-407E-A947-70E740481C1C}">
+                <a14:useLocalDpi xmlns:a14="http://schemas.microsoft.com/office/drawing/2010/main" val="0"/>
+              </a:ext>
+            </a:extLst>
+          </a:blip>
+          <a:stretch>
+            <a:fillRect/>
+          </a:stretch>
+        </p:blipFill>
+        <p:spPr>
+          <a:xfrm>
+            <a:off x="677334" y="1682496"/>
+            <a:ext cx="9327941" cy="5175504"/>
+          </a:xfrm>
+        </p:spPr>
+      </p:pic>
+    </p:spTree>
+    <p:extLst>
+      <p:ext uri="{BB962C8B-B14F-4D97-AF65-F5344CB8AC3E}">
+        <p14:creationId xmlns:p14="http://schemas.microsoft.com/office/powerpoint/2010/main" val="578559217"/>
+      </p:ext>
+    </p:extLst>
+  </p:cSld>
+  <p:clrMapOvr>
+    <a:masterClrMapping/>
+  </p:clrMapOvr>
+</p:sld>
+</file>
+
+<file path=ppt/slides/slide21.xml><?xml version="1.0" encoding="utf-8"?>
+<p:sld xmlns:a="http://schemas.openxmlformats.org/drawingml/2006/main" xmlns:r="http://schemas.openxmlformats.org/officeDocument/2006/relationships" xmlns:p="http://schemas.openxmlformats.org/presentationml/2006/main">
+  <p:cSld>
+    <p:spTree>
+      <p:nvGrpSpPr>
+        <p:cNvPr id="1" name=""/>
+        <p:cNvGrpSpPr/>
+        <p:nvPr/>
+      </p:nvGrpSpPr>
+      <p:grpSpPr>
+        <a:xfrm>
+          <a:off x="0" y="0"/>
+          <a:ext cx="0" cy="0"/>
+          <a:chOff x="0" y="0"/>
+          <a:chExt cx="0" cy="0"/>
+        </a:xfrm>
+      </p:grpSpPr>
+      <p:sp>
+        <p:nvSpPr>
+          <p:cNvPr id="2" name="Title 1">
+            <a:extLst>
+              <a:ext uri="{FF2B5EF4-FFF2-40B4-BE49-F238E27FC236}">
+                <a16:creationId xmlns:a16="http://schemas.microsoft.com/office/drawing/2014/main" id="{9DC3DBE2-F604-4288-BA63-D99E5F87BFCE}"/>
+              </a:ext>
+            </a:extLst>
+          </p:cNvPr>
+          <p:cNvSpPr>
+            <a:spLocks noGrp="1"/>
+          </p:cNvSpPr>
+          <p:nvPr>
+            <p:ph type="title"/>
+          </p:nvPr>
+        </p:nvSpPr>
+        <p:spPr/>
+        <p:txBody>
+          <a:bodyPr/>
+          <a:lstStyle/>
+          <a:p>
+            <a:r>
+              <a:rPr lang="vi-VN" dirty="0"/>
+              <a:t>Hóa đơn</a:t>
+            </a:r>
+          </a:p>
+        </p:txBody>
+      </p:sp>
+      <p:pic>
+        <p:nvPicPr>
+          <p:cNvPr id="5" name="Content Placeholder 4">
+            <a:extLst>
+              <a:ext uri="{FF2B5EF4-FFF2-40B4-BE49-F238E27FC236}">
+                <a16:creationId xmlns:a16="http://schemas.microsoft.com/office/drawing/2014/main" id="{DCCB5030-496B-4E2B-A029-85A17C96E56A}"/>
+              </a:ext>
+            </a:extLst>
+          </p:cNvPr>
+          <p:cNvPicPr>
+            <a:picLocks noGrp="1" noChangeAspect="1"/>
+          </p:cNvPicPr>
+          <p:nvPr>
+            <p:ph idx="1"/>
+          </p:nvPr>
+        </p:nvPicPr>
+        <p:blipFill>
+          <a:blip r:embed="rId2">
+            <a:extLst>
+              <a:ext uri="{28A0092B-C50C-407E-A947-70E740481C1C}">
+                <a14:useLocalDpi xmlns:a14="http://schemas.microsoft.com/office/drawing/2010/main" val="0"/>
+              </a:ext>
+            </a:extLst>
+          </a:blip>
+          <a:stretch>
+            <a:fillRect/>
+          </a:stretch>
+        </p:blipFill>
+        <p:spPr>
+          <a:xfrm>
+            <a:off x="677334" y="1545336"/>
+            <a:ext cx="9179617" cy="5093208"/>
           </a:xfrm>
         </p:spPr>
       </p:pic>
@@ -7060,7 +8770,2047 @@
 </p:sld>
 </file>
 
-<file path=ppt/slides/slide2.xml><?xml version="1.0" encoding="utf-8"?>
+<file path=ppt/slides/slide22.xml><?xml version="1.0" encoding="utf-8"?>
+<p:sld xmlns:a="http://schemas.openxmlformats.org/drawingml/2006/main" xmlns:r="http://schemas.openxmlformats.org/officeDocument/2006/relationships" xmlns:p="http://schemas.openxmlformats.org/presentationml/2006/main">
+  <p:cSld>
+    <p:spTree>
+      <p:nvGrpSpPr>
+        <p:cNvPr id="1" name=""/>
+        <p:cNvGrpSpPr/>
+        <p:nvPr/>
+      </p:nvGrpSpPr>
+      <p:grpSpPr>
+        <a:xfrm>
+          <a:off x="0" y="0"/>
+          <a:ext cx="0" cy="0"/>
+          <a:chOff x="0" y="0"/>
+          <a:chExt cx="0" cy="0"/>
+        </a:xfrm>
+      </p:grpSpPr>
+      <p:sp>
+        <p:nvSpPr>
+          <p:cNvPr id="2" name="Title 1">
+            <a:extLst>
+              <a:ext uri="{FF2B5EF4-FFF2-40B4-BE49-F238E27FC236}">
+                <a16:creationId xmlns:a16="http://schemas.microsoft.com/office/drawing/2014/main" id="{02AE1621-6843-42B9-89FA-5BEDBC072B4E}"/>
+              </a:ext>
+            </a:extLst>
+          </p:cNvPr>
+          <p:cNvSpPr>
+            <a:spLocks noGrp="1"/>
+          </p:cNvSpPr>
+          <p:nvPr>
+            <p:ph type="title"/>
+          </p:nvPr>
+        </p:nvSpPr>
+        <p:spPr/>
+        <p:txBody>
+          <a:bodyPr/>
+          <a:lstStyle/>
+          <a:p>
+            <a:r>
+              <a:rPr lang="vi-VN" dirty="0"/>
+              <a:t>Nhà cung cấp</a:t>
+            </a:r>
+          </a:p>
+        </p:txBody>
+      </p:sp>
+      <p:pic>
+        <p:nvPicPr>
+          <p:cNvPr id="5" name="Content Placeholder 4">
+            <a:extLst>
+              <a:ext uri="{FF2B5EF4-FFF2-40B4-BE49-F238E27FC236}">
+                <a16:creationId xmlns:a16="http://schemas.microsoft.com/office/drawing/2014/main" id="{049AB715-EA29-454B-8B43-4E495313B1DB}"/>
+              </a:ext>
+            </a:extLst>
+          </p:cNvPr>
+          <p:cNvPicPr>
+            <a:picLocks noGrp="1" noChangeAspect="1"/>
+          </p:cNvPicPr>
+          <p:nvPr>
+            <p:ph idx="1"/>
+          </p:nvPr>
+        </p:nvPicPr>
+        <p:blipFill>
+          <a:blip r:embed="rId2">
+            <a:extLst>
+              <a:ext uri="{28A0092B-C50C-407E-A947-70E740481C1C}">
+                <a14:useLocalDpi xmlns:a14="http://schemas.microsoft.com/office/drawing/2010/main" val="0"/>
+              </a:ext>
+            </a:extLst>
+          </a:blip>
+          <a:stretch>
+            <a:fillRect/>
+          </a:stretch>
+        </p:blipFill>
+        <p:spPr>
+          <a:xfrm>
+            <a:off x="715418" y="1737360"/>
+            <a:ext cx="9229059" cy="5120640"/>
+          </a:xfrm>
+        </p:spPr>
+      </p:pic>
+    </p:spTree>
+    <p:extLst>
+      <p:ext uri="{BB962C8B-B14F-4D97-AF65-F5344CB8AC3E}">
+        <p14:creationId xmlns:p14="http://schemas.microsoft.com/office/powerpoint/2010/main" val="2489242171"/>
+      </p:ext>
+    </p:extLst>
+  </p:cSld>
+  <p:clrMapOvr>
+    <a:masterClrMapping/>
+  </p:clrMapOvr>
+</p:sld>
+</file>
+
+<file path=ppt/slides/slide23.xml><?xml version="1.0" encoding="utf-8"?>
+<p:sld xmlns:a="http://schemas.openxmlformats.org/drawingml/2006/main" xmlns:r="http://schemas.openxmlformats.org/officeDocument/2006/relationships" xmlns:p="http://schemas.openxmlformats.org/presentationml/2006/main">
+  <p:cSld>
+    <p:spTree>
+      <p:nvGrpSpPr>
+        <p:cNvPr id="1" name=""/>
+        <p:cNvGrpSpPr/>
+        <p:nvPr/>
+      </p:nvGrpSpPr>
+      <p:grpSpPr>
+        <a:xfrm>
+          <a:off x="0" y="0"/>
+          <a:ext cx="0" cy="0"/>
+          <a:chOff x="0" y="0"/>
+          <a:chExt cx="0" cy="0"/>
+        </a:xfrm>
+      </p:grpSpPr>
+      <p:sp>
+        <p:nvSpPr>
+          <p:cNvPr id="2" name="Title 1">
+            <a:extLst>
+              <a:ext uri="{FF2B5EF4-FFF2-40B4-BE49-F238E27FC236}">
+                <a16:creationId xmlns:a16="http://schemas.microsoft.com/office/drawing/2014/main" id="{70A84CC2-52B6-4E90-9898-E674B8C1D6CF}"/>
+              </a:ext>
+            </a:extLst>
+          </p:cNvPr>
+          <p:cNvSpPr>
+            <a:spLocks noGrp="1"/>
+          </p:cNvSpPr>
+          <p:nvPr>
+            <p:ph type="title"/>
+          </p:nvPr>
+        </p:nvSpPr>
+        <p:spPr/>
+        <p:txBody>
+          <a:bodyPr/>
+          <a:lstStyle/>
+          <a:p>
+            <a:r>
+              <a:rPr lang="vi-VN" dirty="0"/>
+              <a:t>Phiếu nhập chi tiêt phiếu nhâp</a:t>
+            </a:r>
+          </a:p>
+        </p:txBody>
+      </p:sp>
+      <p:pic>
+        <p:nvPicPr>
+          <p:cNvPr id="5" name="Content Placeholder 4">
+            <a:extLst>
+              <a:ext uri="{FF2B5EF4-FFF2-40B4-BE49-F238E27FC236}">
+                <a16:creationId xmlns:a16="http://schemas.microsoft.com/office/drawing/2014/main" id="{0D6A8911-9F6B-4188-8E89-DF51A81FDDD9}"/>
+              </a:ext>
+            </a:extLst>
+          </p:cNvPr>
+          <p:cNvPicPr>
+            <a:picLocks noGrp="1" noChangeAspect="1"/>
+          </p:cNvPicPr>
+          <p:nvPr>
+            <p:ph idx="1"/>
+          </p:nvPr>
+        </p:nvPicPr>
+        <p:blipFill>
+          <a:blip r:embed="rId2">
+            <a:extLst>
+              <a:ext uri="{28A0092B-C50C-407E-A947-70E740481C1C}">
+                <a14:useLocalDpi xmlns:a14="http://schemas.microsoft.com/office/drawing/2010/main" val="0"/>
+              </a:ext>
+            </a:extLst>
+          </a:blip>
+          <a:stretch>
+            <a:fillRect/>
+          </a:stretch>
+        </p:blipFill>
+        <p:spPr>
+          <a:xfrm>
+            <a:off x="748379" y="1755648"/>
+            <a:ext cx="9196098" cy="5102352"/>
+          </a:xfrm>
+        </p:spPr>
+      </p:pic>
+    </p:spTree>
+    <p:extLst>
+      <p:ext uri="{BB962C8B-B14F-4D97-AF65-F5344CB8AC3E}">
+        <p14:creationId xmlns:p14="http://schemas.microsoft.com/office/powerpoint/2010/main" val="47414216"/>
+      </p:ext>
+    </p:extLst>
+  </p:cSld>
+  <p:clrMapOvr>
+    <a:masterClrMapping/>
+  </p:clrMapOvr>
+</p:sld>
+</file>
+
+<file path=ppt/slides/slide24.xml><?xml version="1.0" encoding="utf-8"?>
+<p:sld xmlns:a="http://schemas.openxmlformats.org/drawingml/2006/main" xmlns:r="http://schemas.openxmlformats.org/officeDocument/2006/relationships" xmlns:p="http://schemas.openxmlformats.org/presentationml/2006/main">
+  <p:cSld>
+    <p:spTree>
+      <p:nvGrpSpPr>
+        <p:cNvPr id="1" name=""/>
+        <p:cNvGrpSpPr/>
+        <p:nvPr/>
+      </p:nvGrpSpPr>
+      <p:grpSpPr>
+        <a:xfrm>
+          <a:off x="0" y="0"/>
+          <a:ext cx="0" cy="0"/>
+          <a:chOff x="0" y="0"/>
+          <a:chExt cx="0" cy="0"/>
+        </a:xfrm>
+      </p:grpSpPr>
+      <p:sp>
+        <p:nvSpPr>
+          <p:cNvPr id="2" name="Title 1">
+            <a:extLst>
+              <a:ext uri="{FF2B5EF4-FFF2-40B4-BE49-F238E27FC236}">
+                <a16:creationId xmlns:a16="http://schemas.microsoft.com/office/drawing/2014/main" id="{3EB02927-06A9-40D3-BE50-BA056DA44625}"/>
+              </a:ext>
+            </a:extLst>
+          </p:cNvPr>
+          <p:cNvSpPr>
+            <a:spLocks noGrp="1"/>
+          </p:cNvSpPr>
+          <p:nvPr>
+            <p:ph type="title"/>
+          </p:nvPr>
+        </p:nvSpPr>
+        <p:spPr/>
+        <p:txBody>
+          <a:bodyPr/>
+          <a:lstStyle/>
+          <a:p>
+            <a:r>
+              <a:rPr lang="vi-VN" dirty="0"/>
+              <a:t>Cảm ơn và hẹn gặp lại</a:t>
+            </a:r>
+          </a:p>
+        </p:txBody>
+      </p:sp>
+      <p:sp>
+        <p:nvSpPr>
+          <p:cNvPr id="3" name="Content Placeholder 2">
+            <a:extLst>
+              <a:ext uri="{FF2B5EF4-FFF2-40B4-BE49-F238E27FC236}">
+                <a16:creationId xmlns:a16="http://schemas.microsoft.com/office/drawing/2014/main" id="{A26A7BEB-5193-4388-AB9C-3FADB5C2BA60}"/>
+              </a:ext>
+            </a:extLst>
+          </p:cNvPr>
+          <p:cNvSpPr>
+            <a:spLocks noGrp="1"/>
+          </p:cNvSpPr>
+          <p:nvPr>
+            <p:ph idx="1"/>
+          </p:nvPr>
+        </p:nvSpPr>
+        <p:spPr/>
+        <p:txBody>
+          <a:bodyPr>
+            <a:normAutofit lnSpcReduction="10000"/>
+          </a:bodyPr>
+          <a:lstStyle/>
+          <a:p>
+            <a:r>
+              <a:rPr lang="vi-VN" dirty="0"/>
+              <a:t>  Nguyễn Chí Định - 3118410083</a:t>
+            </a:r>
+          </a:p>
+          <a:p>
+            <a:r>
+              <a:rPr lang="vi-VN" dirty="0"/>
+              <a:t>  Nguyễn Trọng Hiếu - 3118410123 </a:t>
+            </a:r>
+          </a:p>
+          <a:p>
+            <a:r>
+              <a:rPr lang="vi-VN" dirty="0"/>
+              <a:t>  Phan Đồng Thiên Long - 3118410242 </a:t>
+            </a:r>
+          </a:p>
+          <a:p>
+            <a:r>
+              <a:rPr lang="vi-VN" dirty="0"/>
+              <a:t>  Nguyễn Ngọc Thái - 3118410390 </a:t>
+            </a:r>
+          </a:p>
+          <a:p>
+            <a:r>
+              <a:rPr lang="vi-VN" dirty="0"/>
+              <a:t>  Trần Quốc Hưng - 3118410172 </a:t>
+            </a:r>
+          </a:p>
+          <a:p>
+            <a:r>
+              <a:rPr lang="vi-VN" dirty="0"/>
+              <a:t>  You Chí Thành - 3118410396</a:t>
+            </a:r>
+          </a:p>
+          <a:p>
+            <a:r>
+              <a:rPr lang="vi-VN" dirty="0"/>
+              <a:t>  Vũ Đình Cao - 3118410037 </a:t>
+            </a:r>
+          </a:p>
+          <a:p>
+            <a:r>
+              <a:rPr lang="vi-VN" dirty="0"/>
+              <a:t>  Nguyễn Văn Thành - 3118410387 </a:t>
+            </a:r>
+          </a:p>
+          <a:p>
+            <a:r>
+              <a:rPr lang="vi-VN" dirty="0"/>
+              <a:t>Hồ văn Huy - 3117410096 :</a:t>
+            </a:r>
+          </a:p>
+          <a:p>
+            <a:pPr marL="0" indent="0">
+              <a:buNone/>
+            </a:pPr>
+            <a:r>
+              <a:rPr lang="vi-VN" dirty="0"/>
+              <a:t> </a:t>
+            </a:r>
+          </a:p>
+          <a:p>
+            <a:endParaRPr lang="vi-VN" dirty="0"/>
+          </a:p>
+        </p:txBody>
+      </p:sp>
+    </p:spTree>
+    <p:extLst>
+      <p:ext uri="{BB962C8B-B14F-4D97-AF65-F5344CB8AC3E}">
+        <p14:creationId xmlns:p14="http://schemas.microsoft.com/office/powerpoint/2010/main" val="2730551887"/>
+      </p:ext>
+    </p:extLst>
+  </p:cSld>
+  <p:clrMapOvr>
+    <a:masterClrMapping/>
+  </p:clrMapOvr>
+</p:sld>
+</file>
+
+<file path=ppt/slides/slide3.xml><?xml version="1.0" encoding="utf-8"?>
+<p:sld xmlns:a="http://schemas.openxmlformats.org/drawingml/2006/main" xmlns:r="http://schemas.openxmlformats.org/officeDocument/2006/relationships" xmlns:p="http://schemas.openxmlformats.org/presentationml/2006/main">
+  <p:cSld>
+    <p:spTree>
+      <p:nvGrpSpPr>
+        <p:cNvPr id="1" name=""/>
+        <p:cNvGrpSpPr/>
+        <p:nvPr/>
+      </p:nvGrpSpPr>
+      <p:grpSpPr>
+        <a:xfrm>
+          <a:off x="0" y="0"/>
+          <a:ext cx="0" cy="0"/>
+          <a:chOff x="0" y="0"/>
+          <a:chExt cx="0" cy="0"/>
+        </a:xfrm>
+      </p:grpSpPr>
+      <p:sp>
+        <p:nvSpPr>
+          <p:cNvPr id="2" name="Title 1"/>
+          <p:cNvSpPr>
+            <a:spLocks noGrp="1"/>
+          </p:cNvSpPr>
+          <p:nvPr>
+            <p:ph type="title"/>
+          </p:nvPr>
+        </p:nvSpPr>
+        <p:spPr/>
+        <p:txBody>
+          <a:bodyPr/>
+          <a:lstStyle/>
+          <a:p>
+            <a:r>
+              <a:rPr lang="en-US" smtClean="0"/>
+              <a:t>Nhiệm vụ</a:t>
+            </a:r>
+            <a:endParaRPr lang="en-US"/>
+          </a:p>
+        </p:txBody>
+      </p:sp>
+      <p:graphicFrame>
+        <p:nvGraphicFramePr>
+          <p:cNvPr id="4" name="Content Placeholder 3"/>
+          <p:cNvGraphicFramePr>
+            <a:graphicFrameLocks noGrp="1"/>
+          </p:cNvGraphicFramePr>
+          <p:nvPr>
+            <p:ph idx="1"/>
+            <p:extLst>
+              <p:ext uri="{D42A27DB-BD31-4B8C-83A1-F6EECF244321}">
+                <p14:modId xmlns:p14="http://schemas.microsoft.com/office/powerpoint/2010/main" val="1984723427"/>
+              </p:ext>
+            </p:extLst>
+          </p:nvPr>
+        </p:nvGraphicFramePr>
+        <p:xfrm>
+          <a:off x="777241" y="1289300"/>
+          <a:ext cx="9281158" cy="5276086"/>
+        </p:xfrm>
+        <a:graphic>
+          <a:graphicData uri="http://schemas.openxmlformats.org/drawingml/2006/table">
+            <a:tbl>
+              <a:tblPr firstRow="1" firstCol="1" bandRow="1">
+                <a:tableStyleId>{5C22544A-7EE6-4342-B048-85BDC9FD1C3A}</a:tableStyleId>
+              </a:tblPr>
+              <a:tblGrid>
+                <a:gridCol w="3093088">
+                  <a:extLst>
+                    <a:ext uri="{9D8B030D-6E8A-4147-A177-3AD203B41FA5}">
+                      <a16:colId xmlns:a16="http://schemas.microsoft.com/office/drawing/2014/main" val="3634955852"/>
+                    </a:ext>
+                  </a:extLst>
+                </a:gridCol>
+                <a:gridCol w="3094035">
+                  <a:extLst>
+                    <a:ext uri="{9D8B030D-6E8A-4147-A177-3AD203B41FA5}">
+                      <a16:colId xmlns:a16="http://schemas.microsoft.com/office/drawing/2014/main" val="646974925"/>
+                    </a:ext>
+                  </a:extLst>
+                </a:gridCol>
+                <a:gridCol w="3094035">
+                  <a:extLst>
+                    <a:ext uri="{9D8B030D-6E8A-4147-A177-3AD203B41FA5}">
+                      <a16:colId xmlns:a16="http://schemas.microsoft.com/office/drawing/2014/main" val="392096449"/>
+                    </a:ext>
+                  </a:extLst>
+                </a:gridCol>
+              </a:tblGrid>
+              <a:tr h="228821">
+                <a:tc>
+                  <a:txBody>
+                    <a:bodyPr/>
+                    <a:lstStyle/>
+                    <a:p>
+                      <a:pPr>
+                        <a:lnSpc>
+                          <a:spcPct val="107000"/>
+                        </a:lnSpc>
+                        <a:spcAft>
+                          <a:spcPts val="0"/>
+                        </a:spcAft>
+                      </a:pPr>
+                      <a:r>
+                        <a:rPr lang="en-US" sz="1200">
+                          <a:effectLst/>
+                        </a:rPr>
+                        <a:t>Task</a:t>
+                      </a:r>
+                      <a:endParaRPr lang="en-US" sz="1100">
+                        <a:effectLst/>
+                        <a:latin typeface="Arial" panose="020B0604020202020204" pitchFamily="34" charset="0"/>
+                        <a:ea typeface="Arial" panose="020B0604020202020204" pitchFamily="34" charset="0"/>
+                        <a:cs typeface="Times New Roman" panose="02020603050405020304" pitchFamily="18" charset="0"/>
+                      </a:endParaRPr>
+                    </a:p>
+                  </a:txBody>
+                  <a:tcPr marL="68580" marR="68580" marT="0" marB="0"/>
+                </a:tc>
+                <a:tc>
+                  <a:txBody>
+                    <a:bodyPr/>
+                    <a:lstStyle/>
+                    <a:p>
+                      <a:pPr>
+                        <a:lnSpc>
+                          <a:spcPct val="107000"/>
+                        </a:lnSpc>
+                        <a:spcAft>
+                          <a:spcPts val="0"/>
+                        </a:spcAft>
+                      </a:pPr>
+                      <a:r>
+                        <a:rPr lang="en-US" sz="1200">
+                          <a:effectLst/>
+                        </a:rPr>
+                        <a:t>Tên</a:t>
+                      </a:r>
+                      <a:endParaRPr lang="en-US" sz="1100">
+                        <a:effectLst/>
+                        <a:latin typeface="Arial" panose="020B0604020202020204" pitchFamily="34" charset="0"/>
+                        <a:ea typeface="Arial" panose="020B0604020202020204" pitchFamily="34" charset="0"/>
+                        <a:cs typeface="Times New Roman" panose="02020603050405020304" pitchFamily="18" charset="0"/>
+                      </a:endParaRPr>
+                    </a:p>
+                  </a:txBody>
+                  <a:tcPr marL="68580" marR="68580" marT="0" marB="0"/>
+                </a:tc>
+                <a:tc>
+                  <a:txBody>
+                    <a:bodyPr/>
+                    <a:lstStyle/>
+                    <a:p>
+                      <a:pPr>
+                        <a:lnSpc>
+                          <a:spcPct val="107000"/>
+                        </a:lnSpc>
+                        <a:spcAft>
+                          <a:spcPts val="0"/>
+                        </a:spcAft>
+                        <a:tabLst>
+                          <a:tab pos="448310" algn="l"/>
+                        </a:tabLst>
+                      </a:pPr>
+                      <a:r>
+                        <a:rPr lang="en-US" sz="1200">
+                          <a:effectLst/>
+                        </a:rPr>
+                        <a:t>số nhiệm vụ</a:t>
+                      </a:r>
+                      <a:endParaRPr lang="en-US" sz="1100">
+                        <a:effectLst/>
+                        <a:latin typeface="Arial" panose="020B0604020202020204" pitchFamily="34" charset="0"/>
+                        <a:ea typeface="Arial" panose="020B0604020202020204" pitchFamily="34" charset="0"/>
+                        <a:cs typeface="Times New Roman" panose="02020603050405020304" pitchFamily="18" charset="0"/>
+                      </a:endParaRPr>
+                    </a:p>
+                  </a:txBody>
+                  <a:tcPr marL="68580" marR="68580" marT="0" marB="0"/>
+                </a:tc>
+                <a:extLst>
+                  <a:ext uri="{0D108BD9-81ED-4DB2-BD59-A6C34878D82A}">
+                    <a16:rowId xmlns:a16="http://schemas.microsoft.com/office/drawing/2014/main" val="2971312480"/>
+                  </a:ext>
+                </a:extLst>
+              </a:tr>
+              <a:tr h="228821">
+                <a:tc>
+                  <a:txBody>
+                    <a:bodyPr/>
+                    <a:lstStyle/>
+                    <a:p>
+                      <a:pPr>
+                        <a:lnSpc>
+                          <a:spcPct val="107000"/>
+                        </a:lnSpc>
+                        <a:spcAft>
+                          <a:spcPts val="0"/>
+                        </a:spcAft>
+                      </a:pPr>
+                      <a:r>
+                        <a:rPr lang="en-US" sz="1200">
+                          <a:effectLst/>
+                        </a:rPr>
+                        <a:t>Quản lý Chất liệu</a:t>
+                      </a:r>
+                      <a:endParaRPr lang="en-US" sz="1100">
+                        <a:effectLst/>
+                        <a:latin typeface="Arial" panose="020B0604020202020204" pitchFamily="34" charset="0"/>
+                        <a:ea typeface="Arial" panose="020B0604020202020204" pitchFamily="34" charset="0"/>
+                        <a:cs typeface="Times New Roman" panose="02020603050405020304" pitchFamily="18" charset="0"/>
+                      </a:endParaRPr>
+                    </a:p>
+                  </a:txBody>
+                  <a:tcPr marL="68580" marR="68580" marT="0" marB="0"/>
+                </a:tc>
+                <a:tc>
+                  <a:txBody>
+                    <a:bodyPr/>
+                    <a:lstStyle/>
+                    <a:p>
+                      <a:pPr>
+                        <a:lnSpc>
+                          <a:spcPct val="107000"/>
+                        </a:lnSpc>
+                        <a:spcAft>
+                          <a:spcPts val="0"/>
+                        </a:spcAft>
+                      </a:pPr>
+                      <a:r>
+                        <a:rPr lang="vi-VN" sz="1200">
+                          <a:effectLst/>
+                        </a:rPr>
+                        <a:t>Nguyễn Chí Định</a:t>
+                      </a:r>
+                      <a:endParaRPr lang="en-US" sz="1100">
+                        <a:effectLst/>
+                        <a:latin typeface="Arial" panose="020B0604020202020204" pitchFamily="34" charset="0"/>
+                        <a:ea typeface="Arial" panose="020B0604020202020204" pitchFamily="34" charset="0"/>
+                        <a:cs typeface="Times New Roman" panose="02020603050405020304" pitchFamily="18" charset="0"/>
+                      </a:endParaRPr>
+                    </a:p>
+                  </a:txBody>
+                  <a:tcPr marL="68580" marR="68580" marT="0" marB="0"/>
+                </a:tc>
+                <a:tc>
+                  <a:txBody>
+                    <a:bodyPr/>
+                    <a:lstStyle/>
+                    <a:p>
+                      <a:pPr>
+                        <a:lnSpc>
+                          <a:spcPct val="107000"/>
+                        </a:lnSpc>
+                        <a:spcAft>
+                          <a:spcPts val="0"/>
+                        </a:spcAft>
+                      </a:pPr>
+                      <a:r>
+                        <a:rPr lang="en-US" sz="1200">
+                          <a:effectLst/>
+                        </a:rPr>
+                        <a:t>1</a:t>
+                      </a:r>
+                      <a:endParaRPr lang="en-US" sz="1100">
+                        <a:effectLst/>
+                        <a:latin typeface="Arial" panose="020B0604020202020204" pitchFamily="34" charset="0"/>
+                        <a:ea typeface="Arial" panose="020B0604020202020204" pitchFamily="34" charset="0"/>
+                        <a:cs typeface="Times New Roman" panose="02020603050405020304" pitchFamily="18" charset="0"/>
+                      </a:endParaRPr>
+                    </a:p>
+                  </a:txBody>
+                  <a:tcPr marL="68580" marR="68580" marT="0" marB="0"/>
+                </a:tc>
+                <a:extLst>
+                  <a:ext uri="{0D108BD9-81ED-4DB2-BD59-A6C34878D82A}">
+                    <a16:rowId xmlns:a16="http://schemas.microsoft.com/office/drawing/2014/main" val="1853410108"/>
+                  </a:ext>
+                </a:extLst>
+              </a:tr>
+              <a:tr h="228821">
+                <a:tc>
+                  <a:txBody>
+                    <a:bodyPr/>
+                    <a:lstStyle/>
+                    <a:p>
+                      <a:pPr>
+                        <a:lnSpc>
+                          <a:spcPct val="107000"/>
+                        </a:lnSpc>
+                        <a:spcAft>
+                          <a:spcPts val="0"/>
+                        </a:spcAft>
+                      </a:pPr>
+                      <a:r>
+                        <a:rPr lang="en-US" sz="1200">
+                          <a:effectLst/>
+                        </a:rPr>
+                        <a:t>Quản lý Giảm giá</a:t>
+                      </a:r>
+                      <a:endParaRPr lang="en-US" sz="1100">
+                        <a:effectLst/>
+                        <a:latin typeface="Arial" panose="020B0604020202020204" pitchFamily="34" charset="0"/>
+                        <a:ea typeface="Arial" panose="020B0604020202020204" pitchFamily="34" charset="0"/>
+                        <a:cs typeface="Times New Roman" panose="02020603050405020304" pitchFamily="18" charset="0"/>
+                      </a:endParaRPr>
+                    </a:p>
+                  </a:txBody>
+                  <a:tcPr marL="68580" marR="68580" marT="0" marB="0"/>
+                </a:tc>
+                <a:tc>
+                  <a:txBody>
+                    <a:bodyPr/>
+                    <a:lstStyle/>
+                    <a:p>
+                      <a:pPr>
+                        <a:lnSpc>
+                          <a:spcPct val="107000"/>
+                        </a:lnSpc>
+                        <a:spcAft>
+                          <a:spcPts val="0"/>
+                        </a:spcAft>
+                      </a:pPr>
+                      <a:r>
+                        <a:rPr lang="vi-VN" sz="1200">
+                          <a:effectLst/>
+                        </a:rPr>
+                        <a:t>Nguyễn Ngọc Thái</a:t>
+                      </a:r>
+                      <a:endParaRPr lang="en-US" sz="1100">
+                        <a:effectLst/>
+                        <a:latin typeface="Arial" panose="020B0604020202020204" pitchFamily="34" charset="0"/>
+                        <a:ea typeface="Arial" panose="020B0604020202020204" pitchFamily="34" charset="0"/>
+                        <a:cs typeface="Times New Roman" panose="02020603050405020304" pitchFamily="18" charset="0"/>
+                      </a:endParaRPr>
+                    </a:p>
+                  </a:txBody>
+                  <a:tcPr marL="68580" marR="68580" marT="0" marB="0"/>
+                </a:tc>
+                <a:tc>
+                  <a:txBody>
+                    <a:bodyPr/>
+                    <a:lstStyle/>
+                    <a:p>
+                      <a:pPr>
+                        <a:lnSpc>
+                          <a:spcPct val="107000"/>
+                        </a:lnSpc>
+                        <a:spcAft>
+                          <a:spcPts val="0"/>
+                        </a:spcAft>
+                      </a:pPr>
+                      <a:r>
+                        <a:rPr lang="en-US" sz="1200">
+                          <a:effectLst/>
+                        </a:rPr>
+                        <a:t>2</a:t>
+                      </a:r>
+                      <a:endParaRPr lang="en-US" sz="1100">
+                        <a:effectLst/>
+                        <a:latin typeface="Arial" panose="020B0604020202020204" pitchFamily="34" charset="0"/>
+                        <a:ea typeface="Arial" panose="020B0604020202020204" pitchFamily="34" charset="0"/>
+                        <a:cs typeface="Times New Roman" panose="02020603050405020304" pitchFamily="18" charset="0"/>
+                      </a:endParaRPr>
+                    </a:p>
+                  </a:txBody>
+                  <a:tcPr marL="68580" marR="68580" marT="0" marB="0"/>
+                </a:tc>
+                <a:extLst>
+                  <a:ext uri="{0D108BD9-81ED-4DB2-BD59-A6C34878D82A}">
+                    <a16:rowId xmlns:a16="http://schemas.microsoft.com/office/drawing/2014/main" val="3240828745"/>
+                  </a:ext>
+                </a:extLst>
+              </a:tr>
+              <a:tr h="228821">
+                <a:tc>
+                  <a:txBody>
+                    <a:bodyPr/>
+                    <a:lstStyle/>
+                    <a:p>
+                      <a:pPr>
+                        <a:lnSpc>
+                          <a:spcPct val="107000"/>
+                        </a:lnSpc>
+                        <a:spcAft>
+                          <a:spcPts val="0"/>
+                        </a:spcAft>
+                      </a:pPr>
+                      <a:r>
+                        <a:rPr lang="en-US" sz="1200">
+                          <a:effectLst/>
+                        </a:rPr>
+                        <a:t>Quản lý Khách hàng</a:t>
+                      </a:r>
+                      <a:endParaRPr lang="en-US" sz="1100">
+                        <a:effectLst/>
+                        <a:latin typeface="Arial" panose="020B0604020202020204" pitchFamily="34" charset="0"/>
+                        <a:ea typeface="Arial" panose="020B0604020202020204" pitchFamily="34" charset="0"/>
+                        <a:cs typeface="Times New Roman" panose="02020603050405020304" pitchFamily="18" charset="0"/>
+                      </a:endParaRPr>
+                    </a:p>
+                  </a:txBody>
+                  <a:tcPr marL="68580" marR="68580" marT="0" marB="0"/>
+                </a:tc>
+                <a:tc>
+                  <a:txBody>
+                    <a:bodyPr/>
+                    <a:lstStyle/>
+                    <a:p>
+                      <a:pPr>
+                        <a:lnSpc>
+                          <a:spcPct val="107000"/>
+                        </a:lnSpc>
+                        <a:spcAft>
+                          <a:spcPts val="0"/>
+                        </a:spcAft>
+                      </a:pPr>
+                      <a:r>
+                        <a:rPr lang="vi-VN" sz="1200">
+                          <a:effectLst/>
+                        </a:rPr>
+                        <a:t>You Chí Thành</a:t>
+                      </a:r>
+                      <a:endParaRPr lang="en-US" sz="1100">
+                        <a:effectLst/>
+                        <a:latin typeface="Arial" panose="020B0604020202020204" pitchFamily="34" charset="0"/>
+                        <a:ea typeface="Arial" panose="020B0604020202020204" pitchFamily="34" charset="0"/>
+                        <a:cs typeface="Times New Roman" panose="02020603050405020304" pitchFamily="18" charset="0"/>
+                      </a:endParaRPr>
+                    </a:p>
+                  </a:txBody>
+                  <a:tcPr marL="68580" marR="68580" marT="0" marB="0"/>
+                </a:tc>
+                <a:tc>
+                  <a:txBody>
+                    <a:bodyPr/>
+                    <a:lstStyle/>
+                    <a:p>
+                      <a:pPr>
+                        <a:lnSpc>
+                          <a:spcPct val="107000"/>
+                        </a:lnSpc>
+                        <a:spcAft>
+                          <a:spcPts val="0"/>
+                        </a:spcAft>
+                      </a:pPr>
+                      <a:r>
+                        <a:rPr lang="en-US" sz="1200">
+                          <a:effectLst/>
+                        </a:rPr>
+                        <a:t>3</a:t>
+                      </a:r>
+                      <a:endParaRPr lang="en-US" sz="1100">
+                        <a:effectLst/>
+                        <a:latin typeface="Arial" panose="020B0604020202020204" pitchFamily="34" charset="0"/>
+                        <a:ea typeface="Arial" panose="020B0604020202020204" pitchFamily="34" charset="0"/>
+                        <a:cs typeface="Times New Roman" panose="02020603050405020304" pitchFamily="18" charset="0"/>
+                      </a:endParaRPr>
+                    </a:p>
+                  </a:txBody>
+                  <a:tcPr marL="68580" marR="68580" marT="0" marB="0"/>
+                </a:tc>
+                <a:extLst>
+                  <a:ext uri="{0D108BD9-81ED-4DB2-BD59-A6C34878D82A}">
+                    <a16:rowId xmlns:a16="http://schemas.microsoft.com/office/drawing/2014/main" val="788720886"/>
+                  </a:ext>
+                </a:extLst>
+              </a:tr>
+              <a:tr h="469759">
+                <a:tc>
+                  <a:txBody>
+                    <a:bodyPr/>
+                    <a:lstStyle/>
+                    <a:p>
+                      <a:pPr>
+                        <a:lnSpc>
+                          <a:spcPct val="107000"/>
+                        </a:lnSpc>
+                        <a:spcAft>
+                          <a:spcPts val="0"/>
+                        </a:spcAft>
+                      </a:pPr>
+                      <a:r>
+                        <a:rPr lang="en-US" sz="1200">
+                          <a:effectLst/>
+                        </a:rPr>
+                        <a:t>Quản lý Nhập hàng- chi tiết nhập hàng</a:t>
+                      </a:r>
+                      <a:endParaRPr lang="en-US" sz="1100">
+                        <a:effectLst/>
+                        <a:latin typeface="Arial" panose="020B0604020202020204" pitchFamily="34" charset="0"/>
+                        <a:ea typeface="Arial" panose="020B0604020202020204" pitchFamily="34" charset="0"/>
+                        <a:cs typeface="Times New Roman" panose="02020603050405020304" pitchFamily="18" charset="0"/>
+                      </a:endParaRPr>
+                    </a:p>
+                  </a:txBody>
+                  <a:tcPr marL="68580" marR="68580" marT="0" marB="0"/>
+                </a:tc>
+                <a:tc>
+                  <a:txBody>
+                    <a:bodyPr/>
+                    <a:lstStyle/>
+                    <a:p>
+                      <a:pPr>
+                        <a:lnSpc>
+                          <a:spcPct val="107000"/>
+                        </a:lnSpc>
+                        <a:spcAft>
+                          <a:spcPts val="0"/>
+                        </a:spcAft>
+                      </a:pPr>
+                      <a:r>
+                        <a:rPr lang="vi-VN" sz="1200">
+                          <a:effectLst/>
+                        </a:rPr>
+                        <a:t>Hồ Văn Huy</a:t>
+                      </a:r>
+                      <a:endParaRPr lang="en-US" sz="1100">
+                        <a:effectLst/>
+                        <a:latin typeface="Arial" panose="020B0604020202020204" pitchFamily="34" charset="0"/>
+                        <a:ea typeface="Arial" panose="020B0604020202020204" pitchFamily="34" charset="0"/>
+                        <a:cs typeface="Times New Roman" panose="02020603050405020304" pitchFamily="18" charset="0"/>
+                      </a:endParaRPr>
+                    </a:p>
+                  </a:txBody>
+                  <a:tcPr marL="68580" marR="68580" marT="0" marB="0"/>
+                </a:tc>
+                <a:tc>
+                  <a:txBody>
+                    <a:bodyPr/>
+                    <a:lstStyle/>
+                    <a:p>
+                      <a:pPr>
+                        <a:lnSpc>
+                          <a:spcPct val="107000"/>
+                        </a:lnSpc>
+                        <a:spcAft>
+                          <a:spcPts val="0"/>
+                        </a:spcAft>
+                      </a:pPr>
+                      <a:r>
+                        <a:rPr lang="en-US" sz="1200">
+                          <a:effectLst/>
+                        </a:rPr>
+                        <a:t>4</a:t>
+                      </a:r>
+                      <a:endParaRPr lang="en-US" sz="1100">
+                        <a:effectLst/>
+                        <a:latin typeface="Arial" panose="020B0604020202020204" pitchFamily="34" charset="0"/>
+                        <a:ea typeface="Arial" panose="020B0604020202020204" pitchFamily="34" charset="0"/>
+                        <a:cs typeface="Times New Roman" panose="02020603050405020304" pitchFamily="18" charset="0"/>
+                      </a:endParaRPr>
+                    </a:p>
+                  </a:txBody>
+                  <a:tcPr marL="68580" marR="68580" marT="0" marB="0"/>
+                </a:tc>
+                <a:extLst>
+                  <a:ext uri="{0D108BD9-81ED-4DB2-BD59-A6C34878D82A}">
+                    <a16:rowId xmlns:a16="http://schemas.microsoft.com/office/drawing/2014/main" val="2605132329"/>
+                  </a:ext>
+                </a:extLst>
+              </a:tr>
+              <a:tr h="228821">
+                <a:tc>
+                  <a:txBody>
+                    <a:bodyPr/>
+                    <a:lstStyle/>
+                    <a:p>
+                      <a:pPr>
+                        <a:lnSpc>
+                          <a:spcPct val="107000"/>
+                        </a:lnSpc>
+                        <a:spcAft>
+                          <a:spcPts val="0"/>
+                        </a:spcAft>
+                      </a:pPr>
+                      <a:r>
+                        <a:rPr lang="en-US" sz="1200">
+                          <a:effectLst/>
+                        </a:rPr>
+                        <a:t>Quản lý nhân viên</a:t>
+                      </a:r>
+                      <a:endParaRPr lang="en-US" sz="1100">
+                        <a:effectLst/>
+                        <a:latin typeface="Arial" panose="020B0604020202020204" pitchFamily="34" charset="0"/>
+                        <a:ea typeface="Arial" panose="020B0604020202020204" pitchFamily="34" charset="0"/>
+                        <a:cs typeface="Times New Roman" panose="02020603050405020304" pitchFamily="18" charset="0"/>
+                      </a:endParaRPr>
+                    </a:p>
+                  </a:txBody>
+                  <a:tcPr marL="68580" marR="68580" marT="0" marB="0"/>
+                </a:tc>
+                <a:tc>
+                  <a:txBody>
+                    <a:bodyPr/>
+                    <a:lstStyle/>
+                    <a:p>
+                      <a:pPr>
+                        <a:lnSpc>
+                          <a:spcPct val="107000"/>
+                        </a:lnSpc>
+                        <a:spcAft>
+                          <a:spcPts val="0"/>
+                        </a:spcAft>
+                      </a:pPr>
+                      <a:r>
+                        <a:rPr lang="vi-VN" sz="1200">
+                          <a:effectLst/>
+                        </a:rPr>
+                        <a:t>Nguyễn Văn Thành</a:t>
+                      </a:r>
+                      <a:endParaRPr lang="en-US" sz="1100">
+                        <a:effectLst/>
+                        <a:latin typeface="Arial" panose="020B0604020202020204" pitchFamily="34" charset="0"/>
+                        <a:ea typeface="Arial" panose="020B0604020202020204" pitchFamily="34" charset="0"/>
+                        <a:cs typeface="Times New Roman" panose="02020603050405020304" pitchFamily="18" charset="0"/>
+                      </a:endParaRPr>
+                    </a:p>
+                  </a:txBody>
+                  <a:tcPr marL="68580" marR="68580" marT="0" marB="0"/>
+                </a:tc>
+                <a:tc>
+                  <a:txBody>
+                    <a:bodyPr/>
+                    <a:lstStyle/>
+                    <a:p>
+                      <a:pPr>
+                        <a:lnSpc>
+                          <a:spcPct val="107000"/>
+                        </a:lnSpc>
+                        <a:spcAft>
+                          <a:spcPts val="0"/>
+                        </a:spcAft>
+                      </a:pPr>
+                      <a:r>
+                        <a:rPr lang="en-US" sz="1200">
+                          <a:effectLst/>
+                        </a:rPr>
+                        <a:t>5</a:t>
+                      </a:r>
+                      <a:endParaRPr lang="en-US" sz="1100">
+                        <a:effectLst/>
+                        <a:latin typeface="Arial" panose="020B0604020202020204" pitchFamily="34" charset="0"/>
+                        <a:ea typeface="Arial" panose="020B0604020202020204" pitchFamily="34" charset="0"/>
+                        <a:cs typeface="Times New Roman" panose="02020603050405020304" pitchFamily="18" charset="0"/>
+                      </a:endParaRPr>
+                    </a:p>
+                  </a:txBody>
+                  <a:tcPr marL="68580" marR="68580" marT="0" marB="0"/>
+                </a:tc>
+                <a:extLst>
+                  <a:ext uri="{0D108BD9-81ED-4DB2-BD59-A6C34878D82A}">
+                    <a16:rowId xmlns:a16="http://schemas.microsoft.com/office/drawing/2014/main" val="3898754761"/>
+                  </a:ext>
+                </a:extLst>
+              </a:tr>
+              <a:tr h="430592">
+                <a:tc>
+                  <a:txBody>
+                    <a:bodyPr/>
+                    <a:lstStyle/>
+                    <a:p>
+                      <a:pPr>
+                        <a:lnSpc>
+                          <a:spcPct val="107000"/>
+                        </a:lnSpc>
+                        <a:spcAft>
+                          <a:spcPts val="0"/>
+                        </a:spcAft>
+                      </a:pPr>
+                      <a:r>
+                        <a:rPr lang="en-US" sz="1100">
+                          <a:effectLst/>
+                        </a:rPr>
+                        <a:t>Quản lý Hóa đơn - chi tiết hóa đơn</a:t>
+                      </a:r>
+                      <a:endParaRPr lang="en-US" sz="1100">
+                        <a:effectLst/>
+                        <a:latin typeface="Arial" panose="020B0604020202020204" pitchFamily="34" charset="0"/>
+                        <a:ea typeface="Arial" panose="020B0604020202020204" pitchFamily="34" charset="0"/>
+                        <a:cs typeface="Times New Roman" panose="02020603050405020304" pitchFamily="18" charset="0"/>
+                      </a:endParaRPr>
+                    </a:p>
+                  </a:txBody>
+                  <a:tcPr marL="68580" marR="68580" marT="0" marB="0"/>
+                </a:tc>
+                <a:tc>
+                  <a:txBody>
+                    <a:bodyPr/>
+                    <a:lstStyle/>
+                    <a:p>
+                      <a:pPr>
+                        <a:lnSpc>
+                          <a:spcPct val="107000"/>
+                        </a:lnSpc>
+                        <a:spcAft>
+                          <a:spcPts val="0"/>
+                        </a:spcAft>
+                      </a:pPr>
+                      <a:r>
+                        <a:rPr lang="vi-VN" sz="1200">
+                          <a:effectLst/>
+                        </a:rPr>
+                        <a:t>Trần Quốc Hưng</a:t>
+                      </a:r>
+                      <a:endParaRPr lang="en-US" sz="1100">
+                        <a:effectLst/>
+                        <a:latin typeface="Arial" panose="020B0604020202020204" pitchFamily="34" charset="0"/>
+                        <a:ea typeface="Arial" panose="020B0604020202020204" pitchFamily="34" charset="0"/>
+                        <a:cs typeface="Times New Roman" panose="02020603050405020304" pitchFamily="18" charset="0"/>
+                      </a:endParaRPr>
+                    </a:p>
+                  </a:txBody>
+                  <a:tcPr marL="68580" marR="68580" marT="0" marB="0"/>
+                </a:tc>
+                <a:tc>
+                  <a:txBody>
+                    <a:bodyPr/>
+                    <a:lstStyle/>
+                    <a:p>
+                      <a:pPr>
+                        <a:lnSpc>
+                          <a:spcPct val="107000"/>
+                        </a:lnSpc>
+                        <a:spcAft>
+                          <a:spcPts val="0"/>
+                        </a:spcAft>
+                      </a:pPr>
+                      <a:r>
+                        <a:rPr lang="en-US" sz="1200">
+                          <a:effectLst/>
+                        </a:rPr>
+                        <a:t>6</a:t>
+                      </a:r>
+                      <a:endParaRPr lang="en-US" sz="1100">
+                        <a:effectLst/>
+                        <a:latin typeface="Arial" panose="020B0604020202020204" pitchFamily="34" charset="0"/>
+                        <a:ea typeface="Arial" panose="020B0604020202020204" pitchFamily="34" charset="0"/>
+                        <a:cs typeface="Times New Roman" panose="02020603050405020304" pitchFamily="18" charset="0"/>
+                      </a:endParaRPr>
+                    </a:p>
+                  </a:txBody>
+                  <a:tcPr marL="68580" marR="68580" marT="0" marB="0"/>
+                </a:tc>
+                <a:extLst>
+                  <a:ext uri="{0D108BD9-81ED-4DB2-BD59-A6C34878D82A}">
+                    <a16:rowId xmlns:a16="http://schemas.microsoft.com/office/drawing/2014/main" val="1994343038"/>
+                  </a:ext>
+                </a:extLst>
+              </a:tr>
+              <a:tr h="228821">
+                <a:tc>
+                  <a:txBody>
+                    <a:bodyPr/>
+                    <a:lstStyle/>
+                    <a:p>
+                      <a:pPr>
+                        <a:lnSpc>
+                          <a:spcPct val="107000"/>
+                        </a:lnSpc>
+                        <a:spcAft>
+                          <a:spcPts val="0"/>
+                        </a:spcAft>
+                      </a:pPr>
+                      <a:r>
+                        <a:rPr lang="en-US" sz="1200">
+                          <a:effectLst/>
+                        </a:rPr>
+                        <a:t>Quản lý Hàng hóa</a:t>
+                      </a:r>
+                      <a:endParaRPr lang="en-US" sz="1100">
+                        <a:effectLst/>
+                        <a:latin typeface="Arial" panose="020B0604020202020204" pitchFamily="34" charset="0"/>
+                        <a:ea typeface="Arial" panose="020B0604020202020204" pitchFamily="34" charset="0"/>
+                        <a:cs typeface="Times New Roman" panose="02020603050405020304" pitchFamily="18" charset="0"/>
+                      </a:endParaRPr>
+                    </a:p>
+                  </a:txBody>
+                  <a:tcPr marL="68580" marR="68580" marT="0" marB="0"/>
+                </a:tc>
+                <a:tc>
+                  <a:txBody>
+                    <a:bodyPr/>
+                    <a:lstStyle/>
+                    <a:p>
+                      <a:pPr>
+                        <a:lnSpc>
+                          <a:spcPct val="107000"/>
+                        </a:lnSpc>
+                        <a:spcAft>
+                          <a:spcPts val="0"/>
+                        </a:spcAft>
+                      </a:pPr>
+                      <a:r>
+                        <a:rPr lang="vi-VN" sz="1200">
+                          <a:effectLst/>
+                        </a:rPr>
+                        <a:t>Nguyễn Trọng Hiếu</a:t>
+                      </a:r>
+                      <a:endParaRPr lang="en-US" sz="1100">
+                        <a:effectLst/>
+                        <a:latin typeface="Arial" panose="020B0604020202020204" pitchFamily="34" charset="0"/>
+                        <a:ea typeface="Arial" panose="020B0604020202020204" pitchFamily="34" charset="0"/>
+                        <a:cs typeface="Times New Roman" panose="02020603050405020304" pitchFamily="18" charset="0"/>
+                      </a:endParaRPr>
+                    </a:p>
+                  </a:txBody>
+                  <a:tcPr marL="68580" marR="68580" marT="0" marB="0"/>
+                </a:tc>
+                <a:tc>
+                  <a:txBody>
+                    <a:bodyPr/>
+                    <a:lstStyle/>
+                    <a:p>
+                      <a:pPr>
+                        <a:lnSpc>
+                          <a:spcPct val="107000"/>
+                        </a:lnSpc>
+                        <a:spcAft>
+                          <a:spcPts val="0"/>
+                        </a:spcAft>
+                      </a:pPr>
+                      <a:r>
+                        <a:rPr lang="en-US" sz="1200">
+                          <a:effectLst/>
+                        </a:rPr>
+                        <a:t>7</a:t>
+                      </a:r>
+                      <a:endParaRPr lang="en-US" sz="1100">
+                        <a:effectLst/>
+                        <a:latin typeface="Arial" panose="020B0604020202020204" pitchFamily="34" charset="0"/>
+                        <a:ea typeface="Arial" panose="020B0604020202020204" pitchFamily="34" charset="0"/>
+                        <a:cs typeface="Times New Roman" panose="02020603050405020304" pitchFamily="18" charset="0"/>
+                      </a:endParaRPr>
+                    </a:p>
+                  </a:txBody>
+                  <a:tcPr marL="68580" marR="68580" marT="0" marB="0"/>
+                </a:tc>
+                <a:extLst>
+                  <a:ext uri="{0D108BD9-81ED-4DB2-BD59-A6C34878D82A}">
+                    <a16:rowId xmlns:a16="http://schemas.microsoft.com/office/drawing/2014/main" val="3264802493"/>
+                  </a:ext>
+                </a:extLst>
+              </a:tr>
+              <a:tr h="464676">
+                <a:tc>
+                  <a:txBody>
+                    <a:bodyPr/>
+                    <a:lstStyle/>
+                    <a:p>
+                      <a:pPr>
+                        <a:lnSpc>
+                          <a:spcPct val="107000"/>
+                        </a:lnSpc>
+                        <a:spcAft>
+                          <a:spcPts val="0"/>
+                        </a:spcAft>
+                      </a:pPr>
+                      <a:r>
+                        <a:rPr lang="en-US" sz="1200">
+                          <a:effectLst/>
+                        </a:rPr>
+                        <a:t>quản lý Đăng nhập –đăng ký</a:t>
+                      </a:r>
+                      <a:endParaRPr lang="en-US" sz="1100">
+                        <a:effectLst/>
+                        <a:latin typeface="Arial" panose="020B0604020202020204" pitchFamily="34" charset="0"/>
+                        <a:ea typeface="Arial" panose="020B0604020202020204" pitchFamily="34" charset="0"/>
+                        <a:cs typeface="Times New Roman" panose="02020603050405020304" pitchFamily="18" charset="0"/>
+                      </a:endParaRPr>
+                    </a:p>
+                  </a:txBody>
+                  <a:tcPr marL="68580" marR="68580" marT="0" marB="0"/>
+                </a:tc>
+                <a:tc>
+                  <a:txBody>
+                    <a:bodyPr/>
+                    <a:lstStyle/>
+                    <a:p>
+                      <a:pPr>
+                        <a:lnSpc>
+                          <a:spcPct val="107000"/>
+                        </a:lnSpc>
+                        <a:spcAft>
+                          <a:spcPts val="0"/>
+                        </a:spcAft>
+                      </a:pPr>
+                      <a:r>
+                        <a:rPr lang="vi-VN" sz="1200">
+                          <a:effectLst/>
+                        </a:rPr>
+                        <a:t>Phan Đồng Thiên Long</a:t>
+                      </a:r>
+                      <a:endParaRPr lang="en-US" sz="1100">
+                        <a:effectLst/>
+                        <a:latin typeface="Arial" panose="020B0604020202020204" pitchFamily="34" charset="0"/>
+                        <a:ea typeface="Arial" panose="020B0604020202020204" pitchFamily="34" charset="0"/>
+                        <a:cs typeface="Times New Roman" panose="02020603050405020304" pitchFamily="18" charset="0"/>
+                      </a:endParaRPr>
+                    </a:p>
+                  </a:txBody>
+                  <a:tcPr marL="68580" marR="68580" marT="0" marB="0"/>
+                </a:tc>
+                <a:tc>
+                  <a:txBody>
+                    <a:bodyPr/>
+                    <a:lstStyle/>
+                    <a:p>
+                      <a:pPr>
+                        <a:lnSpc>
+                          <a:spcPct val="107000"/>
+                        </a:lnSpc>
+                        <a:spcAft>
+                          <a:spcPts val="0"/>
+                        </a:spcAft>
+                      </a:pPr>
+                      <a:r>
+                        <a:rPr lang="en-US" sz="1200">
+                          <a:effectLst/>
+                        </a:rPr>
+                        <a:t>8</a:t>
+                      </a:r>
+                      <a:endParaRPr lang="en-US" sz="1100">
+                        <a:effectLst/>
+                        <a:latin typeface="Arial" panose="020B0604020202020204" pitchFamily="34" charset="0"/>
+                        <a:ea typeface="Arial" panose="020B0604020202020204" pitchFamily="34" charset="0"/>
+                        <a:cs typeface="Times New Roman" panose="02020603050405020304" pitchFamily="18" charset="0"/>
+                      </a:endParaRPr>
+                    </a:p>
+                  </a:txBody>
+                  <a:tcPr marL="68580" marR="68580" marT="0" marB="0"/>
+                </a:tc>
+                <a:extLst>
+                  <a:ext uri="{0D108BD9-81ED-4DB2-BD59-A6C34878D82A}">
+                    <a16:rowId xmlns:a16="http://schemas.microsoft.com/office/drawing/2014/main" val="2177801364"/>
+                  </a:ext>
+                </a:extLst>
+              </a:tr>
+              <a:tr h="228821">
+                <a:tc>
+                  <a:txBody>
+                    <a:bodyPr/>
+                    <a:lstStyle/>
+                    <a:p>
+                      <a:pPr>
+                        <a:lnSpc>
+                          <a:spcPct val="107000"/>
+                        </a:lnSpc>
+                        <a:spcAft>
+                          <a:spcPts val="0"/>
+                        </a:spcAft>
+                      </a:pPr>
+                      <a:r>
+                        <a:rPr lang="en-US" sz="1200">
+                          <a:effectLst/>
+                        </a:rPr>
+                        <a:t>Quản lý nhà cung cấp</a:t>
+                      </a:r>
+                      <a:endParaRPr lang="en-US" sz="1100">
+                        <a:effectLst/>
+                        <a:latin typeface="Arial" panose="020B0604020202020204" pitchFamily="34" charset="0"/>
+                        <a:ea typeface="Arial" panose="020B0604020202020204" pitchFamily="34" charset="0"/>
+                        <a:cs typeface="Times New Roman" panose="02020603050405020304" pitchFamily="18" charset="0"/>
+                      </a:endParaRPr>
+                    </a:p>
+                  </a:txBody>
+                  <a:tcPr marL="68580" marR="68580" marT="0" marB="0"/>
+                </a:tc>
+                <a:tc>
+                  <a:txBody>
+                    <a:bodyPr/>
+                    <a:lstStyle/>
+                    <a:p>
+                      <a:pPr>
+                        <a:lnSpc>
+                          <a:spcPct val="107000"/>
+                        </a:lnSpc>
+                        <a:spcAft>
+                          <a:spcPts val="0"/>
+                        </a:spcAft>
+                      </a:pPr>
+                      <a:r>
+                        <a:rPr lang="vi-VN" sz="1200">
+                          <a:effectLst/>
+                        </a:rPr>
+                        <a:t>Vũ Đình Cao</a:t>
+                      </a:r>
+                      <a:endParaRPr lang="en-US" sz="1100">
+                        <a:effectLst/>
+                        <a:latin typeface="Arial" panose="020B0604020202020204" pitchFamily="34" charset="0"/>
+                        <a:ea typeface="Arial" panose="020B0604020202020204" pitchFamily="34" charset="0"/>
+                        <a:cs typeface="Times New Roman" panose="02020603050405020304" pitchFamily="18" charset="0"/>
+                      </a:endParaRPr>
+                    </a:p>
+                  </a:txBody>
+                  <a:tcPr marL="68580" marR="68580" marT="0" marB="0"/>
+                </a:tc>
+                <a:tc>
+                  <a:txBody>
+                    <a:bodyPr/>
+                    <a:lstStyle/>
+                    <a:p>
+                      <a:pPr>
+                        <a:lnSpc>
+                          <a:spcPct val="107000"/>
+                        </a:lnSpc>
+                        <a:spcAft>
+                          <a:spcPts val="0"/>
+                        </a:spcAft>
+                      </a:pPr>
+                      <a:r>
+                        <a:rPr lang="en-US" sz="1200">
+                          <a:effectLst/>
+                        </a:rPr>
+                        <a:t>9</a:t>
+                      </a:r>
+                      <a:endParaRPr lang="en-US" sz="1100">
+                        <a:effectLst/>
+                        <a:latin typeface="Arial" panose="020B0604020202020204" pitchFamily="34" charset="0"/>
+                        <a:ea typeface="Arial" panose="020B0604020202020204" pitchFamily="34" charset="0"/>
+                        <a:cs typeface="Times New Roman" panose="02020603050405020304" pitchFamily="18" charset="0"/>
+                      </a:endParaRPr>
+                    </a:p>
+                  </a:txBody>
+                  <a:tcPr marL="68580" marR="68580" marT="0" marB="0"/>
+                </a:tc>
+                <a:extLst>
+                  <a:ext uri="{0D108BD9-81ED-4DB2-BD59-A6C34878D82A}">
+                    <a16:rowId xmlns:a16="http://schemas.microsoft.com/office/drawing/2014/main" val="3103284723"/>
+                  </a:ext>
+                </a:extLst>
+              </a:tr>
+              <a:tr h="228821">
+                <a:tc>
+                  <a:txBody>
+                    <a:bodyPr/>
+                    <a:lstStyle/>
+                    <a:p>
+                      <a:pPr>
+                        <a:lnSpc>
+                          <a:spcPct val="107000"/>
+                        </a:lnSpc>
+                        <a:spcAft>
+                          <a:spcPts val="0"/>
+                        </a:spcAft>
+                      </a:pPr>
+                      <a:r>
+                        <a:rPr lang="en-US" sz="1200">
+                          <a:effectLst/>
+                        </a:rPr>
+                        <a:t>Quản lý thống kê</a:t>
+                      </a:r>
+                      <a:endParaRPr lang="en-US" sz="1100">
+                        <a:effectLst/>
+                        <a:latin typeface="Arial" panose="020B0604020202020204" pitchFamily="34" charset="0"/>
+                        <a:ea typeface="Arial" panose="020B0604020202020204" pitchFamily="34" charset="0"/>
+                        <a:cs typeface="Times New Roman" panose="02020603050405020304" pitchFamily="18" charset="0"/>
+                      </a:endParaRPr>
+                    </a:p>
+                  </a:txBody>
+                  <a:tcPr marL="68580" marR="68580" marT="0" marB="0"/>
+                </a:tc>
+                <a:tc>
+                  <a:txBody>
+                    <a:bodyPr/>
+                    <a:lstStyle/>
+                    <a:p>
+                      <a:pPr>
+                        <a:lnSpc>
+                          <a:spcPct val="107000"/>
+                        </a:lnSpc>
+                        <a:spcAft>
+                          <a:spcPts val="0"/>
+                        </a:spcAft>
+                      </a:pPr>
+                      <a:r>
+                        <a:rPr lang="vi-VN" sz="1200">
+                          <a:effectLst/>
+                        </a:rPr>
+                        <a:t> </a:t>
+                      </a:r>
+                      <a:endParaRPr lang="en-US" sz="1100">
+                        <a:effectLst/>
+                        <a:latin typeface="Arial" panose="020B0604020202020204" pitchFamily="34" charset="0"/>
+                        <a:ea typeface="Arial" panose="020B0604020202020204" pitchFamily="34" charset="0"/>
+                        <a:cs typeface="Times New Roman" panose="02020603050405020304" pitchFamily="18" charset="0"/>
+                      </a:endParaRPr>
+                    </a:p>
+                  </a:txBody>
+                  <a:tcPr marL="68580" marR="68580" marT="0" marB="0"/>
+                </a:tc>
+                <a:tc>
+                  <a:txBody>
+                    <a:bodyPr/>
+                    <a:lstStyle/>
+                    <a:p>
+                      <a:pPr>
+                        <a:lnSpc>
+                          <a:spcPct val="107000"/>
+                        </a:lnSpc>
+                        <a:spcAft>
+                          <a:spcPts val="0"/>
+                        </a:spcAft>
+                      </a:pPr>
+                      <a:r>
+                        <a:rPr lang="vi-VN" sz="1200">
+                          <a:effectLst/>
+                        </a:rPr>
+                        <a:t> </a:t>
+                      </a:r>
+                      <a:endParaRPr lang="en-US" sz="1100">
+                        <a:effectLst/>
+                        <a:latin typeface="Arial" panose="020B0604020202020204" pitchFamily="34" charset="0"/>
+                        <a:ea typeface="Arial" panose="020B0604020202020204" pitchFamily="34" charset="0"/>
+                        <a:cs typeface="Times New Roman" panose="02020603050405020304" pitchFamily="18" charset="0"/>
+                      </a:endParaRPr>
+                    </a:p>
+                  </a:txBody>
+                  <a:tcPr marL="68580" marR="68580" marT="0" marB="0"/>
+                </a:tc>
+                <a:extLst>
+                  <a:ext uri="{0D108BD9-81ED-4DB2-BD59-A6C34878D82A}">
+                    <a16:rowId xmlns:a16="http://schemas.microsoft.com/office/drawing/2014/main" val="571561053"/>
+                  </a:ext>
+                </a:extLst>
+              </a:tr>
+              <a:tr h="228821">
+                <a:tc>
+                  <a:txBody>
+                    <a:bodyPr/>
+                    <a:lstStyle/>
+                    <a:p>
+                      <a:pPr>
+                        <a:lnSpc>
+                          <a:spcPct val="107000"/>
+                        </a:lnSpc>
+                        <a:spcAft>
+                          <a:spcPts val="0"/>
+                        </a:spcAft>
+                      </a:pPr>
+                      <a:r>
+                        <a:rPr lang="en-US" sz="1200">
+                          <a:effectLst/>
+                        </a:rPr>
+                        <a:t>Quản lý thống kê Lương</a:t>
+                      </a:r>
+                      <a:endParaRPr lang="en-US" sz="1100">
+                        <a:effectLst/>
+                        <a:latin typeface="Arial" panose="020B0604020202020204" pitchFamily="34" charset="0"/>
+                        <a:ea typeface="Arial" panose="020B0604020202020204" pitchFamily="34" charset="0"/>
+                        <a:cs typeface="Times New Roman" panose="02020603050405020304" pitchFamily="18" charset="0"/>
+                      </a:endParaRPr>
+                    </a:p>
+                  </a:txBody>
+                  <a:tcPr marL="68580" marR="68580" marT="0" marB="0"/>
+                </a:tc>
+                <a:tc>
+                  <a:txBody>
+                    <a:bodyPr/>
+                    <a:lstStyle/>
+                    <a:p>
+                      <a:pPr>
+                        <a:lnSpc>
+                          <a:spcPct val="107000"/>
+                        </a:lnSpc>
+                        <a:spcAft>
+                          <a:spcPts val="0"/>
+                        </a:spcAft>
+                      </a:pPr>
+                      <a:r>
+                        <a:rPr lang="vi-VN" sz="1200">
+                          <a:effectLst/>
+                        </a:rPr>
+                        <a:t>Phan Đồng Thiên Long</a:t>
+                      </a:r>
+                      <a:endParaRPr lang="en-US" sz="1100">
+                        <a:effectLst/>
+                        <a:latin typeface="Arial" panose="020B0604020202020204" pitchFamily="34" charset="0"/>
+                        <a:ea typeface="Arial" panose="020B0604020202020204" pitchFamily="34" charset="0"/>
+                        <a:cs typeface="Times New Roman" panose="02020603050405020304" pitchFamily="18" charset="0"/>
+                      </a:endParaRPr>
+                    </a:p>
+                  </a:txBody>
+                  <a:tcPr marL="68580" marR="68580" marT="0" marB="0"/>
+                </a:tc>
+                <a:tc>
+                  <a:txBody>
+                    <a:bodyPr/>
+                    <a:lstStyle/>
+                    <a:p>
+                      <a:pPr>
+                        <a:lnSpc>
+                          <a:spcPct val="107000"/>
+                        </a:lnSpc>
+                        <a:spcAft>
+                          <a:spcPts val="0"/>
+                        </a:spcAft>
+                      </a:pPr>
+                      <a:r>
+                        <a:rPr lang="en-US" sz="1200">
+                          <a:effectLst/>
+                        </a:rPr>
+                        <a:t>11</a:t>
+                      </a:r>
+                      <a:endParaRPr lang="en-US" sz="1100">
+                        <a:effectLst/>
+                        <a:latin typeface="Arial" panose="020B0604020202020204" pitchFamily="34" charset="0"/>
+                        <a:ea typeface="Arial" panose="020B0604020202020204" pitchFamily="34" charset="0"/>
+                        <a:cs typeface="Times New Roman" panose="02020603050405020304" pitchFamily="18" charset="0"/>
+                      </a:endParaRPr>
+                    </a:p>
+                  </a:txBody>
+                  <a:tcPr marL="68580" marR="68580" marT="0" marB="0"/>
+                </a:tc>
+                <a:extLst>
+                  <a:ext uri="{0D108BD9-81ED-4DB2-BD59-A6C34878D82A}">
+                    <a16:rowId xmlns:a16="http://schemas.microsoft.com/office/drawing/2014/main" val="3216535552"/>
+                  </a:ext>
+                </a:extLst>
+              </a:tr>
+              <a:tr h="464676">
+                <a:tc>
+                  <a:txBody>
+                    <a:bodyPr/>
+                    <a:lstStyle/>
+                    <a:p>
+                      <a:pPr>
+                        <a:lnSpc>
+                          <a:spcPct val="107000"/>
+                        </a:lnSpc>
+                        <a:spcAft>
+                          <a:spcPts val="0"/>
+                        </a:spcAft>
+                      </a:pPr>
+                      <a:r>
+                        <a:rPr lang="en-US" sz="1200">
+                          <a:effectLst/>
+                        </a:rPr>
+                        <a:t>Quản lý thống kê nhập hàng</a:t>
+                      </a:r>
+                      <a:endParaRPr lang="en-US" sz="1100">
+                        <a:effectLst/>
+                        <a:latin typeface="Arial" panose="020B0604020202020204" pitchFamily="34" charset="0"/>
+                        <a:ea typeface="Arial" panose="020B0604020202020204" pitchFamily="34" charset="0"/>
+                        <a:cs typeface="Times New Roman" panose="02020603050405020304" pitchFamily="18" charset="0"/>
+                      </a:endParaRPr>
+                    </a:p>
+                  </a:txBody>
+                  <a:tcPr marL="68580" marR="68580" marT="0" marB="0"/>
+                </a:tc>
+                <a:tc>
+                  <a:txBody>
+                    <a:bodyPr/>
+                    <a:lstStyle/>
+                    <a:p>
+                      <a:pPr>
+                        <a:lnSpc>
+                          <a:spcPct val="107000"/>
+                        </a:lnSpc>
+                        <a:spcAft>
+                          <a:spcPts val="0"/>
+                        </a:spcAft>
+                      </a:pPr>
+                      <a:r>
+                        <a:rPr lang="vi-VN" sz="1200">
+                          <a:effectLst/>
+                        </a:rPr>
+                        <a:t>Nguyễn Chí Định</a:t>
+                      </a:r>
+                      <a:endParaRPr lang="en-US" sz="1100">
+                        <a:effectLst/>
+                        <a:latin typeface="Arial" panose="020B0604020202020204" pitchFamily="34" charset="0"/>
+                        <a:ea typeface="Arial" panose="020B0604020202020204" pitchFamily="34" charset="0"/>
+                        <a:cs typeface="Times New Roman" panose="02020603050405020304" pitchFamily="18" charset="0"/>
+                      </a:endParaRPr>
+                    </a:p>
+                  </a:txBody>
+                  <a:tcPr marL="68580" marR="68580" marT="0" marB="0"/>
+                </a:tc>
+                <a:tc>
+                  <a:txBody>
+                    <a:bodyPr/>
+                    <a:lstStyle/>
+                    <a:p>
+                      <a:pPr>
+                        <a:lnSpc>
+                          <a:spcPct val="107000"/>
+                        </a:lnSpc>
+                        <a:spcAft>
+                          <a:spcPts val="0"/>
+                        </a:spcAft>
+                      </a:pPr>
+                      <a:r>
+                        <a:rPr lang="en-US" sz="1200">
+                          <a:effectLst/>
+                        </a:rPr>
+                        <a:t>12</a:t>
+                      </a:r>
+                      <a:endParaRPr lang="en-US" sz="1100">
+                        <a:effectLst/>
+                        <a:latin typeface="Arial" panose="020B0604020202020204" pitchFamily="34" charset="0"/>
+                        <a:ea typeface="Arial" panose="020B0604020202020204" pitchFamily="34" charset="0"/>
+                        <a:cs typeface="Times New Roman" panose="02020603050405020304" pitchFamily="18" charset="0"/>
+                      </a:endParaRPr>
+                    </a:p>
+                  </a:txBody>
+                  <a:tcPr marL="68580" marR="68580" marT="0" marB="0"/>
+                </a:tc>
+                <a:extLst>
+                  <a:ext uri="{0D108BD9-81ED-4DB2-BD59-A6C34878D82A}">
+                    <a16:rowId xmlns:a16="http://schemas.microsoft.com/office/drawing/2014/main" val="3309329878"/>
+                  </a:ext>
+                </a:extLst>
+              </a:tr>
+              <a:tr h="228821">
+                <a:tc>
+                  <a:txBody>
+                    <a:bodyPr/>
+                    <a:lstStyle/>
+                    <a:p>
+                      <a:pPr>
+                        <a:lnSpc>
+                          <a:spcPct val="107000"/>
+                        </a:lnSpc>
+                        <a:spcAft>
+                          <a:spcPts val="0"/>
+                        </a:spcAft>
+                      </a:pPr>
+                      <a:r>
+                        <a:rPr lang="en-US" sz="1200">
+                          <a:effectLst/>
+                        </a:rPr>
+                        <a:t>Quản lý thống kê bán hàng</a:t>
+                      </a:r>
+                      <a:endParaRPr lang="en-US" sz="1100">
+                        <a:effectLst/>
+                        <a:latin typeface="Arial" panose="020B0604020202020204" pitchFamily="34" charset="0"/>
+                        <a:ea typeface="Arial" panose="020B0604020202020204" pitchFamily="34" charset="0"/>
+                        <a:cs typeface="Times New Roman" panose="02020603050405020304" pitchFamily="18" charset="0"/>
+                      </a:endParaRPr>
+                    </a:p>
+                  </a:txBody>
+                  <a:tcPr marL="68580" marR="68580" marT="0" marB="0"/>
+                </a:tc>
+                <a:tc>
+                  <a:txBody>
+                    <a:bodyPr/>
+                    <a:lstStyle/>
+                    <a:p>
+                      <a:pPr>
+                        <a:lnSpc>
+                          <a:spcPct val="107000"/>
+                        </a:lnSpc>
+                        <a:spcAft>
+                          <a:spcPts val="0"/>
+                        </a:spcAft>
+                      </a:pPr>
+                      <a:r>
+                        <a:rPr lang="vi-VN" sz="1200">
+                          <a:effectLst/>
+                        </a:rPr>
+                        <a:t>You Chí Thành</a:t>
+                      </a:r>
+                      <a:endParaRPr lang="en-US" sz="1100">
+                        <a:effectLst/>
+                        <a:latin typeface="Arial" panose="020B0604020202020204" pitchFamily="34" charset="0"/>
+                        <a:ea typeface="Arial" panose="020B0604020202020204" pitchFamily="34" charset="0"/>
+                        <a:cs typeface="Times New Roman" panose="02020603050405020304" pitchFamily="18" charset="0"/>
+                      </a:endParaRPr>
+                    </a:p>
+                  </a:txBody>
+                  <a:tcPr marL="68580" marR="68580" marT="0" marB="0"/>
+                </a:tc>
+                <a:tc>
+                  <a:txBody>
+                    <a:bodyPr/>
+                    <a:lstStyle/>
+                    <a:p>
+                      <a:pPr>
+                        <a:lnSpc>
+                          <a:spcPct val="107000"/>
+                        </a:lnSpc>
+                        <a:spcAft>
+                          <a:spcPts val="0"/>
+                        </a:spcAft>
+                      </a:pPr>
+                      <a:r>
+                        <a:rPr lang="en-US" sz="1200">
+                          <a:effectLst/>
+                        </a:rPr>
+                        <a:t>13</a:t>
+                      </a:r>
+                      <a:endParaRPr lang="en-US" sz="1100">
+                        <a:effectLst/>
+                        <a:latin typeface="Arial" panose="020B0604020202020204" pitchFamily="34" charset="0"/>
+                        <a:ea typeface="Arial" panose="020B0604020202020204" pitchFamily="34" charset="0"/>
+                        <a:cs typeface="Times New Roman" panose="02020603050405020304" pitchFamily="18" charset="0"/>
+                      </a:endParaRPr>
+                    </a:p>
+                  </a:txBody>
+                  <a:tcPr marL="68580" marR="68580" marT="0" marB="0"/>
+                </a:tc>
+                <a:extLst>
+                  <a:ext uri="{0D108BD9-81ED-4DB2-BD59-A6C34878D82A}">
+                    <a16:rowId xmlns:a16="http://schemas.microsoft.com/office/drawing/2014/main" val="695189741"/>
+                  </a:ext>
+                </a:extLst>
+              </a:tr>
+              <a:tr h="228821">
+                <a:tc>
+                  <a:txBody>
+                    <a:bodyPr/>
+                    <a:lstStyle/>
+                    <a:p>
+                      <a:pPr>
+                        <a:lnSpc>
+                          <a:spcPct val="107000"/>
+                        </a:lnSpc>
+                        <a:spcAft>
+                          <a:spcPts val="0"/>
+                        </a:spcAft>
+                      </a:pPr>
+                      <a:r>
+                        <a:rPr lang="en-US" sz="1200">
+                          <a:effectLst/>
+                        </a:rPr>
+                        <a:t>Quản lý thống kê Lương</a:t>
+                      </a:r>
+                      <a:endParaRPr lang="en-US" sz="1100">
+                        <a:effectLst/>
+                        <a:latin typeface="Arial" panose="020B0604020202020204" pitchFamily="34" charset="0"/>
+                        <a:ea typeface="Arial" panose="020B0604020202020204" pitchFamily="34" charset="0"/>
+                        <a:cs typeface="Times New Roman" panose="02020603050405020304" pitchFamily="18" charset="0"/>
+                      </a:endParaRPr>
+                    </a:p>
+                  </a:txBody>
+                  <a:tcPr marL="68580" marR="68580" marT="0" marB="0"/>
+                </a:tc>
+                <a:tc>
+                  <a:txBody>
+                    <a:bodyPr/>
+                    <a:lstStyle/>
+                    <a:p>
+                      <a:pPr>
+                        <a:lnSpc>
+                          <a:spcPct val="107000"/>
+                        </a:lnSpc>
+                        <a:spcAft>
+                          <a:spcPts val="0"/>
+                        </a:spcAft>
+                      </a:pPr>
+                      <a:r>
+                        <a:rPr lang="vi-VN" sz="1200">
+                          <a:effectLst/>
+                        </a:rPr>
+                        <a:t>Trần Quốc Hưng</a:t>
+                      </a:r>
+                      <a:endParaRPr lang="en-US" sz="1100">
+                        <a:effectLst/>
+                        <a:latin typeface="Arial" panose="020B0604020202020204" pitchFamily="34" charset="0"/>
+                        <a:ea typeface="Arial" panose="020B0604020202020204" pitchFamily="34" charset="0"/>
+                        <a:cs typeface="Times New Roman" panose="02020603050405020304" pitchFamily="18" charset="0"/>
+                      </a:endParaRPr>
+                    </a:p>
+                  </a:txBody>
+                  <a:tcPr marL="68580" marR="68580" marT="0" marB="0"/>
+                </a:tc>
+                <a:tc>
+                  <a:txBody>
+                    <a:bodyPr/>
+                    <a:lstStyle/>
+                    <a:p>
+                      <a:pPr>
+                        <a:lnSpc>
+                          <a:spcPct val="107000"/>
+                        </a:lnSpc>
+                        <a:spcAft>
+                          <a:spcPts val="0"/>
+                        </a:spcAft>
+                      </a:pPr>
+                      <a:r>
+                        <a:rPr lang="en-US" sz="1200">
+                          <a:effectLst/>
+                        </a:rPr>
+                        <a:t>14</a:t>
+                      </a:r>
+                      <a:endParaRPr lang="en-US" sz="1100">
+                        <a:effectLst/>
+                        <a:latin typeface="Arial" panose="020B0604020202020204" pitchFamily="34" charset="0"/>
+                        <a:ea typeface="Arial" panose="020B0604020202020204" pitchFamily="34" charset="0"/>
+                        <a:cs typeface="Times New Roman" panose="02020603050405020304" pitchFamily="18" charset="0"/>
+                      </a:endParaRPr>
+                    </a:p>
+                  </a:txBody>
+                  <a:tcPr marL="68580" marR="68580" marT="0" marB="0"/>
+                </a:tc>
+                <a:extLst>
+                  <a:ext uri="{0D108BD9-81ED-4DB2-BD59-A6C34878D82A}">
+                    <a16:rowId xmlns:a16="http://schemas.microsoft.com/office/drawing/2014/main" val="2562092278"/>
+                  </a:ext>
+                </a:extLst>
+              </a:tr>
+              <a:tr h="464676">
+                <a:tc>
+                  <a:txBody>
+                    <a:bodyPr/>
+                    <a:lstStyle/>
+                    <a:p>
+                      <a:pPr>
+                        <a:lnSpc>
+                          <a:spcPct val="107000"/>
+                        </a:lnSpc>
+                        <a:spcAft>
+                          <a:spcPts val="0"/>
+                        </a:spcAft>
+                      </a:pPr>
+                      <a:r>
+                        <a:rPr lang="en-US" sz="1200">
+                          <a:effectLst/>
+                        </a:rPr>
+                        <a:t>Quản lý thống kê doanh thu</a:t>
+                      </a:r>
+                      <a:endParaRPr lang="en-US" sz="1100">
+                        <a:effectLst/>
+                        <a:latin typeface="Arial" panose="020B0604020202020204" pitchFamily="34" charset="0"/>
+                        <a:ea typeface="Arial" panose="020B0604020202020204" pitchFamily="34" charset="0"/>
+                        <a:cs typeface="Times New Roman" panose="02020603050405020304" pitchFamily="18" charset="0"/>
+                      </a:endParaRPr>
+                    </a:p>
+                  </a:txBody>
+                  <a:tcPr marL="68580" marR="68580" marT="0" marB="0"/>
+                </a:tc>
+                <a:tc>
+                  <a:txBody>
+                    <a:bodyPr/>
+                    <a:lstStyle/>
+                    <a:p>
+                      <a:pPr>
+                        <a:lnSpc>
+                          <a:spcPct val="107000"/>
+                        </a:lnSpc>
+                        <a:spcAft>
+                          <a:spcPts val="0"/>
+                        </a:spcAft>
+                      </a:pPr>
+                      <a:r>
+                        <a:rPr lang="vi-VN" sz="1200">
+                          <a:effectLst/>
+                        </a:rPr>
+                        <a:t>Vũ Đình Cao</a:t>
+                      </a:r>
+                      <a:endParaRPr lang="en-US" sz="1100">
+                        <a:effectLst/>
+                        <a:latin typeface="Arial" panose="020B0604020202020204" pitchFamily="34" charset="0"/>
+                        <a:ea typeface="Arial" panose="020B0604020202020204" pitchFamily="34" charset="0"/>
+                        <a:cs typeface="Times New Roman" panose="02020603050405020304" pitchFamily="18" charset="0"/>
+                      </a:endParaRPr>
+                    </a:p>
+                  </a:txBody>
+                  <a:tcPr marL="68580" marR="68580" marT="0" marB="0"/>
+                </a:tc>
+                <a:tc>
+                  <a:txBody>
+                    <a:bodyPr/>
+                    <a:lstStyle/>
+                    <a:p>
+                      <a:pPr>
+                        <a:lnSpc>
+                          <a:spcPct val="107000"/>
+                        </a:lnSpc>
+                        <a:spcAft>
+                          <a:spcPts val="0"/>
+                        </a:spcAft>
+                      </a:pPr>
+                      <a:r>
+                        <a:rPr lang="en-US" sz="1200">
+                          <a:effectLst/>
+                        </a:rPr>
+                        <a:t>15</a:t>
+                      </a:r>
+                      <a:endParaRPr lang="en-US" sz="1100">
+                        <a:effectLst/>
+                        <a:latin typeface="Arial" panose="020B0604020202020204" pitchFamily="34" charset="0"/>
+                        <a:ea typeface="Arial" panose="020B0604020202020204" pitchFamily="34" charset="0"/>
+                        <a:cs typeface="Times New Roman" panose="02020603050405020304" pitchFamily="18" charset="0"/>
+                      </a:endParaRPr>
+                    </a:p>
+                  </a:txBody>
+                  <a:tcPr marL="68580" marR="68580" marT="0" marB="0"/>
+                </a:tc>
+                <a:extLst>
+                  <a:ext uri="{0D108BD9-81ED-4DB2-BD59-A6C34878D82A}">
+                    <a16:rowId xmlns:a16="http://schemas.microsoft.com/office/drawing/2014/main" val="764697315"/>
+                  </a:ext>
+                </a:extLst>
+              </a:tr>
+              <a:tr h="464676">
+                <a:tc>
+                  <a:txBody>
+                    <a:bodyPr/>
+                    <a:lstStyle/>
+                    <a:p>
+                      <a:pPr>
+                        <a:lnSpc>
+                          <a:spcPct val="107000"/>
+                        </a:lnSpc>
+                        <a:spcAft>
+                          <a:spcPts val="0"/>
+                        </a:spcAft>
+                      </a:pPr>
+                      <a:r>
+                        <a:rPr lang="en-US" sz="1200">
+                          <a:effectLst/>
+                        </a:rPr>
+                        <a:t>Quản lý thống kê Lịch sử xóa</a:t>
+                      </a:r>
+                      <a:endParaRPr lang="en-US" sz="1100">
+                        <a:effectLst/>
+                        <a:latin typeface="Arial" panose="020B0604020202020204" pitchFamily="34" charset="0"/>
+                        <a:ea typeface="Arial" panose="020B0604020202020204" pitchFamily="34" charset="0"/>
+                        <a:cs typeface="Times New Roman" panose="02020603050405020304" pitchFamily="18" charset="0"/>
+                      </a:endParaRPr>
+                    </a:p>
+                  </a:txBody>
+                  <a:tcPr marL="68580" marR="68580" marT="0" marB="0"/>
+                </a:tc>
+                <a:tc>
+                  <a:txBody>
+                    <a:bodyPr/>
+                    <a:lstStyle/>
+                    <a:p>
+                      <a:pPr>
+                        <a:lnSpc>
+                          <a:spcPct val="107000"/>
+                        </a:lnSpc>
+                        <a:spcAft>
+                          <a:spcPts val="0"/>
+                        </a:spcAft>
+                      </a:pPr>
+                      <a:r>
+                        <a:rPr lang="vi-VN" sz="1200">
+                          <a:effectLst/>
+                        </a:rPr>
+                        <a:t>You Chí Thành</a:t>
+                      </a:r>
+                      <a:endParaRPr lang="en-US" sz="1100">
+                        <a:effectLst/>
+                        <a:latin typeface="Arial" panose="020B0604020202020204" pitchFamily="34" charset="0"/>
+                        <a:ea typeface="Arial" panose="020B0604020202020204" pitchFamily="34" charset="0"/>
+                        <a:cs typeface="Times New Roman" panose="02020603050405020304" pitchFamily="18" charset="0"/>
+                      </a:endParaRPr>
+                    </a:p>
+                  </a:txBody>
+                  <a:tcPr marL="68580" marR="68580" marT="0" marB="0"/>
+                </a:tc>
+                <a:tc>
+                  <a:txBody>
+                    <a:bodyPr/>
+                    <a:lstStyle/>
+                    <a:p>
+                      <a:pPr>
+                        <a:lnSpc>
+                          <a:spcPct val="107000"/>
+                        </a:lnSpc>
+                        <a:spcAft>
+                          <a:spcPts val="0"/>
+                        </a:spcAft>
+                      </a:pPr>
+                      <a:r>
+                        <a:rPr lang="en-US" sz="1200">
+                          <a:effectLst/>
+                        </a:rPr>
+                        <a:t>16</a:t>
+                      </a:r>
+                      <a:endParaRPr lang="en-US" sz="1100">
+                        <a:effectLst/>
+                        <a:latin typeface="Arial" panose="020B0604020202020204" pitchFamily="34" charset="0"/>
+                        <a:ea typeface="Arial" panose="020B0604020202020204" pitchFamily="34" charset="0"/>
+                        <a:cs typeface="Times New Roman" panose="02020603050405020304" pitchFamily="18" charset="0"/>
+                      </a:endParaRPr>
+                    </a:p>
+                  </a:txBody>
+                  <a:tcPr marL="68580" marR="68580" marT="0" marB="0"/>
+                </a:tc>
+                <a:extLst>
+                  <a:ext uri="{0D108BD9-81ED-4DB2-BD59-A6C34878D82A}">
+                    <a16:rowId xmlns:a16="http://schemas.microsoft.com/office/drawing/2014/main" val="3781635494"/>
+                  </a:ext>
+                </a:extLst>
+              </a:tr>
+            </a:tbl>
+          </a:graphicData>
+        </a:graphic>
+      </p:graphicFrame>
+    </p:spTree>
+    <p:extLst>
+      <p:ext uri="{BB962C8B-B14F-4D97-AF65-F5344CB8AC3E}">
+        <p14:creationId xmlns:p14="http://schemas.microsoft.com/office/powerpoint/2010/main" val="373111878"/>
+      </p:ext>
+    </p:extLst>
+  </p:cSld>
+  <p:clrMapOvr>
+    <a:masterClrMapping/>
+  </p:clrMapOvr>
+</p:sld>
+</file>
+
+<file path=ppt/slides/slide4.xml><?xml version="1.0" encoding="utf-8"?>
 <p:sld xmlns:a="http://schemas.openxmlformats.org/drawingml/2006/main" xmlns:r="http://schemas.openxmlformats.org/officeDocument/2006/relationships" xmlns:p="http://schemas.openxmlformats.org/presentationml/2006/main">
   <p:cSld>
     <p:spTree>
@@ -7161,546 +10911,6 @@
 </p:sld>
 </file>
 
-<file path=ppt/slides/slide20.xml><?xml version="1.0" encoding="utf-8"?>
-<p:sld xmlns:a="http://schemas.openxmlformats.org/drawingml/2006/main" xmlns:r="http://schemas.openxmlformats.org/officeDocument/2006/relationships" xmlns:p="http://schemas.openxmlformats.org/presentationml/2006/main">
-  <p:cSld>
-    <p:spTree>
-      <p:nvGrpSpPr>
-        <p:cNvPr id="1" name=""/>
-        <p:cNvGrpSpPr/>
-        <p:nvPr/>
-      </p:nvGrpSpPr>
-      <p:grpSpPr>
-        <a:xfrm>
-          <a:off x="0" y="0"/>
-          <a:ext cx="0" cy="0"/>
-          <a:chOff x="0" y="0"/>
-          <a:chExt cx="0" cy="0"/>
-        </a:xfrm>
-      </p:grpSpPr>
-      <p:sp>
-        <p:nvSpPr>
-          <p:cNvPr id="2" name="Title 1">
-            <a:extLst>
-              <a:ext uri="{FF2B5EF4-FFF2-40B4-BE49-F238E27FC236}">
-                <a16:creationId xmlns:a16="http://schemas.microsoft.com/office/drawing/2014/main" id="{02AE1621-6843-42B9-89FA-5BEDBC072B4E}"/>
-              </a:ext>
-            </a:extLst>
-          </p:cNvPr>
-          <p:cNvSpPr>
-            <a:spLocks noGrp="1"/>
-          </p:cNvSpPr>
-          <p:nvPr>
-            <p:ph type="title"/>
-          </p:nvPr>
-        </p:nvSpPr>
-        <p:spPr/>
-        <p:txBody>
-          <a:bodyPr/>
-          <a:lstStyle/>
-          <a:p>
-            <a:r>
-              <a:rPr lang="vi-VN" dirty="0"/>
-              <a:t>Nhà cung cấp</a:t>
-            </a:r>
-          </a:p>
-        </p:txBody>
-      </p:sp>
-      <p:pic>
-        <p:nvPicPr>
-          <p:cNvPr id="5" name="Content Placeholder 4">
-            <a:extLst>
-              <a:ext uri="{FF2B5EF4-FFF2-40B4-BE49-F238E27FC236}">
-                <a16:creationId xmlns:a16="http://schemas.microsoft.com/office/drawing/2014/main" id="{049AB715-EA29-454B-8B43-4E495313B1DB}"/>
-              </a:ext>
-            </a:extLst>
-          </p:cNvPr>
-          <p:cNvPicPr>
-            <a:picLocks noGrp="1" noChangeAspect="1"/>
-          </p:cNvPicPr>
-          <p:nvPr>
-            <p:ph idx="1"/>
-          </p:nvPr>
-        </p:nvPicPr>
-        <p:blipFill>
-          <a:blip r:embed="rId2">
-            <a:extLst>
-              <a:ext uri="{28A0092B-C50C-407E-A947-70E740481C1C}">
-                <a14:useLocalDpi xmlns:a14="http://schemas.microsoft.com/office/drawing/2010/main" val="0"/>
-              </a:ext>
-            </a:extLst>
-          </a:blip>
-          <a:stretch>
-            <a:fillRect/>
-          </a:stretch>
-        </p:blipFill>
-        <p:spPr>
-          <a:xfrm>
-            <a:off x="1478213" y="2160588"/>
-            <a:ext cx="6995612" cy="3881437"/>
-          </a:xfrm>
-        </p:spPr>
-      </p:pic>
-    </p:spTree>
-    <p:extLst>
-      <p:ext uri="{BB962C8B-B14F-4D97-AF65-F5344CB8AC3E}">
-        <p14:creationId xmlns:p14="http://schemas.microsoft.com/office/powerpoint/2010/main" val="2489242171"/>
-      </p:ext>
-    </p:extLst>
-  </p:cSld>
-  <p:clrMapOvr>
-    <a:masterClrMapping/>
-  </p:clrMapOvr>
-</p:sld>
-</file>
-
-<file path=ppt/slides/slide21.xml><?xml version="1.0" encoding="utf-8"?>
-<p:sld xmlns:a="http://schemas.openxmlformats.org/drawingml/2006/main" xmlns:r="http://schemas.openxmlformats.org/officeDocument/2006/relationships" xmlns:p="http://schemas.openxmlformats.org/presentationml/2006/main">
-  <p:cSld>
-    <p:spTree>
-      <p:nvGrpSpPr>
-        <p:cNvPr id="1" name=""/>
-        <p:cNvGrpSpPr/>
-        <p:nvPr/>
-      </p:nvGrpSpPr>
-      <p:grpSpPr>
-        <a:xfrm>
-          <a:off x="0" y="0"/>
-          <a:ext cx="0" cy="0"/>
-          <a:chOff x="0" y="0"/>
-          <a:chExt cx="0" cy="0"/>
-        </a:xfrm>
-      </p:grpSpPr>
-      <p:sp>
-        <p:nvSpPr>
-          <p:cNvPr id="2" name="Title 1">
-            <a:extLst>
-              <a:ext uri="{FF2B5EF4-FFF2-40B4-BE49-F238E27FC236}">
-                <a16:creationId xmlns:a16="http://schemas.microsoft.com/office/drawing/2014/main" id="{70A84CC2-52B6-4E90-9898-E674B8C1D6CF}"/>
-              </a:ext>
-            </a:extLst>
-          </p:cNvPr>
-          <p:cNvSpPr>
-            <a:spLocks noGrp="1"/>
-          </p:cNvSpPr>
-          <p:nvPr>
-            <p:ph type="title"/>
-          </p:nvPr>
-        </p:nvSpPr>
-        <p:spPr/>
-        <p:txBody>
-          <a:bodyPr/>
-          <a:lstStyle/>
-          <a:p>
-            <a:r>
-              <a:rPr lang="vi-VN" dirty="0"/>
-              <a:t>Phiếu nhập chi tiêt phiếu nhâp</a:t>
-            </a:r>
-          </a:p>
-        </p:txBody>
-      </p:sp>
-      <p:pic>
-        <p:nvPicPr>
-          <p:cNvPr id="5" name="Content Placeholder 4">
-            <a:extLst>
-              <a:ext uri="{FF2B5EF4-FFF2-40B4-BE49-F238E27FC236}">
-                <a16:creationId xmlns:a16="http://schemas.microsoft.com/office/drawing/2014/main" id="{0D6A8911-9F6B-4188-8E89-DF51A81FDDD9}"/>
-              </a:ext>
-            </a:extLst>
-          </p:cNvPr>
-          <p:cNvPicPr>
-            <a:picLocks noGrp="1" noChangeAspect="1"/>
-          </p:cNvPicPr>
-          <p:nvPr>
-            <p:ph idx="1"/>
-          </p:nvPr>
-        </p:nvPicPr>
-        <p:blipFill>
-          <a:blip r:embed="rId2">
-            <a:extLst>
-              <a:ext uri="{28A0092B-C50C-407E-A947-70E740481C1C}">
-                <a14:useLocalDpi xmlns:a14="http://schemas.microsoft.com/office/drawing/2010/main" val="0"/>
-              </a:ext>
-            </a:extLst>
-          </a:blip>
-          <a:stretch>
-            <a:fillRect/>
-          </a:stretch>
-        </p:blipFill>
-        <p:spPr>
-          <a:xfrm>
-            <a:off x="1478213" y="2160588"/>
-            <a:ext cx="6995612" cy="3881437"/>
-          </a:xfrm>
-        </p:spPr>
-      </p:pic>
-    </p:spTree>
-    <p:extLst>
-      <p:ext uri="{BB962C8B-B14F-4D97-AF65-F5344CB8AC3E}">
-        <p14:creationId xmlns:p14="http://schemas.microsoft.com/office/powerpoint/2010/main" val="47414216"/>
-      </p:ext>
-    </p:extLst>
-  </p:cSld>
-  <p:clrMapOvr>
-    <a:masterClrMapping/>
-  </p:clrMapOvr>
-</p:sld>
-</file>
-
-<file path=ppt/slides/slide22.xml><?xml version="1.0" encoding="utf-8"?>
-<p:sld xmlns:a="http://schemas.openxmlformats.org/drawingml/2006/main" xmlns:r="http://schemas.openxmlformats.org/officeDocument/2006/relationships" xmlns:p="http://schemas.openxmlformats.org/presentationml/2006/main">
-  <p:cSld>
-    <p:spTree>
-      <p:nvGrpSpPr>
-        <p:cNvPr id="1" name=""/>
-        <p:cNvGrpSpPr/>
-        <p:nvPr/>
-      </p:nvGrpSpPr>
-      <p:grpSpPr>
-        <a:xfrm>
-          <a:off x="0" y="0"/>
-          <a:ext cx="0" cy="0"/>
-          <a:chOff x="0" y="0"/>
-          <a:chExt cx="0" cy="0"/>
-        </a:xfrm>
-      </p:grpSpPr>
-      <p:sp>
-        <p:nvSpPr>
-          <p:cNvPr id="2" name="Title 1">
-            <a:extLst>
-              <a:ext uri="{FF2B5EF4-FFF2-40B4-BE49-F238E27FC236}">
-                <a16:creationId xmlns:a16="http://schemas.microsoft.com/office/drawing/2014/main" id="{3EB02927-06A9-40D3-BE50-BA056DA44625}"/>
-              </a:ext>
-            </a:extLst>
-          </p:cNvPr>
-          <p:cNvSpPr>
-            <a:spLocks noGrp="1"/>
-          </p:cNvSpPr>
-          <p:nvPr>
-            <p:ph type="title"/>
-          </p:nvPr>
-        </p:nvSpPr>
-        <p:spPr/>
-        <p:txBody>
-          <a:bodyPr/>
-          <a:lstStyle/>
-          <a:p>
-            <a:r>
-              <a:rPr lang="vi-VN" dirty="0"/>
-              <a:t>Cảm ơn và hẹn gặp lại</a:t>
-            </a:r>
-          </a:p>
-        </p:txBody>
-      </p:sp>
-      <p:sp>
-        <p:nvSpPr>
-          <p:cNvPr id="3" name="Content Placeholder 2">
-            <a:extLst>
-              <a:ext uri="{FF2B5EF4-FFF2-40B4-BE49-F238E27FC236}">
-                <a16:creationId xmlns:a16="http://schemas.microsoft.com/office/drawing/2014/main" id="{A26A7BEB-5193-4388-AB9C-3FADB5C2BA60}"/>
-              </a:ext>
-            </a:extLst>
-          </p:cNvPr>
-          <p:cNvSpPr>
-            <a:spLocks noGrp="1"/>
-          </p:cNvSpPr>
-          <p:nvPr>
-            <p:ph idx="1"/>
-          </p:nvPr>
-        </p:nvSpPr>
-        <p:spPr/>
-        <p:txBody>
-          <a:bodyPr>
-            <a:normAutofit lnSpcReduction="10000"/>
-          </a:bodyPr>
-          <a:lstStyle/>
-          <a:p>
-            <a:r>
-              <a:rPr lang="vi-VN" dirty="0"/>
-              <a:t>  Nguyễn Chí Định - 3118410083</a:t>
-            </a:r>
-          </a:p>
-          <a:p>
-            <a:r>
-              <a:rPr lang="vi-VN" dirty="0"/>
-              <a:t>  Nguyễn Trọng Hiếu - 3118410123 </a:t>
-            </a:r>
-          </a:p>
-          <a:p>
-            <a:r>
-              <a:rPr lang="vi-VN" dirty="0"/>
-              <a:t>  Phan Đồng Thiên Long - 3118410242 </a:t>
-            </a:r>
-          </a:p>
-          <a:p>
-            <a:r>
-              <a:rPr lang="vi-VN" dirty="0"/>
-              <a:t>  Nguyễn Ngọc Thái - 3118410390 </a:t>
-            </a:r>
-          </a:p>
-          <a:p>
-            <a:r>
-              <a:rPr lang="vi-VN" dirty="0"/>
-              <a:t>  Trần Quốc Hưng - 3118410172 </a:t>
-            </a:r>
-          </a:p>
-          <a:p>
-            <a:r>
-              <a:rPr lang="vi-VN" dirty="0"/>
-              <a:t>  You Chí Thành - 3118410396</a:t>
-            </a:r>
-          </a:p>
-          <a:p>
-            <a:r>
-              <a:rPr lang="vi-VN" dirty="0"/>
-              <a:t>  Vũ Đình Cao - 3118410037 </a:t>
-            </a:r>
-          </a:p>
-          <a:p>
-            <a:r>
-              <a:rPr lang="vi-VN" dirty="0"/>
-              <a:t>  Nguyễn Văn Thành - 3118410387 </a:t>
-            </a:r>
-          </a:p>
-          <a:p>
-            <a:r>
-              <a:rPr lang="vi-VN" dirty="0"/>
-              <a:t>Hồ văn Huy - 3117410096 :</a:t>
-            </a:r>
-          </a:p>
-          <a:p>
-            <a:pPr marL="0" indent="0">
-              <a:buNone/>
-            </a:pPr>
-            <a:r>
-              <a:rPr lang="vi-VN" dirty="0"/>
-              <a:t> </a:t>
-            </a:r>
-          </a:p>
-          <a:p>
-            <a:endParaRPr lang="vi-VN" dirty="0"/>
-          </a:p>
-        </p:txBody>
-      </p:sp>
-    </p:spTree>
-    <p:extLst>
-      <p:ext uri="{BB962C8B-B14F-4D97-AF65-F5344CB8AC3E}">
-        <p14:creationId xmlns:p14="http://schemas.microsoft.com/office/powerpoint/2010/main" val="2730551887"/>
-      </p:ext>
-    </p:extLst>
-  </p:cSld>
-  <p:clrMapOvr>
-    <a:masterClrMapping/>
-  </p:clrMapOvr>
-</p:sld>
-</file>
-
-<file path=ppt/slides/slide3.xml><?xml version="1.0" encoding="utf-8"?>
-<p:sld xmlns:a="http://schemas.openxmlformats.org/drawingml/2006/main" xmlns:r="http://schemas.openxmlformats.org/officeDocument/2006/relationships" xmlns:p="http://schemas.openxmlformats.org/presentationml/2006/main">
-  <p:cSld>
-    <p:spTree>
-      <p:nvGrpSpPr>
-        <p:cNvPr id="1" name=""/>
-        <p:cNvGrpSpPr/>
-        <p:nvPr/>
-      </p:nvGrpSpPr>
-      <p:grpSpPr>
-        <a:xfrm>
-          <a:off x="0" y="0"/>
-          <a:ext cx="0" cy="0"/>
-          <a:chOff x="0" y="0"/>
-          <a:chExt cx="0" cy="0"/>
-        </a:xfrm>
-      </p:grpSpPr>
-      <p:sp>
-        <p:nvSpPr>
-          <p:cNvPr id="2" name="Title 1">
-            <a:extLst>
-              <a:ext uri="{FF2B5EF4-FFF2-40B4-BE49-F238E27FC236}">
-                <a16:creationId xmlns:a16="http://schemas.microsoft.com/office/drawing/2014/main" id="{3D54648F-5106-4731-96A7-DA36AFBF0DC0}"/>
-              </a:ext>
-            </a:extLst>
-          </p:cNvPr>
-          <p:cNvSpPr>
-            <a:spLocks noGrp="1"/>
-          </p:cNvSpPr>
-          <p:nvPr>
-            <p:ph type="title"/>
-          </p:nvPr>
-        </p:nvSpPr>
-        <p:spPr/>
-        <p:txBody>
-          <a:bodyPr/>
-          <a:lstStyle/>
-          <a:p>
-            <a:r>
-              <a:rPr lang="vi-VN" dirty="0"/>
-              <a:t>Quy trình thác nước</a:t>
-            </a:r>
-          </a:p>
-        </p:txBody>
-      </p:sp>
-      <p:sp>
-        <p:nvSpPr>
-          <p:cNvPr id="3" name="Content Placeholder 2">
-            <a:extLst>
-              <a:ext uri="{FF2B5EF4-FFF2-40B4-BE49-F238E27FC236}">
-                <a16:creationId xmlns:a16="http://schemas.microsoft.com/office/drawing/2014/main" id="{7CFB1C97-E2B0-4CFF-9121-AFC2B3EC11E5}"/>
-              </a:ext>
-            </a:extLst>
-          </p:cNvPr>
-          <p:cNvSpPr>
-            <a:spLocks noGrp="1"/>
-          </p:cNvSpPr>
-          <p:nvPr>
-            <p:ph idx="1"/>
-          </p:nvPr>
-        </p:nvSpPr>
-        <p:spPr/>
-        <p:txBody>
-          <a:bodyPr>
-            <a:normAutofit/>
-          </a:bodyPr>
-          <a:lstStyle/>
-          <a:p>
-            <a:pPr lvl="0"/>
-            <a:r>
-              <a:rPr lang="vi-VN" dirty="0"/>
-              <a:t>Thu thập yêu cầu (Requirement gathering): </a:t>
-            </a:r>
-          </a:p>
-          <a:p>
-            <a:pPr lvl="1"/>
-            <a:r>
-              <a:rPr lang="vi-VN" dirty="0"/>
-              <a:t>Đây là giai đoạn xác định các yêu cầu chức năng và phi chức năng mà hệ thống phần mềm cần có. </a:t>
-            </a:r>
-          </a:p>
-          <a:p>
-            <a:pPr lvl="1"/>
-            <a:r>
-              <a:rPr lang="vi-VN" dirty="0"/>
-              <a:t>Kết quả của giai đoạn này là bản tài liệu đặc tả yêu cầu. Tài liệu này sẽ là nền tảng cho những giai đoạn tiếp theo cho đến cuối dự án.</a:t>
-            </a:r>
-          </a:p>
-        </p:txBody>
-      </p:sp>
-    </p:spTree>
-    <p:extLst>
-      <p:ext uri="{BB962C8B-B14F-4D97-AF65-F5344CB8AC3E}">
-        <p14:creationId xmlns:p14="http://schemas.microsoft.com/office/powerpoint/2010/main" val="923500163"/>
-      </p:ext>
-    </p:extLst>
-  </p:cSld>
-  <p:clrMapOvr>
-    <a:masterClrMapping/>
-  </p:clrMapOvr>
-</p:sld>
-</file>
-
-<file path=ppt/slides/slide4.xml><?xml version="1.0" encoding="utf-8"?>
-<p:sld xmlns:a="http://schemas.openxmlformats.org/drawingml/2006/main" xmlns:r="http://schemas.openxmlformats.org/officeDocument/2006/relationships" xmlns:p="http://schemas.openxmlformats.org/presentationml/2006/main">
-  <p:cSld>
-    <p:spTree>
-      <p:nvGrpSpPr>
-        <p:cNvPr id="1" name=""/>
-        <p:cNvGrpSpPr/>
-        <p:nvPr/>
-      </p:nvGrpSpPr>
-      <p:grpSpPr>
-        <a:xfrm>
-          <a:off x="0" y="0"/>
-          <a:ext cx="0" cy="0"/>
-          <a:chOff x="0" y="0"/>
-          <a:chExt cx="0" cy="0"/>
-        </a:xfrm>
-      </p:grpSpPr>
-      <p:sp>
-        <p:nvSpPr>
-          <p:cNvPr id="2" name="Title 1">
-            <a:extLst>
-              <a:ext uri="{FF2B5EF4-FFF2-40B4-BE49-F238E27FC236}">
-                <a16:creationId xmlns:a16="http://schemas.microsoft.com/office/drawing/2014/main" id="{3D54648F-5106-4731-96A7-DA36AFBF0DC0}"/>
-              </a:ext>
-            </a:extLst>
-          </p:cNvPr>
-          <p:cNvSpPr>
-            <a:spLocks noGrp="1"/>
-          </p:cNvSpPr>
-          <p:nvPr>
-            <p:ph type="title"/>
-          </p:nvPr>
-        </p:nvSpPr>
-        <p:spPr/>
-        <p:txBody>
-          <a:bodyPr/>
-          <a:lstStyle/>
-          <a:p>
-            <a:r>
-              <a:rPr lang="vi-VN" dirty="0"/>
-              <a:t>Quy trình thác nước</a:t>
-            </a:r>
-          </a:p>
-        </p:txBody>
-      </p:sp>
-      <p:sp>
-        <p:nvSpPr>
-          <p:cNvPr id="3" name="Content Placeholder 2">
-            <a:extLst>
-              <a:ext uri="{FF2B5EF4-FFF2-40B4-BE49-F238E27FC236}">
-                <a16:creationId xmlns:a16="http://schemas.microsoft.com/office/drawing/2014/main" id="{7CFB1C97-E2B0-4CFF-9121-AFC2B3EC11E5}"/>
-              </a:ext>
-            </a:extLst>
-          </p:cNvPr>
-          <p:cNvSpPr>
-            <a:spLocks noGrp="1"/>
-          </p:cNvSpPr>
-          <p:nvPr>
-            <p:ph idx="1"/>
-          </p:nvPr>
-        </p:nvSpPr>
-        <p:spPr/>
-        <p:txBody>
-          <a:bodyPr>
-            <a:normAutofit/>
-          </a:bodyPr>
-          <a:lstStyle/>
-          <a:p>
-            <a:pPr lvl="0"/>
-            <a:r>
-              <a:rPr lang="vi-VN" dirty="0"/>
-              <a:t>Phân tích hệ thống ( System Analysis): </a:t>
-            </a:r>
-          </a:p>
-          <a:p>
-            <a:pPr lvl="1"/>
-            <a:r>
-              <a:rPr lang="vi-VN" dirty="0"/>
-              <a:t>Là giai đoạn định ra làm thế nào để hệ thống phần mềm đáp ứng đúng yêu cầu của khách hàng.</a:t>
-            </a:r>
-          </a:p>
-          <a:p>
-            <a:pPr lvl="1"/>
-            <a:r>
-              <a:rPr lang="vi-VN" dirty="0"/>
-              <a:t> Giai đoạn này thực hiện phân tích, thiết kế hệ thống phần mềm.</a:t>
-            </a:r>
-          </a:p>
-        </p:txBody>
-      </p:sp>
-    </p:spTree>
-    <p:extLst>
-      <p:ext uri="{BB962C8B-B14F-4D97-AF65-F5344CB8AC3E}">
-        <p14:creationId xmlns:p14="http://schemas.microsoft.com/office/powerpoint/2010/main" val="1617870057"/>
-      </p:ext>
-    </p:extLst>
-  </p:cSld>
-  <p:clrMapOvr>
-    <a:masterClrMapping/>
-  </p:clrMapOvr>
-</p:sld>
-</file>
-
 <file path=ppt/slides/slide5.xml><?xml version="1.0" encoding="utf-8"?>
 <p:sld xmlns:a="http://schemas.openxmlformats.org/drawingml/2006/main" xmlns:r="http://schemas.openxmlformats.org/officeDocument/2006/relationships" xmlns:p="http://schemas.openxmlformats.org/presentationml/2006/main">
   <p:cSld>
@@ -7772,7 +10982,21 @@
             <a:pPr lvl="0"/>
             <a:r>
               <a:rPr lang="vi-VN" dirty="0"/>
-              <a:t>Coding: Là giai đoạn thực hiện sản phẩm dựa trên đặc tả yêu cầu và tài liệu thiết kế module.</a:t>
+              <a:t>Thu thập yêu cầu (Requirement gathering): </a:t>
+            </a:r>
+          </a:p>
+          <a:p>
+            <a:pPr lvl="1"/>
+            <a:r>
+              <a:rPr lang="vi-VN" dirty="0"/>
+              <a:t>Đây là giai đoạn xác định các yêu cầu chức năng và phi chức năng mà hệ thống phần mềm cần có. </a:t>
+            </a:r>
+          </a:p>
+          <a:p>
+            <a:pPr lvl="1"/>
+            <a:r>
+              <a:rPr lang="vi-VN" dirty="0"/>
+              <a:t>Kết quả của giai đoạn này là bản tài liệu đặc tả yêu cầu. Tài liệu này sẽ là nền tảng cho những giai đoạn tiếp theo cho đến cuối dự án.</a:t>
             </a:r>
           </a:p>
         </p:txBody>
@@ -7780,7 +11004,7 @@
     </p:spTree>
     <p:extLst>
       <p:ext uri="{BB962C8B-B14F-4D97-AF65-F5344CB8AC3E}">
-        <p14:creationId xmlns:p14="http://schemas.microsoft.com/office/powerpoint/2010/main" val="181666675"/>
+        <p14:creationId xmlns:p14="http://schemas.microsoft.com/office/powerpoint/2010/main" val="923500163"/>
       </p:ext>
     </p:extLst>
   </p:cSld>
@@ -7861,41 +11085,29 @@
             <a:pPr lvl="0"/>
             <a:r>
               <a:rPr lang="vi-VN" dirty="0"/>
-              <a:t>Testing: </a:t>
+              <a:t>Phân tích hệ thống ( System Analysis): </a:t>
             </a:r>
           </a:p>
           <a:p>
             <a:pPr lvl="1"/>
             <a:r>
               <a:rPr lang="vi-VN" dirty="0"/>
-              <a:t>Tester sẽ nhận sản phẩm từ developer và thực hiện kiểm thử cho nhóm các thành phần và kiểm thử hệ thống. </a:t>
+              <a:t>Là giai đoạn định ra làm thế nào để hệ thống phần mềm đáp ứng đúng yêu cầu của khách hàng.</a:t>
             </a:r>
           </a:p>
           <a:p>
             <a:pPr lvl="1"/>
             <a:r>
               <a:rPr lang="vi-VN" dirty="0"/>
-              <a:t>Khâu kiểm thử cuối cùng sẽ là Kiểm thử chấp nhận, giai đoạn này còn có sự tham gia của khách hàng.</a:t>
-            </a:r>
-          </a:p>
-          <a:p>
-            <a:r>
-              <a:rPr lang="vi-VN" dirty="0"/>
-              <a:t>Implementation: Triển khai hệ thống ra môi trường của khách hàng</a:t>
-            </a:r>
-          </a:p>
-          <a:p>
-            <a:pPr marL="0" lvl="0" indent="0">
-              <a:buNone/>
-            </a:pPr>
-            <a:endParaRPr lang="vi-VN" dirty="0"/>
+              <a:t> Giai đoạn này thực hiện phân tích, thiết kế hệ thống phần mềm.</a:t>
+            </a:r>
           </a:p>
         </p:txBody>
       </p:sp>
     </p:spTree>
     <p:extLst>
       <p:ext uri="{BB962C8B-B14F-4D97-AF65-F5344CB8AC3E}">
-        <p14:creationId xmlns:p14="http://schemas.microsoft.com/office/powerpoint/2010/main" val="3225498655"/>
+        <p14:creationId xmlns:p14="http://schemas.microsoft.com/office/powerpoint/2010/main" val="1617870057"/>
       </p:ext>
     </p:extLst>
   </p:cSld>
@@ -7976,21 +11188,7 @@
             <a:pPr lvl="0"/>
             <a:r>
               <a:rPr lang="vi-VN" dirty="0"/>
-              <a:t>Operations &amp; Maintenance: </a:t>
-            </a:r>
-          </a:p>
-          <a:p>
-            <a:pPr lvl="1"/>
-            <a:r>
-              <a:rPr lang="vi-VN" dirty="0"/>
-              <a:t>Đây là giai đoạn cài đặt, cấu hình và đào tạo cho khách hàng. </a:t>
-            </a:r>
-          </a:p>
-          <a:p>
-            <a:pPr lvl="1"/>
-            <a:r>
-              <a:rPr lang="vi-VN" dirty="0"/>
-              <a:t>Giai đoạn này sửa chữa những lỗi của sản phẩm (nếu có) và phát triển những thay đổi mới được khách hàng yêu cầu.</a:t>
+              <a:t>Coding: Là giai đoạn thực hiện sản phẩm dựa trên đặc tả yêu cầu và tài liệu thiết kế module.</a:t>
             </a:r>
           </a:p>
         </p:txBody>
@@ -7998,7 +11196,7 @@
     </p:spTree>
     <p:extLst>
       <p:ext uri="{BB962C8B-B14F-4D97-AF65-F5344CB8AC3E}">
-        <p14:creationId xmlns:p14="http://schemas.microsoft.com/office/powerpoint/2010/main" val="3661927924"/>
+        <p14:creationId xmlns:p14="http://schemas.microsoft.com/office/powerpoint/2010/main" val="181666675"/>
       </p:ext>
     </p:extLst>
   </p:cSld>
@@ -8030,7 +11228,7 @@
           <p:cNvPr id="2" name="Title 1">
             <a:extLst>
               <a:ext uri="{FF2B5EF4-FFF2-40B4-BE49-F238E27FC236}">
-                <a16:creationId xmlns:a16="http://schemas.microsoft.com/office/drawing/2014/main" id="{938BD2D1-A2CD-45E8-BD7F-5C1E3194F045}"/>
+                <a16:creationId xmlns:a16="http://schemas.microsoft.com/office/drawing/2014/main" id="{3D54648F-5106-4731-96A7-DA36AFBF0DC0}"/>
               </a:ext>
             </a:extLst>
           </p:cNvPr>
@@ -8048,51 +11246,72 @@
           <a:p>
             <a:r>
               <a:rPr lang="vi-VN" dirty="0"/>
-              <a:t>Quản lý tiến độ công việc</a:t>
-            </a:r>
-            <a:br>
-              <a:rPr lang="vi-VN" dirty="0"/>
-            </a:br>
-            <a:endParaRPr lang="vi-VN" dirty="0"/>
-          </a:p>
-        </p:txBody>
-      </p:sp>
-      <p:pic>
-        <p:nvPicPr>
-          <p:cNvPr id="5" name="Content Placeholder 4">
+              <a:t>Quy trình thác nước</a:t>
+            </a:r>
+          </a:p>
+        </p:txBody>
+      </p:sp>
+      <p:sp>
+        <p:nvSpPr>
+          <p:cNvPr id="3" name="Content Placeholder 2">
             <a:extLst>
               <a:ext uri="{FF2B5EF4-FFF2-40B4-BE49-F238E27FC236}">
-                <a16:creationId xmlns:a16="http://schemas.microsoft.com/office/drawing/2014/main" id="{87393DA1-F286-4EC8-A476-E45705EBC487}"/>
+                <a16:creationId xmlns:a16="http://schemas.microsoft.com/office/drawing/2014/main" id="{7CFB1C97-E2B0-4CFF-9121-AFC2B3EC11E5}"/>
               </a:ext>
             </a:extLst>
           </p:cNvPr>
-          <p:cNvPicPr>
-            <a:picLocks noGrp="1"/>
-          </p:cNvPicPr>
+          <p:cNvSpPr>
+            <a:spLocks noGrp="1"/>
+          </p:cNvSpPr>
           <p:nvPr>
             <p:ph idx="1"/>
           </p:nvPr>
-        </p:nvPicPr>
-        <p:blipFill>
-          <a:blip r:embed="rId2"/>
-          <a:stretch>
-            <a:fillRect/>
-          </a:stretch>
-        </p:blipFill>
-        <p:spPr>
-          <a:xfrm>
-            <a:off x="2230612" y="2160588"/>
-            <a:ext cx="5490813" cy="3881437"/>
-          </a:xfrm>
-          <a:prstGeom prst="rect">
-            <a:avLst/>
-          </a:prstGeom>
-        </p:spPr>
-      </p:pic>
+        </p:nvSpPr>
+        <p:spPr/>
+        <p:txBody>
+          <a:bodyPr>
+            <a:normAutofit/>
+          </a:bodyPr>
+          <a:lstStyle/>
+          <a:p>
+            <a:pPr lvl="0"/>
+            <a:r>
+              <a:rPr lang="vi-VN" dirty="0"/>
+              <a:t>Testing: </a:t>
+            </a:r>
+          </a:p>
+          <a:p>
+            <a:pPr lvl="1"/>
+            <a:r>
+              <a:rPr lang="vi-VN" dirty="0"/>
+              <a:t>Tester sẽ nhận sản phẩm từ developer và thực hiện kiểm thử cho nhóm các thành phần và kiểm thử hệ thống. </a:t>
+            </a:r>
+          </a:p>
+          <a:p>
+            <a:pPr lvl="1"/>
+            <a:r>
+              <a:rPr lang="vi-VN" dirty="0"/>
+              <a:t>Khâu kiểm thử cuối cùng sẽ là Kiểm thử chấp nhận, giai đoạn này còn có sự tham gia của khách hàng.</a:t>
+            </a:r>
+          </a:p>
+          <a:p>
+            <a:r>
+              <a:rPr lang="vi-VN" dirty="0"/>
+              <a:t>Implementation: Triển khai hệ thống ra môi trường của khách hàng</a:t>
+            </a:r>
+          </a:p>
+          <a:p>
+            <a:pPr marL="0" lvl="0" indent="0">
+              <a:buNone/>
+            </a:pPr>
+            <a:endParaRPr lang="vi-VN" dirty="0"/>
+          </a:p>
+        </p:txBody>
+      </p:sp>
     </p:spTree>
     <p:extLst>
       <p:ext uri="{BB962C8B-B14F-4D97-AF65-F5344CB8AC3E}">
-        <p14:creationId xmlns:p14="http://schemas.microsoft.com/office/powerpoint/2010/main" val="2015366590"/>
+        <p14:creationId xmlns:p14="http://schemas.microsoft.com/office/powerpoint/2010/main" val="3225498655"/>
       </p:ext>
     </p:extLst>
   </p:cSld>
@@ -8124,7 +11343,7 @@
           <p:cNvPr id="2" name="Title 1">
             <a:extLst>
               <a:ext uri="{FF2B5EF4-FFF2-40B4-BE49-F238E27FC236}">
-                <a16:creationId xmlns:a16="http://schemas.microsoft.com/office/drawing/2014/main" id="{DD92EE37-F070-4693-BF4E-719C67EACDDF}"/>
+                <a16:creationId xmlns:a16="http://schemas.microsoft.com/office/drawing/2014/main" id="{3D54648F-5106-4731-96A7-DA36AFBF0DC0}"/>
               </a:ext>
             </a:extLst>
           </p:cNvPr>
@@ -8142,51 +11361,60 @@
           <a:p>
             <a:r>
               <a:rPr lang="vi-VN" dirty="0"/>
-              <a:t>Quản lý tiến độ công việc</a:t>
-            </a:r>
-            <a:br>
-              <a:rPr lang="vi-VN" dirty="0"/>
-            </a:br>
-            <a:endParaRPr lang="vi-VN" dirty="0"/>
-          </a:p>
-        </p:txBody>
-      </p:sp>
-      <p:pic>
-        <p:nvPicPr>
-          <p:cNvPr id="4" name="Content Placeholder 3">
+              <a:t>Quy trình thác nước</a:t>
+            </a:r>
+          </a:p>
+        </p:txBody>
+      </p:sp>
+      <p:sp>
+        <p:nvSpPr>
+          <p:cNvPr id="3" name="Content Placeholder 2">
             <a:extLst>
               <a:ext uri="{FF2B5EF4-FFF2-40B4-BE49-F238E27FC236}">
-                <a16:creationId xmlns:a16="http://schemas.microsoft.com/office/drawing/2014/main" id="{4ADC9F7C-68C7-4CDF-B912-DCC31FBCF10A}"/>
+                <a16:creationId xmlns:a16="http://schemas.microsoft.com/office/drawing/2014/main" id="{7CFB1C97-E2B0-4CFF-9121-AFC2B3EC11E5}"/>
               </a:ext>
             </a:extLst>
           </p:cNvPr>
-          <p:cNvPicPr>
-            <a:picLocks noGrp="1"/>
-          </p:cNvPicPr>
+          <p:cNvSpPr>
+            <a:spLocks noGrp="1"/>
+          </p:cNvSpPr>
           <p:nvPr>
             <p:ph idx="1"/>
           </p:nvPr>
-        </p:nvPicPr>
-        <p:blipFill>
-          <a:blip r:embed="rId2"/>
-          <a:stretch>
-            <a:fillRect/>
-          </a:stretch>
-        </p:blipFill>
-        <p:spPr>
-          <a:xfrm>
-            <a:off x="2247805" y="2160588"/>
-            <a:ext cx="5456427" cy="3881437"/>
-          </a:xfrm>
-          <a:prstGeom prst="rect">
-            <a:avLst/>
-          </a:prstGeom>
-        </p:spPr>
-      </p:pic>
+        </p:nvSpPr>
+        <p:spPr/>
+        <p:txBody>
+          <a:bodyPr>
+            <a:normAutofit/>
+          </a:bodyPr>
+          <a:lstStyle/>
+          <a:p>
+            <a:pPr lvl="0"/>
+            <a:r>
+              <a:rPr lang="vi-VN" dirty="0"/>
+              <a:t>Operations &amp; Maintenance: </a:t>
+            </a:r>
+          </a:p>
+          <a:p>
+            <a:pPr lvl="1"/>
+            <a:r>
+              <a:rPr lang="vi-VN" dirty="0"/>
+              <a:t>Đây là giai đoạn cài đặt, cấu hình và đào tạo cho khách hàng. </a:t>
+            </a:r>
+          </a:p>
+          <a:p>
+            <a:pPr lvl="1"/>
+            <a:r>
+              <a:rPr lang="vi-VN" dirty="0"/>
+              <a:t>Giai đoạn này sửa chữa những lỗi của sản phẩm (nếu có) và phát triển những thay đổi mới được khách hàng yêu cầu.</a:t>
+            </a:r>
+          </a:p>
+        </p:txBody>
+      </p:sp>
     </p:spTree>
     <p:extLst>
       <p:ext uri="{BB962C8B-B14F-4D97-AF65-F5344CB8AC3E}">
-        <p14:creationId xmlns:p14="http://schemas.microsoft.com/office/powerpoint/2010/main" val="1675058282"/>
+        <p14:creationId xmlns:p14="http://schemas.microsoft.com/office/powerpoint/2010/main" val="3661927924"/>
       </p:ext>
     </p:extLst>
   </p:cSld>
